--- a/Azure IoT and Lambda Architecture.pptx
+++ b/Azure IoT and Lambda Architecture.pptx
@@ -15,7 +15,8 @@
     <p:sldId id="263" r:id="rId9"/>
     <p:sldId id="264" r:id="rId10"/>
     <p:sldId id="265" r:id="rId11"/>
-    <p:sldId id="266" r:id="rId12"/>
+    <p:sldId id="268" r:id="rId12"/>
+    <p:sldId id="266" r:id="rId13"/>
   </p:sldIdLst>
   <p:sldSz cx="12192000" cy="6858000"/>
   <p:notesSz cx="6858000" cy="9144000"/>
@@ -122,10 +123,6 @@
 </p:presentation>
 </file>
 
-<file path=ppt/revisionInfo.xml><?xml version="1.0" encoding="utf-8"?>
-<p1510:revInfo xmlns:a="http://schemas.openxmlformats.org/drawingml/2006/main" xmlns:r="http://schemas.openxmlformats.org/officeDocument/2006/relationships" xmlns:p1510="http://schemas.microsoft.com/office/powerpoint/2015/10/main"/>
-</file>
-
 <file path=ppt/slideLayouts/slideLayout1.xml><?xml version="1.0" encoding="utf-8"?>
 <p:sldLayout xmlns:a="http://schemas.openxmlformats.org/drawingml/2006/main" xmlns:r="http://schemas.openxmlformats.org/officeDocument/2006/relationships" xmlns:p="http://schemas.openxmlformats.org/presentationml/2006/main" type="title" preserve="1">
   <p:cSld name="Title Slide">
@@ -273,7 +270,7 @@
           <a:p>
             <a:fld id="{35651800-B75F-4C51-B699-241426B38AB7}" type="datetimeFigureOut">
               <a:rPr lang="en-US" smtClean="0"/>
-              <a:t>2/3/2018</a:t>
+              <a:t>2/4/2018</a:t>
             </a:fld>
             <a:endParaRPr lang="en-US"/>
           </a:p>
@@ -471,7 +468,7 @@
           <a:p>
             <a:fld id="{35651800-B75F-4C51-B699-241426B38AB7}" type="datetimeFigureOut">
               <a:rPr lang="en-US" smtClean="0"/>
-              <a:t>2/3/2018</a:t>
+              <a:t>2/4/2018</a:t>
             </a:fld>
             <a:endParaRPr lang="en-US"/>
           </a:p>
@@ -679,7 +676,7 @@
           <a:p>
             <a:fld id="{35651800-B75F-4C51-B699-241426B38AB7}" type="datetimeFigureOut">
               <a:rPr lang="en-US" smtClean="0"/>
-              <a:t>2/3/2018</a:t>
+              <a:t>2/4/2018</a:t>
             </a:fld>
             <a:endParaRPr lang="en-US"/>
           </a:p>
@@ -877,7 +874,7 @@
           <a:p>
             <a:fld id="{35651800-B75F-4C51-B699-241426B38AB7}" type="datetimeFigureOut">
               <a:rPr lang="en-US" smtClean="0"/>
-              <a:t>2/3/2018</a:t>
+              <a:t>2/4/2018</a:t>
             </a:fld>
             <a:endParaRPr lang="en-US"/>
           </a:p>
@@ -1152,7 +1149,7 @@
           <a:p>
             <a:fld id="{35651800-B75F-4C51-B699-241426B38AB7}" type="datetimeFigureOut">
               <a:rPr lang="en-US" smtClean="0"/>
-              <a:t>2/3/2018</a:t>
+              <a:t>2/4/2018</a:t>
             </a:fld>
             <a:endParaRPr lang="en-US"/>
           </a:p>
@@ -1417,7 +1414,7 @@
           <a:p>
             <a:fld id="{35651800-B75F-4C51-B699-241426B38AB7}" type="datetimeFigureOut">
               <a:rPr lang="en-US" smtClean="0"/>
-              <a:t>2/3/2018</a:t>
+              <a:t>2/4/2018</a:t>
             </a:fld>
             <a:endParaRPr lang="en-US"/>
           </a:p>
@@ -1829,7 +1826,7 @@
           <a:p>
             <a:fld id="{35651800-B75F-4C51-B699-241426B38AB7}" type="datetimeFigureOut">
               <a:rPr lang="en-US" smtClean="0"/>
-              <a:t>2/3/2018</a:t>
+              <a:t>2/4/2018</a:t>
             </a:fld>
             <a:endParaRPr lang="en-US"/>
           </a:p>
@@ -1970,7 +1967,7 @@
           <a:p>
             <a:fld id="{35651800-B75F-4C51-B699-241426B38AB7}" type="datetimeFigureOut">
               <a:rPr lang="en-US" smtClean="0"/>
-              <a:t>2/3/2018</a:t>
+              <a:t>2/4/2018</a:t>
             </a:fld>
             <a:endParaRPr lang="en-US"/>
           </a:p>
@@ -2083,7 +2080,7 @@
           <a:p>
             <a:fld id="{35651800-B75F-4C51-B699-241426B38AB7}" type="datetimeFigureOut">
               <a:rPr lang="en-US" smtClean="0"/>
-              <a:t>2/3/2018</a:t>
+              <a:t>2/4/2018</a:t>
             </a:fld>
             <a:endParaRPr lang="en-US"/>
           </a:p>
@@ -2394,7 +2391,7 @@
           <a:p>
             <a:fld id="{35651800-B75F-4C51-B699-241426B38AB7}" type="datetimeFigureOut">
               <a:rPr lang="en-US" smtClean="0"/>
-              <a:t>2/3/2018</a:t>
+              <a:t>2/4/2018</a:t>
             </a:fld>
             <a:endParaRPr lang="en-US"/>
           </a:p>
@@ -2682,7 +2679,7 @@
           <a:p>
             <a:fld id="{35651800-B75F-4C51-B699-241426B38AB7}" type="datetimeFigureOut">
               <a:rPr lang="en-US" smtClean="0"/>
-              <a:t>2/3/2018</a:t>
+              <a:t>2/4/2018</a:t>
             </a:fld>
             <a:endParaRPr lang="en-US"/>
           </a:p>
@@ -2923,7 +2920,7 @@
           <a:p>
             <a:fld id="{35651800-B75F-4C51-B699-241426B38AB7}" type="datetimeFigureOut">
               <a:rPr lang="en-US" smtClean="0"/>
-              <a:t>2/3/2018</a:t>
+              <a:t>2/4/2018</a:t>
             </a:fld>
             <a:endParaRPr lang="en-US"/>
           </a:p>
@@ -3363,14 +3360,7 @@
           <a:p>
             <a:r>
               <a:rPr lang="en-US" dirty="0"/>
-              <a:t>Messaging and Events</a:t>
-            </a:r>
-            <a:br>
-              <a:rPr lang="en-US" dirty="0"/>
-            </a:br>
-            <a:r>
-              <a:rPr lang="en-US" dirty="0"/>
-              <a:t>in Azure IoT</a:t>
+              <a:t>Azure, IoT, and Lambda Architecture</a:t>
             </a:r>
           </a:p>
         </p:txBody>
@@ -3599,6 +3589,161 @@
 </file>
 
 <file path=ppt/slides/slide11.xml><?xml version="1.0" encoding="utf-8"?>
+<p:sld xmlns:a="http://schemas.openxmlformats.org/drawingml/2006/main" xmlns:r="http://schemas.openxmlformats.org/officeDocument/2006/relationships" xmlns:p="http://schemas.openxmlformats.org/presentationml/2006/main">
+  <p:cSld>
+    <p:spTree>
+      <p:nvGrpSpPr>
+        <p:cNvPr id="1" name=""/>
+        <p:cNvGrpSpPr/>
+        <p:nvPr/>
+      </p:nvGrpSpPr>
+      <p:grpSpPr>
+        <a:xfrm>
+          <a:off x="0" y="0"/>
+          <a:ext cx="0" cy="0"/>
+          <a:chOff x="0" y="0"/>
+          <a:chExt cx="0" cy="0"/>
+        </a:xfrm>
+      </p:grpSpPr>
+      <p:sp>
+        <p:nvSpPr>
+          <p:cNvPr id="2" name="Title 1">
+            <a:extLst>
+              <a:ext uri="{FF2B5EF4-FFF2-40B4-BE49-F238E27FC236}">
+                <a16:creationId xmlns:a16="http://schemas.microsoft.com/office/drawing/2014/main" id="{CC369A05-11B9-4A3C-A398-0CB77E4149C4}"/>
+              </a:ext>
+            </a:extLst>
+          </p:cNvPr>
+          <p:cNvSpPr>
+            <a:spLocks noGrp="1"/>
+          </p:cNvSpPr>
+          <p:nvPr>
+            <p:ph type="title"/>
+          </p:nvPr>
+        </p:nvSpPr>
+        <p:spPr/>
+        <p:txBody>
+          <a:bodyPr/>
+          <a:lstStyle/>
+          <a:p>
+            <a:r>
+              <a:rPr lang="en-US" dirty="0"/>
+              <a:t>More info</a:t>
+            </a:r>
+          </a:p>
+        </p:txBody>
+      </p:sp>
+      <p:sp>
+        <p:nvSpPr>
+          <p:cNvPr id="3" name="Content Placeholder 2">
+            <a:extLst>
+              <a:ext uri="{FF2B5EF4-FFF2-40B4-BE49-F238E27FC236}">
+                <a16:creationId xmlns:a16="http://schemas.microsoft.com/office/drawing/2014/main" id="{8F42EC04-210C-4DA9-A39A-F57CB9CA5E00}"/>
+              </a:ext>
+            </a:extLst>
+          </p:cNvPr>
+          <p:cNvSpPr>
+            <a:spLocks noGrp="1"/>
+          </p:cNvSpPr>
+          <p:nvPr>
+            <p:ph idx="1"/>
+          </p:nvPr>
+        </p:nvSpPr>
+        <p:spPr/>
+        <p:txBody>
+          <a:bodyPr/>
+          <a:lstStyle/>
+          <a:p>
+            <a:r>
+              <a:rPr lang="en-US" dirty="0">
+                <a:hlinkClick r:id="rId2"/>
+              </a:rPr>
+              <a:t>https://github.com/jplane/aid-meetup</a:t>
+            </a:r>
+            <a:endParaRPr lang="en-US" dirty="0"/>
+          </a:p>
+          <a:p>
+            <a:r>
+              <a:rPr lang="en-US" dirty="0">
+                <a:hlinkClick r:id="rId3"/>
+              </a:rPr>
+              <a:t>https://en.wikipedia.org/wiki/Lambda_architecture</a:t>
+            </a:r>
+            <a:endParaRPr lang="en-US" dirty="0"/>
+          </a:p>
+          <a:p>
+            <a:r>
+              <a:rPr lang="en-US" dirty="0">
+                <a:hlinkClick r:id="rId4"/>
+              </a:rPr>
+              <a:t>https://azure.microsoft.com/en-us/services/iot-hub/</a:t>
+            </a:r>
+            <a:endParaRPr lang="en-US" dirty="0"/>
+          </a:p>
+          <a:p>
+            <a:r>
+              <a:rPr lang="en-US" dirty="0">
+                <a:hlinkClick r:id="rId5"/>
+              </a:rPr>
+              <a:t>https://azure.microsoft.com/en-us/services/stream-analytics/</a:t>
+            </a:r>
+            <a:endParaRPr lang="en-US" dirty="0"/>
+          </a:p>
+          <a:p>
+            <a:r>
+              <a:rPr lang="en-US" dirty="0">
+                <a:hlinkClick r:id="rId6"/>
+              </a:rPr>
+              <a:t>https://azure.microsoft.com/en-us/solutions/data-lake/</a:t>
+            </a:r>
+            <a:endParaRPr lang="en-US" dirty="0"/>
+          </a:p>
+          <a:p>
+            <a:r>
+              <a:rPr lang="en-US" dirty="0">
+                <a:hlinkClick r:id="rId7"/>
+              </a:rPr>
+              <a:t>https://azure.microsoft.com/en-us/services/cosmos-db/</a:t>
+            </a:r>
+            <a:endParaRPr lang="en-US" dirty="0"/>
+          </a:p>
+          <a:p>
+            <a:r>
+              <a:rPr lang="en-US" dirty="0">
+                <a:hlinkClick r:id="rId8"/>
+              </a:rPr>
+              <a:t>https://powerbi.microsoft.com/en-us/</a:t>
+            </a:r>
+            <a:endParaRPr lang="en-US" dirty="0"/>
+          </a:p>
+          <a:p>
+            <a:r>
+              <a:rPr lang="en-US" dirty="0">
+                <a:hlinkClick r:id="rId9"/>
+              </a:rPr>
+              <a:t>https://azure.microsoft.com/en-us/services/event-grid/</a:t>
+            </a:r>
+            <a:endParaRPr lang="en-US" dirty="0"/>
+          </a:p>
+          <a:p>
+            <a:endParaRPr lang="en-US" dirty="0"/>
+          </a:p>
+        </p:txBody>
+      </p:sp>
+    </p:spTree>
+    <p:extLst>
+      <p:ext uri="{BB962C8B-B14F-4D97-AF65-F5344CB8AC3E}">
+        <p14:creationId xmlns:p14="http://schemas.microsoft.com/office/powerpoint/2010/main" val="1553939920"/>
+      </p:ext>
+    </p:extLst>
+  </p:cSld>
+  <p:clrMapOvr>
+    <a:masterClrMapping/>
+  </p:clrMapOvr>
+</p:sld>
+</file>
+
+<file path=ppt/slides/slide12.xml><?xml version="1.0" encoding="utf-8"?>
 <p:sld xmlns:a="http://schemas.openxmlformats.org/drawingml/2006/main" xmlns:r="http://schemas.openxmlformats.org/officeDocument/2006/relationships" xmlns:p="http://schemas.openxmlformats.org/presentationml/2006/main">
   <p:cSld>
     <p:spTree>
@@ -3832,8 +3977,13 @@
             <a:pPr lvl="1"/>
             <a:r>
               <a:rPr lang="en-US" sz="2000" dirty="0"/>
-              <a:t>Twitter, GitHub, LinkedIn</a:t>
-            </a:r>
+              <a:t>Twitter, GitHub, LinkedIn, </a:t>
+            </a:r>
+            <a:r>
+              <a:rPr lang="en-US" sz="2000" dirty="0" err="1"/>
+              <a:t>GMail</a:t>
+            </a:r>
+            <a:endParaRPr lang="en-US" sz="2000" dirty="0"/>
           </a:p>
         </p:txBody>
       </p:sp>

--- a/Azure IoT and Lambda Architecture.pptx
+++ b/Azure IoT and Lambda Architecture.pptx
@@ -8,15 +8,14 @@
     <p:sldId id="256" r:id="rId2"/>
     <p:sldId id="257" r:id="rId3"/>
     <p:sldId id="258" r:id="rId4"/>
-    <p:sldId id="259" r:id="rId5"/>
-    <p:sldId id="260" r:id="rId6"/>
-    <p:sldId id="262" r:id="rId7"/>
-    <p:sldId id="267" r:id="rId8"/>
-    <p:sldId id="263" r:id="rId9"/>
-    <p:sldId id="264" r:id="rId10"/>
-    <p:sldId id="265" r:id="rId11"/>
-    <p:sldId id="268" r:id="rId12"/>
-    <p:sldId id="266" r:id="rId13"/>
+    <p:sldId id="260" r:id="rId5"/>
+    <p:sldId id="262" r:id="rId6"/>
+    <p:sldId id="267" r:id="rId7"/>
+    <p:sldId id="263" r:id="rId8"/>
+    <p:sldId id="264" r:id="rId9"/>
+    <p:sldId id="265" r:id="rId10"/>
+    <p:sldId id="268" r:id="rId11"/>
+    <p:sldId id="266" r:id="rId12"/>
   </p:sldIdLst>
   <p:sldSz cx="12192000" cy="6858000"/>
   <p:notesSz cx="6858000" cy="9144000"/>
@@ -270,7 +269,7 @@
           <a:p>
             <a:fld id="{35651800-B75F-4C51-B699-241426B38AB7}" type="datetimeFigureOut">
               <a:rPr lang="en-US" smtClean="0"/>
-              <a:t>2/4/2018</a:t>
+              <a:t>2/5/2018</a:t>
             </a:fld>
             <a:endParaRPr lang="en-US"/>
           </a:p>
@@ -468,7 +467,7 @@
           <a:p>
             <a:fld id="{35651800-B75F-4C51-B699-241426B38AB7}" type="datetimeFigureOut">
               <a:rPr lang="en-US" smtClean="0"/>
-              <a:t>2/4/2018</a:t>
+              <a:t>2/5/2018</a:t>
             </a:fld>
             <a:endParaRPr lang="en-US"/>
           </a:p>
@@ -676,7 +675,7 @@
           <a:p>
             <a:fld id="{35651800-B75F-4C51-B699-241426B38AB7}" type="datetimeFigureOut">
               <a:rPr lang="en-US" smtClean="0"/>
-              <a:t>2/4/2018</a:t>
+              <a:t>2/5/2018</a:t>
             </a:fld>
             <a:endParaRPr lang="en-US"/>
           </a:p>
@@ -874,7 +873,7 @@
           <a:p>
             <a:fld id="{35651800-B75F-4C51-B699-241426B38AB7}" type="datetimeFigureOut">
               <a:rPr lang="en-US" smtClean="0"/>
-              <a:t>2/4/2018</a:t>
+              <a:t>2/5/2018</a:t>
             </a:fld>
             <a:endParaRPr lang="en-US"/>
           </a:p>
@@ -1149,7 +1148,7 @@
           <a:p>
             <a:fld id="{35651800-B75F-4C51-B699-241426B38AB7}" type="datetimeFigureOut">
               <a:rPr lang="en-US" smtClean="0"/>
-              <a:t>2/4/2018</a:t>
+              <a:t>2/5/2018</a:t>
             </a:fld>
             <a:endParaRPr lang="en-US"/>
           </a:p>
@@ -1414,7 +1413,7 @@
           <a:p>
             <a:fld id="{35651800-B75F-4C51-B699-241426B38AB7}" type="datetimeFigureOut">
               <a:rPr lang="en-US" smtClean="0"/>
-              <a:t>2/4/2018</a:t>
+              <a:t>2/5/2018</a:t>
             </a:fld>
             <a:endParaRPr lang="en-US"/>
           </a:p>
@@ -1826,7 +1825,7 @@
           <a:p>
             <a:fld id="{35651800-B75F-4C51-B699-241426B38AB7}" type="datetimeFigureOut">
               <a:rPr lang="en-US" smtClean="0"/>
-              <a:t>2/4/2018</a:t>
+              <a:t>2/5/2018</a:t>
             </a:fld>
             <a:endParaRPr lang="en-US"/>
           </a:p>
@@ -1967,7 +1966,7 @@
           <a:p>
             <a:fld id="{35651800-B75F-4C51-B699-241426B38AB7}" type="datetimeFigureOut">
               <a:rPr lang="en-US" smtClean="0"/>
-              <a:t>2/4/2018</a:t>
+              <a:t>2/5/2018</a:t>
             </a:fld>
             <a:endParaRPr lang="en-US"/>
           </a:p>
@@ -2080,7 +2079,7 @@
           <a:p>
             <a:fld id="{35651800-B75F-4C51-B699-241426B38AB7}" type="datetimeFigureOut">
               <a:rPr lang="en-US" smtClean="0"/>
-              <a:t>2/4/2018</a:t>
+              <a:t>2/5/2018</a:t>
             </a:fld>
             <a:endParaRPr lang="en-US"/>
           </a:p>
@@ -2391,7 +2390,7 @@
           <a:p>
             <a:fld id="{35651800-B75F-4C51-B699-241426B38AB7}" type="datetimeFigureOut">
               <a:rPr lang="en-US" smtClean="0"/>
-              <a:t>2/4/2018</a:t>
+              <a:t>2/5/2018</a:t>
             </a:fld>
             <a:endParaRPr lang="en-US"/>
           </a:p>
@@ -2679,7 +2678,7 @@
           <a:p>
             <a:fld id="{35651800-B75F-4C51-B699-241426B38AB7}" type="datetimeFigureOut">
               <a:rPr lang="en-US" smtClean="0"/>
-              <a:t>2/4/2018</a:t>
+              <a:t>2/5/2018</a:t>
             </a:fld>
             <a:endParaRPr lang="en-US"/>
           </a:p>
@@ -2920,7 +2919,7 @@
           <a:p>
             <a:fld id="{35651800-B75F-4C51-B699-241426B38AB7}" type="datetimeFigureOut">
               <a:rPr lang="en-US" smtClean="0"/>
-              <a:t>2/4/2018</a:t>
+              <a:t>2/5/2018</a:t>
             </a:fld>
             <a:endParaRPr lang="en-US"/>
           </a:p>
@@ -3444,169 +3443,6 @@
       </p:grpSpPr>
       <p:sp>
         <p:nvSpPr>
-          <p:cNvPr id="3" name="Title 2">
-            <a:extLst>
-              <a:ext uri="{FF2B5EF4-FFF2-40B4-BE49-F238E27FC236}">
-                <a16:creationId xmlns:a16="http://schemas.microsoft.com/office/drawing/2014/main" id="{4363C44D-E6E8-44EB-8EC4-E3DFC932581A}"/>
-              </a:ext>
-            </a:extLst>
-          </p:cNvPr>
-          <p:cNvSpPr>
-            <a:spLocks noGrp="1"/>
-          </p:cNvSpPr>
-          <p:nvPr>
-            <p:ph type="title"/>
-          </p:nvPr>
-        </p:nvSpPr>
-        <p:spPr/>
-        <p:txBody>
-          <a:bodyPr/>
-          <a:lstStyle/>
-          <a:p>
-            <a:r>
-              <a:rPr lang="en-US" dirty="0"/>
-              <a:t>Lambda Architecture – Azure </a:t>
-            </a:r>
-          </a:p>
-        </p:txBody>
-      </p:sp>
-      <p:sp>
-        <p:nvSpPr>
-          <p:cNvPr id="4" name="Content Placeholder 3">
-            <a:extLst>
-              <a:ext uri="{FF2B5EF4-FFF2-40B4-BE49-F238E27FC236}">
-                <a16:creationId xmlns:a16="http://schemas.microsoft.com/office/drawing/2014/main" id="{DABF0B20-82FF-414E-8560-CC261D61B531}"/>
-              </a:ext>
-            </a:extLst>
-          </p:cNvPr>
-          <p:cNvSpPr>
-            <a:spLocks noGrp="1"/>
-          </p:cNvSpPr>
-          <p:nvPr>
-            <p:ph idx="1"/>
-          </p:nvPr>
-        </p:nvSpPr>
-        <p:spPr/>
-        <p:txBody>
-          <a:bodyPr>
-            <a:normAutofit fontScale="92500" lnSpcReduction="20000"/>
-          </a:bodyPr>
-          <a:lstStyle/>
-          <a:p>
-            <a:r>
-              <a:rPr lang="en-US" dirty="0"/>
-              <a:t>Message ingest</a:t>
-            </a:r>
-          </a:p>
-          <a:p>
-            <a:pPr lvl="1"/>
-            <a:r>
-              <a:rPr lang="en-US" dirty="0"/>
-              <a:t>IoT Hub</a:t>
-            </a:r>
-          </a:p>
-          <a:p>
-            <a:r>
-              <a:rPr lang="en-US" dirty="0"/>
-              <a:t>Speed (“real-time”) processing</a:t>
-            </a:r>
-          </a:p>
-          <a:p>
-            <a:pPr lvl="1"/>
-            <a:r>
-              <a:rPr lang="en-US" dirty="0"/>
-              <a:t>Stream Analytics + Cosmos DB</a:t>
-            </a:r>
-          </a:p>
-          <a:p>
-            <a:r>
-              <a:rPr lang="en-US" dirty="0"/>
-              <a:t>Batch processing</a:t>
-            </a:r>
-          </a:p>
-          <a:p>
-            <a:pPr lvl="1"/>
-            <a:r>
-              <a:rPr lang="en-US" dirty="0"/>
-              <a:t>Data Lake</a:t>
-            </a:r>
-          </a:p>
-          <a:p>
-            <a:r>
-              <a:rPr lang="en-US" dirty="0"/>
-              <a:t>Serving layer</a:t>
-            </a:r>
-          </a:p>
-          <a:p>
-            <a:pPr lvl="1"/>
-            <a:r>
-              <a:rPr lang="en-US" dirty="0"/>
-              <a:t>Power BI</a:t>
-            </a:r>
-          </a:p>
-          <a:p>
-            <a:r>
-              <a:rPr lang="en-US" dirty="0"/>
-              <a:t>Cheap long-term storage</a:t>
-            </a:r>
-          </a:p>
-          <a:p>
-            <a:pPr lvl="1"/>
-            <a:r>
-              <a:rPr lang="en-US" dirty="0"/>
-              <a:t>Blob Storage</a:t>
-            </a:r>
-          </a:p>
-          <a:p>
-            <a:r>
-              <a:rPr lang="en-US" dirty="0"/>
-              <a:t>Event-driven processing</a:t>
-            </a:r>
-          </a:p>
-          <a:p>
-            <a:pPr lvl="1"/>
-            <a:r>
-              <a:rPr lang="en-US" dirty="0"/>
-              <a:t>Event Grid</a:t>
-            </a:r>
-          </a:p>
-          <a:p>
-            <a:endParaRPr lang="en-US" dirty="0"/>
-          </a:p>
-        </p:txBody>
-      </p:sp>
-    </p:spTree>
-    <p:extLst>
-      <p:ext uri="{BB962C8B-B14F-4D97-AF65-F5344CB8AC3E}">
-        <p14:creationId xmlns:p14="http://schemas.microsoft.com/office/powerpoint/2010/main" val="1575534624"/>
-      </p:ext>
-    </p:extLst>
-  </p:cSld>
-  <p:clrMapOvr>
-    <a:masterClrMapping/>
-  </p:clrMapOvr>
-</p:sld>
-</file>
-
-<file path=ppt/slides/slide11.xml><?xml version="1.0" encoding="utf-8"?>
-<p:sld xmlns:a="http://schemas.openxmlformats.org/drawingml/2006/main" xmlns:r="http://schemas.openxmlformats.org/officeDocument/2006/relationships" xmlns:p="http://schemas.openxmlformats.org/presentationml/2006/main">
-  <p:cSld>
-    <p:spTree>
-      <p:nvGrpSpPr>
-        <p:cNvPr id="1" name=""/>
-        <p:cNvGrpSpPr/>
-        <p:nvPr/>
-      </p:nvGrpSpPr>
-      <p:grpSpPr>
-        <a:xfrm>
-          <a:off x="0" y="0"/>
-          <a:ext cx="0" cy="0"/>
-          <a:chOff x="0" y="0"/>
-          <a:chExt cx="0" cy="0"/>
-        </a:xfrm>
-      </p:grpSpPr>
-      <p:sp>
-        <p:nvSpPr>
           <p:cNvPr id="2" name="Title 1">
             <a:extLst>
               <a:ext uri="{FF2B5EF4-FFF2-40B4-BE49-F238E27FC236}">
@@ -3651,14 +3487,16 @@
         </p:nvSpPr>
         <p:spPr/>
         <p:txBody>
-          <a:bodyPr/>
+          <a:bodyPr>
+            <a:normAutofit/>
+          </a:bodyPr>
           <a:lstStyle/>
           <a:p>
             <a:r>
               <a:rPr lang="en-US" dirty="0">
                 <a:hlinkClick r:id="rId2"/>
               </a:rPr>
-              <a:t>https://github.com/jplane/aid-meetup</a:t>
+              <a:t>https://github.com/jplane/azure-lambda-architecture</a:t>
             </a:r>
             <a:endParaRPr lang="en-US" dirty="0"/>
           </a:p>
@@ -3743,7 +3581,7 @@
 </p:sld>
 </file>
 
-<file path=ppt/slides/slide12.xml><?xml version="1.0" encoding="utf-8"?>
+<file path=ppt/slides/slide11.xml><?xml version="1.0" encoding="utf-8"?>
 <p:sld xmlns:a="http://schemas.openxmlformats.org/drawingml/2006/main" xmlns:r="http://schemas.openxmlformats.org/officeDocument/2006/relationships" xmlns:p="http://schemas.openxmlformats.org/presentationml/2006/main">
   <p:cSld>
     <p:spTree>
@@ -4254,679 +4092,6 @@
 </file>
 
 <file path=ppt/slides/slide4.xml><?xml version="1.0" encoding="utf-8"?>
-<p:sld xmlns:a="http://schemas.openxmlformats.org/drawingml/2006/main" xmlns:r="http://schemas.openxmlformats.org/officeDocument/2006/relationships" xmlns:p="http://schemas.openxmlformats.org/presentationml/2006/main" show="0">
-  <p:cSld>
-    <p:bg>
-      <p:bgPr>
-        <a:solidFill>
-          <a:schemeClr val="bg1"/>
-        </a:solidFill>
-        <a:effectLst/>
-      </p:bgPr>
-    </p:bg>
-    <p:spTree>
-      <p:nvGrpSpPr>
-        <p:cNvPr id="1" name=""/>
-        <p:cNvGrpSpPr/>
-        <p:nvPr/>
-      </p:nvGrpSpPr>
-      <p:grpSpPr>
-        <a:xfrm>
-          <a:off x="0" y="0"/>
-          <a:ext cx="0" cy="0"/>
-          <a:chOff x="0" y="0"/>
-          <a:chExt cx="0" cy="0"/>
-        </a:xfrm>
-      </p:grpSpPr>
-      <p:sp>
-        <p:nvSpPr>
-          <p:cNvPr id="8" name="Rectangle 7">
-            <a:extLst>
-              <a:ext uri="{FF2B5EF4-FFF2-40B4-BE49-F238E27FC236}">
-                <a16:creationId xmlns:a16="http://schemas.microsoft.com/office/drawing/2014/main" id="{8D70B121-56F4-4848-B38B-182089D909FA}"/>
-              </a:ext>
-            </a:extLst>
-          </p:cNvPr>
-          <p:cNvSpPr>
-            <a:spLocks noGrp="1" noRot="1" noChangeAspect="1" noMove="1" noResize="1" noEditPoints="1" noAdjustHandles="1" noChangeArrowheads="1" noChangeShapeType="1" noTextEdit="1"/>
-          </p:cNvSpPr>
-          <p:nvPr>
-            <p:extLst>
-              <p:ext uri="{386F3935-93C4-4BCD-93E2-E3B085C9AB24}">
-                <p16:designElem xmlns:p16="http://schemas.microsoft.com/office/powerpoint/2015/main" val="1"/>
-              </p:ext>
-            </p:extLst>
-          </p:nvPr>
-        </p:nvSpPr>
-        <p:spPr bwMode="ltGray">
-          <a:xfrm>
-            <a:off x="321564" y="320040"/>
-            <a:ext cx="11548872" cy="6217920"/>
-          </a:xfrm>
-          <a:prstGeom prst="rect">
-            <a:avLst/>
-          </a:prstGeom>
-          <a:solidFill>
-            <a:schemeClr val="tx1">
-              <a:alpha val="8000"/>
-            </a:schemeClr>
-          </a:solidFill>
-          <a:ln w="127000" cap="sq" cmpd="thinThick">
-            <a:noFill/>
-          </a:ln>
-        </p:spPr>
-        <p:style>
-          <a:lnRef idx="2">
-            <a:schemeClr val="accent1">
-              <a:shade val="50000"/>
-            </a:schemeClr>
-          </a:lnRef>
-          <a:fillRef idx="1">
-            <a:schemeClr val="accent1"/>
-          </a:fillRef>
-          <a:effectRef idx="0">
-            <a:schemeClr val="accent1"/>
-          </a:effectRef>
-          <a:fontRef idx="minor">
-            <a:schemeClr val="lt1"/>
-          </a:fontRef>
-        </p:style>
-        <p:txBody>
-          <a:bodyPr rtlCol="0" anchor="ctr"/>
-          <a:lstStyle/>
-          <a:p>
-            <a:pPr algn="ctr"/>
-            <a:endParaRPr lang="en-US"/>
-          </a:p>
-        </p:txBody>
-      </p:sp>
-      <p:cxnSp>
-        <p:nvCxnSpPr>
-          <p:cNvPr id="10" name="Straight Connector 9">
-            <a:extLst>
-              <a:ext uri="{FF2B5EF4-FFF2-40B4-BE49-F238E27FC236}">
-                <a16:creationId xmlns:a16="http://schemas.microsoft.com/office/drawing/2014/main" id="{2D72A2C9-F3CA-4216-8BAD-FA4C970C3C4E}"/>
-              </a:ext>
-            </a:extLst>
-          </p:cNvPr>
-          <p:cNvCxnSpPr>
-            <a:cxnSpLocks noGrp="1" noRot="1" noChangeAspect="1" noMove="1" noResize="1" noEditPoints="1" noAdjustHandles="1" noChangeArrowheads="1" noChangeShapeType="1"/>
-          </p:cNvCxnSpPr>
-          <p:nvPr>
-            <p:extLst>
-              <p:ext uri="{386F3935-93C4-4BCD-93E2-E3B085C9AB24}">
-                <p16:designElem xmlns:p16="http://schemas.microsoft.com/office/powerpoint/2015/main" val="1"/>
-              </p:ext>
-            </p:extLst>
-          </p:nvPr>
-        </p:nvCxnSpPr>
-        <p:spPr>
-          <a:xfrm>
-            <a:off x="4654296" y="2057400"/>
-            <a:ext cx="0" cy="2743200"/>
-          </a:xfrm>
-          <a:prstGeom prst="line">
-            <a:avLst/>
-          </a:prstGeom>
-          <a:ln w="19050">
-            <a:solidFill>
-              <a:schemeClr val="tx1">
-                <a:lumMod val="85000"/>
-                <a:lumOff val="15000"/>
-              </a:schemeClr>
-            </a:solidFill>
-          </a:ln>
-        </p:spPr>
-        <p:style>
-          <a:lnRef idx="1">
-            <a:schemeClr val="accent1"/>
-          </a:lnRef>
-          <a:fillRef idx="0">
-            <a:schemeClr val="accent1"/>
-          </a:fillRef>
-          <a:effectRef idx="0">
-            <a:schemeClr val="accent1"/>
-          </a:effectRef>
-          <a:fontRef idx="minor">
-            <a:schemeClr val="tx1"/>
-          </a:fontRef>
-        </p:style>
-      </p:cxnSp>
-      <p:sp>
-        <p:nvSpPr>
-          <p:cNvPr id="2" name="Title 1">
-            <a:extLst>
-              <a:ext uri="{FF2B5EF4-FFF2-40B4-BE49-F238E27FC236}">
-                <a16:creationId xmlns:a16="http://schemas.microsoft.com/office/drawing/2014/main" id="{A6D59BAF-F2A9-4714-B3A3-694FEBD85140}"/>
-              </a:ext>
-            </a:extLst>
-          </p:cNvPr>
-          <p:cNvSpPr>
-            <a:spLocks noGrp="1"/>
-          </p:cNvSpPr>
-          <p:nvPr>
-            <p:ph type="title"/>
-          </p:nvPr>
-        </p:nvSpPr>
-        <p:spPr>
-          <a:xfrm>
-            <a:off x="838200" y="963877"/>
-            <a:ext cx="3494362" cy="4930246"/>
-          </a:xfrm>
-        </p:spPr>
-        <p:txBody>
-          <a:bodyPr>
-            <a:normAutofit/>
-          </a:bodyPr>
-          <a:lstStyle/>
-          <a:p>
-            <a:pPr algn="r"/>
-            <a:r>
-              <a:rPr lang="en-US" dirty="0">
-                <a:solidFill>
-                  <a:schemeClr val="accent1"/>
-                </a:solidFill>
-              </a:rPr>
-              <a:t>Messages Events Commands</a:t>
-            </a:r>
-          </a:p>
-        </p:txBody>
-      </p:sp>
-      <p:sp>
-        <p:nvSpPr>
-          <p:cNvPr id="3" name="Content Placeholder 2">
-            <a:extLst>
-              <a:ext uri="{FF2B5EF4-FFF2-40B4-BE49-F238E27FC236}">
-                <a16:creationId xmlns:a16="http://schemas.microsoft.com/office/drawing/2014/main" id="{15A19335-50CE-4434-BC84-7D4C7ED18562}"/>
-              </a:ext>
-            </a:extLst>
-          </p:cNvPr>
-          <p:cNvSpPr>
-            <a:spLocks noGrp="1"/>
-          </p:cNvSpPr>
-          <p:nvPr>
-            <p:ph idx="1"/>
-          </p:nvPr>
-        </p:nvSpPr>
-        <p:spPr>
-          <a:xfrm>
-            <a:off x="4976031" y="963877"/>
-            <a:ext cx="6377769" cy="4930246"/>
-          </a:xfrm>
-        </p:spPr>
-        <p:txBody>
-          <a:bodyPr anchor="ctr">
-            <a:normAutofit lnSpcReduction="10000"/>
-          </a:bodyPr>
-          <a:lstStyle/>
-          <a:p>
-            <a:pPr marL="0" indent="0">
-              <a:buNone/>
-            </a:pPr>
-            <a:r>
-              <a:rPr lang="en-US" sz="2400" b="1" dirty="0"/>
-              <a:t>Message</a:t>
-            </a:r>
-          </a:p>
-          <a:p>
-            <a:pPr marL="457200" lvl="1" indent="0">
-              <a:buNone/>
-            </a:pPr>
-            <a:r>
-              <a:rPr lang="en-US" dirty="0"/>
-              <a:t>Any discrete information exchanged between parties with a known or knowable schema</a:t>
-            </a:r>
-          </a:p>
-          <a:p>
-            <a:pPr marL="457200" lvl="1" indent="0">
-              <a:buNone/>
-            </a:pPr>
-            <a:r>
-              <a:rPr lang="en-US" i="1" dirty="0"/>
-              <a:t>[purchase order, list of train schedules, etc.]</a:t>
-            </a:r>
-          </a:p>
-          <a:p>
-            <a:pPr marL="0" indent="0">
-              <a:buNone/>
-            </a:pPr>
-            <a:r>
-              <a:rPr lang="en-US" sz="2400" b="1" dirty="0"/>
-              <a:t>Event</a:t>
-            </a:r>
-          </a:p>
-          <a:p>
-            <a:pPr marL="457200" lvl="1" indent="0">
-              <a:buNone/>
-            </a:pPr>
-            <a:r>
-              <a:rPr lang="en-US" dirty="0"/>
-              <a:t>A uniquely identified message whose intent is to describe something that has already happened</a:t>
-            </a:r>
-          </a:p>
-          <a:p>
-            <a:pPr marL="457200" lvl="1" indent="0">
-              <a:buNone/>
-            </a:pPr>
-            <a:r>
-              <a:rPr lang="en-US" i="1" dirty="0"/>
-              <a:t>[PurchaseOrderCompletedEvent]</a:t>
-            </a:r>
-          </a:p>
-          <a:p>
-            <a:pPr marL="0" indent="0">
-              <a:buNone/>
-            </a:pPr>
-            <a:r>
-              <a:rPr lang="en-US" sz="2400" b="1" dirty="0"/>
-              <a:t>Command</a:t>
-            </a:r>
-          </a:p>
-          <a:p>
-            <a:pPr marL="457200" lvl="1" indent="0">
-              <a:buNone/>
-            </a:pPr>
-            <a:r>
-              <a:rPr lang="en-US" dirty="0"/>
-              <a:t>A message whose intent is to describe something that should happen in the future</a:t>
-            </a:r>
-          </a:p>
-          <a:p>
-            <a:pPr marL="457200" lvl="1" indent="0">
-              <a:buNone/>
-            </a:pPr>
-            <a:r>
-              <a:rPr lang="en-US" i="1" dirty="0"/>
-              <a:t>[</a:t>
-            </a:r>
-            <a:r>
-              <a:rPr lang="en-US" i="1" dirty="0" err="1"/>
-              <a:t>StartTrainCommand</a:t>
-            </a:r>
-            <a:r>
-              <a:rPr lang="en-US" i="1" dirty="0"/>
-              <a:t>]</a:t>
-            </a:r>
-          </a:p>
-        </p:txBody>
-      </p:sp>
-    </p:spTree>
-    <p:extLst>
-      <p:ext uri="{BB962C8B-B14F-4D97-AF65-F5344CB8AC3E}">
-        <p14:creationId xmlns:p14="http://schemas.microsoft.com/office/powerpoint/2010/main" val="877171779"/>
-      </p:ext>
-    </p:extLst>
-  </p:cSld>
-  <p:clrMapOvr>
-    <a:masterClrMapping/>
-  </p:clrMapOvr>
-  <p:timing>
-    <p:tnLst>
-      <p:par>
-        <p:cTn id="1" dur="indefinite" restart="never" nodeType="tmRoot">
-          <p:childTnLst>
-            <p:seq concurrent="1" nextAc="seek">
-              <p:cTn id="2" dur="indefinite" nodeType="mainSeq">
-                <p:childTnLst>
-                  <p:par>
-                    <p:cTn id="3" fill="hold">
-                      <p:stCondLst>
-                        <p:cond delay="indefinite"/>
-                      </p:stCondLst>
-                      <p:childTnLst>
-                        <p:par>
-                          <p:cTn id="4" fill="hold">
-                            <p:stCondLst>
-                              <p:cond delay="0"/>
-                            </p:stCondLst>
-                            <p:childTnLst>
-                              <p:par>
-                                <p:cTn id="5" presetID="1" presetClass="entr" presetSubtype="0" fill="hold" nodeType="clickEffect">
-                                  <p:stCondLst>
-                                    <p:cond delay="0"/>
-                                  </p:stCondLst>
-                                  <p:childTnLst>
-                                    <p:set>
-                                      <p:cBhvr>
-                                        <p:cTn id="6" dur="1" fill="hold">
-                                          <p:stCondLst>
-                                            <p:cond delay="0"/>
-                                          </p:stCondLst>
-                                        </p:cTn>
-                                        <p:tgtEl>
-                                          <p:spTgt spid="3">
-                                            <p:txEl>
-                                              <p:pRg st="0" end="0"/>
-                                            </p:txEl>
-                                          </p:spTgt>
-                                        </p:tgtEl>
-                                        <p:attrNameLst>
-                                          <p:attrName>style.visibility</p:attrName>
-                                        </p:attrNameLst>
-                                      </p:cBhvr>
-                                      <p:to>
-                                        <p:strVal val="visible"/>
-                                      </p:to>
-                                    </p:set>
-                                  </p:childTnLst>
-                                </p:cTn>
-                              </p:par>
-                              <p:par>
-                                <p:cTn id="7" presetID="1" presetClass="entr" presetSubtype="0" fill="hold" nodeType="withEffect">
-                                  <p:stCondLst>
-                                    <p:cond delay="0"/>
-                                  </p:stCondLst>
-                                  <p:childTnLst>
-                                    <p:set>
-                                      <p:cBhvr>
-                                        <p:cTn id="8" dur="1" fill="hold">
-                                          <p:stCondLst>
-                                            <p:cond delay="0"/>
-                                          </p:stCondLst>
-                                        </p:cTn>
-                                        <p:tgtEl>
-                                          <p:spTgt spid="3">
-                                            <p:txEl>
-                                              <p:pRg st="1" end="1"/>
-                                            </p:txEl>
-                                          </p:spTgt>
-                                        </p:tgtEl>
-                                        <p:attrNameLst>
-                                          <p:attrName>style.visibility</p:attrName>
-                                        </p:attrNameLst>
-                                      </p:cBhvr>
-                                      <p:to>
-                                        <p:strVal val="visible"/>
-                                      </p:to>
-                                    </p:set>
-                                  </p:childTnLst>
-                                </p:cTn>
-                              </p:par>
-                              <p:par>
-                                <p:cTn id="9" presetID="1" presetClass="entr" presetSubtype="0" fill="hold" nodeType="withEffect">
-                                  <p:stCondLst>
-                                    <p:cond delay="0"/>
-                                  </p:stCondLst>
-                                  <p:childTnLst>
-                                    <p:set>
-                                      <p:cBhvr>
-                                        <p:cTn id="10" dur="1" fill="hold">
-                                          <p:stCondLst>
-                                            <p:cond delay="0"/>
-                                          </p:stCondLst>
-                                        </p:cTn>
-                                        <p:tgtEl>
-                                          <p:spTgt spid="3">
-                                            <p:txEl>
-                                              <p:pRg st="2" end="2"/>
-                                            </p:txEl>
-                                          </p:spTgt>
-                                        </p:tgtEl>
-                                        <p:attrNameLst>
-                                          <p:attrName>style.visibility</p:attrName>
-                                        </p:attrNameLst>
-                                      </p:cBhvr>
-                                      <p:to>
-                                        <p:strVal val="visible"/>
-                                      </p:to>
-                                    </p:set>
-                                  </p:childTnLst>
-                                </p:cTn>
-                              </p:par>
-                            </p:childTnLst>
-                          </p:cTn>
-                        </p:par>
-                      </p:childTnLst>
-                    </p:cTn>
-                  </p:par>
-                  <p:par>
-                    <p:cTn id="11" fill="hold">
-                      <p:stCondLst>
-                        <p:cond delay="indefinite"/>
-                      </p:stCondLst>
-                      <p:childTnLst>
-                        <p:par>
-                          <p:cTn id="12" fill="hold">
-                            <p:stCondLst>
-                              <p:cond delay="0"/>
-                            </p:stCondLst>
-                            <p:childTnLst>
-                              <p:par>
-                                <p:cTn id="13" presetID="1" presetClass="entr" presetSubtype="0" fill="hold" nodeType="clickEffect">
-                                  <p:stCondLst>
-                                    <p:cond delay="0"/>
-                                  </p:stCondLst>
-                                  <p:childTnLst>
-                                    <p:set>
-                                      <p:cBhvr>
-                                        <p:cTn id="14" dur="1" fill="hold">
-                                          <p:stCondLst>
-                                            <p:cond delay="0"/>
-                                          </p:stCondLst>
-                                        </p:cTn>
-                                        <p:tgtEl>
-                                          <p:spTgt spid="3">
-                                            <p:txEl>
-                                              <p:pRg st="3" end="3"/>
-                                            </p:txEl>
-                                          </p:spTgt>
-                                        </p:tgtEl>
-                                        <p:attrNameLst>
-                                          <p:attrName>style.visibility</p:attrName>
-                                        </p:attrNameLst>
-                                      </p:cBhvr>
-                                      <p:to>
-                                        <p:strVal val="visible"/>
-                                      </p:to>
-                                    </p:set>
-                                  </p:childTnLst>
-                                </p:cTn>
-                              </p:par>
-                              <p:par>
-                                <p:cTn id="15" presetID="1" presetClass="entr" presetSubtype="0" fill="hold" nodeType="withEffect">
-                                  <p:stCondLst>
-                                    <p:cond delay="0"/>
-                                  </p:stCondLst>
-                                  <p:childTnLst>
-                                    <p:set>
-                                      <p:cBhvr>
-                                        <p:cTn id="16" dur="1" fill="hold">
-                                          <p:stCondLst>
-                                            <p:cond delay="0"/>
-                                          </p:stCondLst>
-                                        </p:cTn>
-                                        <p:tgtEl>
-                                          <p:spTgt spid="3">
-                                            <p:txEl>
-                                              <p:pRg st="4" end="4"/>
-                                            </p:txEl>
-                                          </p:spTgt>
-                                        </p:tgtEl>
-                                        <p:attrNameLst>
-                                          <p:attrName>style.visibility</p:attrName>
-                                        </p:attrNameLst>
-                                      </p:cBhvr>
-                                      <p:to>
-                                        <p:strVal val="visible"/>
-                                      </p:to>
-                                    </p:set>
-                                  </p:childTnLst>
-                                </p:cTn>
-                              </p:par>
-                              <p:par>
-                                <p:cTn id="17" presetID="1" presetClass="entr" presetSubtype="0" fill="hold" nodeType="withEffect">
-                                  <p:stCondLst>
-                                    <p:cond delay="0"/>
-                                  </p:stCondLst>
-                                  <p:childTnLst>
-                                    <p:set>
-                                      <p:cBhvr>
-                                        <p:cTn id="18" dur="1" fill="hold">
-                                          <p:stCondLst>
-                                            <p:cond delay="0"/>
-                                          </p:stCondLst>
-                                        </p:cTn>
-                                        <p:tgtEl>
-                                          <p:spTgt spid="3">
-                                            <p:txEl>
-                                              <p:pRg st="5" end="5"/>
-                                            </p:txEl>
-                                          </p:spTgt>
-                                        </p:tgtEl>
-                                        <p:attrNameLst>
-                                          <p:attrName>style.visibility</p:attrName>
-                                        </p:attrNameLst>
-                                      </p:cBhvr>
-                                      <p:to>
-                                        <p:strVal val="visible"/>
-                                      </p:to>
-                                    </p:set>
-                                  </p:childTnLst>
-                                </p:cTn>
-                              </p:par>
-                            </p:childTnLst>
-                          </p:cTn>
-                        </p:par>
-                      </p:childTnLst>
-                    </p:cTn>
-                  </p:par>
-                  <p:par>
-                    <p:cTn id="19" fill="hold">
-                      <p:stCondLst>
-                        <p:cond delay="indefinite"/>
-                      </p:stCondLst>
-                      <p:childTnLst>
-                        <p:par>
-                          <p:cTn id="20" fill="hold">
-                            <p:stCondLst>
-                              <p:cond delay="0"/>
-                            </p:stCondLst>
-                            <p:childTnLst>
-                              <p:par>
-                                <p:cTn id="21" presetID="1" presetClass="entr" presetSubtype="0" fill="hold" nodeType="clickEffect">
-                                  <p:stCondLst>
-                                    <p:cond delay="0"/>
-                                  </p:stCondLst>
-                                  <p:childTnLst>
-                                    <p:set>
-                                      <p:cBhvr>
-                                        <p:cTn id="22" dur="1" fill="hold">
-                                          <p:stCondLst>
-                                            <p:cond delay="0"/>
-                                          </p:stCondLst>
-                                        </p:cTn>
-                                        <p:tgtEl>
-                                          <p:spTgt spid="3">
-                                            <p:txEl>
-                                              <p:pRg st="6" end="6"/>
-                                            </p:txEl>
-                                          </p:spTgt>
-                                        </p:tgtEl>
-                                        <p:attrNameLst>
-                                          <p:attrName>style.visibility</p:attrName>
-                                        </p:attrNameLst>
-                                      </p:cBhvr>
-                                      <p:to>
-                                        <p:strVal val="visible"/>
-                                      </p:to>
-                                    </p:set>
-                                  </p:childTnLst>
-                                </p:cTn>
-                              </p:par>
-                              <p:par>
-                                <p:cTn id="23" presetID="1" presetClass="entr" presetSubtype="0" fill="hold" nodeType="withEffect">
-                                  <p:stCondLst>
-                                    <p:cond delay="0"/>
-                                  </p:stCondLst>
-                                  <p:childTnLst>
-                                    <p:set>
-                                      <p:cBhvr>
-                                        <p:cTn id="24" dur="1" fill="hold">
-                                          <p:stCondLst>
-                                            <p:cond delay="0"/>
-                                          </p:stCondLst>
-                                        </p:cTn>
-                                        <p:tgtEl>
-                                          <p:spTgt spid="3">
-                                            <p:txEl>
-                                              <p:pRg st="7" end="7"/>
-                                            </p:txEl>
-                                          </p:spTgt>
-                                        </p:tgtEl>
-                                        <p:attrNameLst>
-                                          <p:attrName>style.visibility</p:attrName>
-                                        </p:attrNameLst>
-                                      </p:cBhvr>
-                                      <p:to>
-                                        <p:strVal val="visible"/>
-                                      </p:to>
-                                    </p:set>
-                                  </p:childTnLst>
-                                </p:cTn>
-                              </p:par>
-                              <p:par>
-                                <p:cTn id="25" presetID="1" presetClass="entr" presetSubtype="0" fill="hold" nodeType="withEffect">
-                                  <p:stCondLst>
-                                    <p:cond delay="0"/>
-                                  </p:stCondLst>
-                                  <p:childTnLst>
-                                    <p:set>
-                                      <p:cBhvr>
-                                        <p:cTn id="26" dur="1" fill="hold">
-                                          <p:stCondLst>
-                                            <p:cond delay="0"/>
-                                          </p:stCondLst>
-                                        </p:cTn>
-                                        <p:tgtEl>
-                                          <p:spTgt spid="3">
-                                            <p:txEl>
-                                              <p:pRg st="8" end="8"/>
-                                            </p:txEl>
-                                          </p:spTgt>
-                                        </p:tgtEl>
-                                        <p:attrNameLst>
-                                          <p:attrName>style.visibility</p:attrName>
-                                        </p:attrNameLst>
-                                      </p:cBhvr>
-                                      <p:to>
-                                        <p:strVal val="visible"/>
-                                      </p:to>
-                                    </p:set>
-                                  </p:childTnLst>
-                                </p:cTn>
-                              </p:par>
-                            </p:childTnLst>
-                          </p:cTn>
-                        </p:par>
-                      </p:childTnLst>
-                    </p:cTn>
-                  </p:par>
-                </p:childTnLst>
-              </p:cTn>
-              <p:prevCondLst>
-                <p:cond evt="onPrev" delay="0">
-                  <p:tgtEl>
-                    <p:sldTgt/>
-                  </p:tgtEl>
-                </p:cond>
-              </p:prevCondLst>
-              <p:nextCondLst>
-                <p:cond evt="onNext" delay="0">
-                  <p:tgtEl>
-                    <p:sldTgt/>
-                  </p:tgtEl>
-                </p:cond>
-              </p:nextCondLst>
-            </p:seq>
-          </p:childTnLst>
-        </p:cTn>
-      </p:par>
-    </p:tnLst>
-  </p:timing>
-</p:sld>
-</file>
-
-<file path=ppt/slides/slide5.xml><?xml version="1.0" encoding="utf-8"?>
 <p:sld xmlns:a="http://schemas.openxmlformats.org/drawingml/2006/main" xmlns:r="http://schemas.openxmlformats.org/officeDocument/2006/relationships" xmlns:p="http://schemas.openxmlformats.org/presentationml/2006/main">
   <p:cSld>
     <p:bg>
@@ -5118,7 +4283,7 @@
 </p:sld>
 </file>
 
-<file path=ppt/slides/slide6.xml><?xml version="1.0" encoding="utf-8"?>
+<file path=ppt/slides/slide5.xml><?xml version="1.0" encoding="utf-8"?>
 <p:sld xmlns:a="http://schemas.openxmlformats.org/drawingml/2006/main" xmlns:r="http://schemas.openxmlformats.org/officeDocument/2006/relationships" xmlns:p="http://schemas.openxmlformats.org/presentationml/2006/main">
   <p:cSld>
     <p:spTree>
@@ -7082,7 +6247,7 @@
 </p:sld>
 </file>
 
-<file path=ppt/slides/slide7.xml><?xml version="1.0" encoding="utf-8"?>
+<file path=ppt/slides/slide6.xml><?xml version="1.0" encoding="utf-8"?>
 <p:sld xmlns:a="http://schemas.openxmlformats.org/drawingml/2006/main" xmlns:r="http://schemas.openxmlformats.org/officeDocument/2006/relationships" xmlns:p="http://schemas.openxmlformats.org/presentationml/2006/main">
   <p:cSld>
     <p:spTree>
@@ -7165,7 +6330,7 @@
 </p:sld>
 </file>
 
-<file path=ppt/slides/slide8.xml><?xml version="1.0" encoding="utf-8"?>
+<file path=ppt/slides/slide7.xml><?xml version="1.0" encoding="utf-8"?>
 <p:sld xmlns:a="http://schemas.openxmlformats.org/drawingml/2006/main" xmlns:r="http://schemas.openxmlformats.org/officeDocument/2006/relationships" xmlns:p="http://schemas.openxmlformats.org/presentationml/2006/main">
   <p:cSld>
     <p:spTree>
@@ -7272,7 +6437,7 @@
 </p:sld>
 </file>
 
-<file path=ppt/slides/slide9.xml><?xml version="1.0" encoding="utf-8"?>
+<file path=ppt/slides/slide8.xml><?xml version="1.0" encoding="utf-8"?>
 <p:sld xmlns:a="http://schemas.openxmlformats.org/drawingml/2006/main" xmlns:r="http://schemas.openxmlformats.org/officeDocument/2006/relationships" xmlns:p="http://schemas.openxmlformats.org/presentationml/2006/main">
   <p:cSld>
     <p:spTree>
@@ -8122,6 +7287,169 @@
     <p:extLst>
       <p:ext uri="{BB962C8B-B14F-4D97-AF65-F5344CB8AC3E}">
         <p14:creationId xmlns:p14="http://schemas.microsoft.com/office/powerpoint/2010/main" val="3326320149"/>
+      </p:ext>
+    </p:extLst>
+  </p:cSld>
+  <p:clrMapOvr>
+    <a:masterClrMapping/>
+  </p:clrMapOvr>
+</p:sld>
+</file>
+
+<file path=ppt/slides/slide9.xml><?xml version="1.0" encoding="utf-8"?>
+<p:sld xmlns:a="http://schemas.openxmlformats.org/drawingml/2006/main" xmlns:r="http://schemas.openxmlformats.org/officeDocument/2006/relationships" xmlns:p="http://schemas.openxmlformats.org/presentationml/2006/main">
+  <p:cSld>
+    <p:spTree>
+      <p:nvGrpSpPr>
+        <p:cNvPr id="1" name=""/>
+        <p:cNvGrpSpPr/>
+        <p:nvPr/>
+      </p:nvGrpSpPr>
+      <p:grpSpPr>
+        <a:xfrm>
+          <a:off x="0" y="0"/>
+          <a:ext cx="0" cy="0"/>
+          <a:chOff x="0" y="0"/>
+          <a:chExt cx="0" cy="0"/>
+        </a:xfrm>
+      </p:grpSpPr>
+      <p:sp>
+        <p:nvSpPr>
+          <p:cNvPr id="3" name="Title 2">
+            <a:extLst>
+              <a:ext uri="{FF2B5EF4-FFF2-40B4-BE49-F238E27FC236}">
+                <a16:creationId xmlns:a16="http://schemas.microsoft.com/office/drawing/2014/main" id="{4363C44D-E6E8-44EB-8EC4-E3DFC932581A}"/>
+              </a:ext>
+            </a:extLst>
+          </p:cNvPr>
+          <p:cNvSpPr>
+            <a:spLocks noGrp="1"/>
+          </p:cNvSpPr>
+          <p:nvPr>
+            <p:ph type="title"/>
+          </p:nvPr>
+        </p:nvSpPr>
+        <p:spPr/>
+        <p:txBody>
+          <a:bodyPr/>
+          <a:lstStyle/>
+          <a:p>
+            <a:r>
+              <a:rPr lang="en-US" dirty="0"/>
+              <a:t>Lambda Architecture – Azure </a:t>
+            </a:r>
+          </a:p>
+        </p:txBody>
+      </p:sp>
+      <p:sp>
+        <p:nvSpPr>
+          <p:cNvPr id="4" name="Content Placeholder 3">
+            <a:extLst>
+              <a:ext uri="{FF2B5EF4-FFF2-40B4-BE49-F238E27FC236}">
+                <a16:creationId xmlns:a16="http://schemas.microsoft.com/office/drawing/2014/main" id="{DABF0B20-82FF-414E-8560-CC261D61B531}"/>
+              </a:ext>
+            </a:extLst>
+          </p:cNvPr>
+          <p:cNvSpPr>
+            <a:spLocks noGrp="1"/>
+          </p:cNvSpPr>
+          <p:nvPr>
+            <p:ph idx="1"/>
+          </p:nvPr>
+        </p:nvSpPr>
+        <p:spPr/>
+        <p:txBody>
+          <a:bodyPr>
+            <a:normAutofit fontScale="92500" lnSpcReduction="20000"/>
+          </a:bodyPr>
+          <a:lstStyle/>
+          <a:p>
+            <a:r>
+              <a:rPr lang="en-US" dirty="0"/>
+              <a:t>Message ingest</a:t>
+            </a:r>
+          </a:p>
+          <a:p>
+            <a:pPr lvl="1"/>
+            <a:r>
+              <a:rPr lang="en-US" dirty="0"/>
+              <a:t>IoT Hub</a:t>
+            </a:r>
+          </a:p>
+          <a:p>
+            <a:r>
+              <a:rPr lang="en-US" dirty="0"/>
+              <a:t>Speed (“real-time”) processing</a:t>
+            </a:r>
+          </a:p>
+          <a:p>
+            <a:pPr lvl="1"/>
+            <a:r>
+              <a:rPr lang="en-US" dirty="0"/>
+              <a:t>Stream Analytics + Cosmos DB</a:t>
+            </a:r>
+          </a:p>
+          <a:p>
+            <a:r>
+              <a:rPr lang="en-US" dirty="0"/>
+              <a:t>Batch processing</a:t>
+            </a:r>
+          </a:p>
+          <a:p>
+            <a:pPr lvl="1"/>
+            <a:r>
+              <a:rPr lang="en-US" dirty="0"/>
+              <a:t>Data Lake</a:t>
+            </a:r>
+          </a:p>
+          <a:p>
+            <a:r>
+              <a:rPr lang="en-US" dirty="0"/>
+              <a:t>Serving layer</a:t>
+            </a:r>
+          </a:p>
+          <a:p>
+            <a:pPr lvl="1"/>
+            <a:r>
+              <a:rPr lang="en-US" dirty="0"/>
+              <a:t>Power BI</a:t>
+            </a:r>
+          </a:p>
+          <a:p>
+            <a:r>
+              <a:rPr lang="en-US" dirty="0"/>
+              <a:t>Cheap long-term storage</a:t>
+            </a:r>
+          </a:p>
+          <a:p>
+            <a:pPr lvl="1"/>
+            <a:r>
+              <a:rPr lang="en-US" dirty="0"/>
+              <a:t>Blob Storage</a:t>
+            </a:r>
+          </a:p>
+          <a:p>
+            <a:r>
+              <a:rPr lang="en-US" dirty="0"/>
+              <a:t>Event-driven processing</a:t>
+            </a:r>
+          </a:p>
+          <a:p>
+            <a:pPr lvl="1"/>
+            <a:r>
+              <a:rPr lang="en-US" dirty="0"/>
+              <a:t>Event Grid</a:t>
+            </a:r>
+          </a:p>
+          <a:p>
+            <a:endParaRPr lang="en-US" dirty="0"/>
+          </a:p>
+        </p:txBody>
+      </p:sp>
+    </p:spTree>
+    <p:extLst>
+      <p:ext uri="{BB962C8B-B14F-4D97-AF65-F5344CB8AC3E}">
+        <p14:creationId xmlns:p14="http://schemas.microsoft.com/office/powerpoint/2010/main" val="1575534624"/>
       </p:ext>
     </p:extLst>
   </p:cSld>

--- a/Azure IoT and Lambda Architecture.pptx
+++ b/Azure IoT and Lambda Architecture.pptx
@@ -8,15 +8,17 @@
     <p:sldId id="256" r:id="rId2"/>
     <p:sldId id="257" r:id="rId3"/>
     <p:sldId id="258" r:id="rId4"/>
-    <p:sldId id="259" r:id="rId5"/>
+    <p:sldId id="270" r:id="rId5"/>
     <p:sldId id="260" r:id="rId6"/>
     <p:sldId id="262" r:id="rId7"/>
     <p:sldId id="267" r:id="rId8"/>
     <p:sldId id="263" r:id="rId9"/>
     <p:sldId id="264" r:id="rId10"/>
     <p:sldId id="265" r:id="rId11"/>
-    <p:sldId id="268" r:id="rId12"/>
-    <p:sldId id="266" r:id="rId13"/>
+    <p:sldId id="269" r:id="rId12"/>
+    <p:sldId id="268" r:id="rId13"/>
+    <p:sldId id="271" r:id="rId14"/>
+    <p:sldId id="266" r:id="rId15"/>
   </p:sldIdLst>
   <p:sldSz cx="12192000" cy="6858000"/>
   <p:notesSz cx="6858000" cy="9144000"/>
@@ -123,6 +125,3795 @@
 </p:presentation>
 </file>
 
+<file path=ppt/revisionInfo.xml><?xml version="1.0" encoding="utf-8"?>
+<p1510:revInfo xmlns:a="http://schemas.openxmlformats.org/drawingml/2006/main" xmlns:r="http://schemas.openxmlformats.org/officeDocument/2006/relationships" xmlns:p1510="http://schemas.microsoft.com/office/powerpoint/2015/10/main"/>
+</file>
+
+<file path=ppt/diagrams/colors1.xml><?xml version="1.0" encoding="utf-8"?>
+<dgm:colorsDef xmlns:dgm="http://schemas.openxmlformats.org/drawingml/2006/diagram" xmlns:a="http://schemas.openxmlformats.org/drawingml/2006/main" uniqueId="urn:microsoft.com/office/officeart/2005/8/colors/accent0_3">
+  <dgm:title val=""/>
+  <dgm:desc val=""/>
+  <dgm:catLst>
+    <dgm:cat type="mainScheme" pri="10300"/>
+  </dgm:catLst>
+  <dgm:styleLbl name="node0">
+    <dgm:fillClrLst meth="repeat">
+      <a:schemeClr val="dk2"/>
+    </dgm:fillClrLst>
+    <dgm:linClrLst meth="repeat">
+      <a:schemeClr val="lt2"/>
+    </dgm:linClrLst>
+    <dgm:effectClrLst/>
+    <dgm:txLinClrLst/>
+    <dgm:txFillClrLst/>
+    <dgm:txEffectClrLst/>
+  </dgm:styleLbl>
+  <dgm:styleLbl name="alignNode1">
+    <dgm:fillClrLst meth="repeat">
+      <a:schemeClr val="dk2"/>
+    </dgm:fillClrLst>
+    <dgm:linClrLst meth="repeat">
+      <a:schemeClr val="dk2"/>
+    </dgm:linClrLst>
+    <dgm:effectClrLst/>
+    <dgm:txLinClrLst/>
+    <dgm:txFillClrLst/>
+    <dgm:txEffectClrLst/>
+  </dgm:styleLbl>
+  <dgm:styleLbl name="node1">
+    <dgm:fillClrLst meth="repeat">
+      <a:schemeClr val="dk2"/>
+    </dgm:fillClrLst>
+    <dgm:linClrLst meth="repeat">
+      <a:schemeClr val="lt2"/>
+    </dgm:linClrLst>
+    <dgm:effectClrLst/>
+    <dgm:txLinClrLst/>
+    <dgm:txFillClrLst/>
+    <dgm:txEffectClrLst/>
+  </dgm:styleLbl>
+  <dgm:styleLbl name="lnNode1">
+    <dgm:fillClrLst meth="repeat">
+      <a:schemeClr val="dk2"/>
+    </dgm:fillClrLst>
+    <dgm:linClrLst meth="repeat">
+      <a:schemeClr val="lt2"/>
+    </dgm:linClrLst>
+    <dgm:effectClrLst/>
+    <dgm:txLinClrLst/>
+    <dgm:txFillClrLst/>
+    <dgm:txEffectClrLst/>
+  </dgm:styleLbl>
+  <dgm:styleLbl name="vennNode1">
+    <dgm:fillClrLst meth="repeat">
+      <a:schemeClr val="dk2">
+        <a:alpha val="50000"/>
+      </a:schemeClr>
+    </dgm:fillClrLst>
+    <dgm:linClrLst meth="repeat">
+      <a:schemeClr val="lt2"/>
+    </dgm:linClrLst>
+    <dgm:effectClrLst/>
+    <dgm:txLinClrLst/>
+    <dgm:txFillClrLst/>
+    <dgm:txEffectClrLst/>
+  </dgm:styleLbl>
+  <dgm:styleLbl name="node2">
+    <dgm:fillClrLst meth="repeat">
+      <a:schemeClr val="dk2"/>
+    </dgm:fillClrLst>
+    <dgm:linClrLst meth="repeat">
+      <a:schemeClr val="lt2"/>
+    </dgm:linClrLst>
+    <dgm:effectClrLst/>
+    <dgm:txLinClrLst/>
+    <dgm:txFillClrLst/>
+    <dgm:txEffectClrLst/>
+  </dgm:styleLbl>
+  <dgm:styleLbl name="node3">
+    <dgm:fillClrLst meth="repeat">
+      <a:schemeClr val="dk2"/>
+    </dgm:fillClrLst>
+    <dgm:linClrLst meth="repeat">
+      <a:schemeClr val="lt2"/>
+    </dgm:linClrLst>
+    <dgm:effectClrLst/>
+    <dgm:txLinClrLst/>
+    <dgm:txFillClrLst/>
+    <dgm:txEffectClrLst/>
+  </dgm:styleLbl>
+  <dgm:styleLbl name="node4">
+    <dgm:fillClrLst meth="repeat">
+      <a:schemeClr val="dk2"/>
+    </dgm:fillClrLst>
+    <dgm:linClrLst meth="repeat">
+      <a:schemeClr val="lt2"/>
+    </dgm:linClrLst>
+    <dgm:effectClrLst/>
+    <dgm:txLinClrLst/>
+    <dgm:txFillClrLst/>
+    <dgm:txEffectClrLst/>
+  </dgm:styleLbl>
+  <dgm:styleLbl name="fgImgPlace1">
+    <dgm:fillClrLst meth="repeat">
+      <a:schemeClr val="dk2">
+        <a:tint val="50000"/>
+      </a:schemeClr>
+    </dgm:fillClrLst>
+    <dgm:linClrLst meth="repeat">
+      <a:schemeClr val="lt2"/>
+    </dgm:linClrLst>
+    <dgm:effectClrLst/>
+    <dgm:txLinClrLst/>
+    <dgm:txFillClrLst meth="repeat">
+      <a:schemeClr val="lt2"/>
+    </dgm:txFillClrLst>
+    <dgm:txEffectClrLst/>
+  </dgm:styleLbl>
+  <dgm:styleLbl name="alignImgPlace1">
+    <dgm:fillClrLst meth="repeat">
+      <a:schemeClr val="dk2">
+        <a:tint val="50000"/>
+      </a:schemeClr>
+    </dgm:fillClrLst>
+    <dgm:linClrLst meth="repeat">
+      <a:schemeClr val="dk2">
+        <a:shade val="80000"/>
+      </a:schemeClr>
+    </dgm:linClrLst>
+    <dgm:effectClrLst/>
+    <dgm:txLinClrLst/>
+    <dgm:txFillClrLst meth="repeat">
+      <a:schemeClr val="lt2"/>
+    </dgm:txFillClrLst>
+    <dgm:txEffectClrLst/>
+  </dgm:styleLbl>
+  <dgm:styleLbl name="bgImgPlace1">
+    <dgm:fillClrLst meth="repeat">
+      <a:schemeClr val="dk2">
+        <a:tint val="50000"/>
+      </a:schemeClr>
+    </dgm:fillClrLst>
+    <dgm:linClrLst meth="repeat">
+      <a:schemeClr val="dk2">
+        <a:shade val="80000"/>
+      </a:schemeClr>
+    </dgm:linClrLst>
+    <dgm:effectClrLst/>
+    <dgm:txLinClrLst/>
+    <dgm:txFillClrLst meth="repeat">
+      <a:schemeClr val="lt2"/>
+    </dgm:txFillClrLst>
+    <dgm:txEffectClrLst/>
+  </dgm:styleLbl>
+  <dgm:styleLbl name="sibTrans2D1">
+    <dgm:fillClrLst meth="repeat">
+      <a:schemeClr val="dk2">
+        <a:tint val="60000"/>
+      </a:schemeClr>
+    </dgm:fillClrLst>
+    <dgm:linClrLst meth="repeat">
+      <a:schemeClr val="dk2">
+        <a:tint val="60000"/>
+      </a:schemeClr>
+    </dgm:linClrLst>
+    <dgm:effectClrLst/>
+    <dgm:txLinClrLst/>
+    <dgm:txFillClrLst/>
+    <dgm:txEffectClrLst/>
+  </dgm:styleLbl>
+  <dgm:styleLbl name="fgSibTrans2D1">
+    <dgm:fillClrLst meth="repeat">
+      <a:schemeClr val="dk2">
+        <a:tint val="60000"/>
+      </a:schemeClr>
+    </dgm:fillClrLst>
+    <dgm:linClrLst meth="repeat">
+      <a:schemeClr val="dk2">
+        <a:tint val="60000"/>
+      </a:schemeClr>
+    </dgm:linClrLst>
+    <dgm:effectClrLst/>
+    <dgm:txLinClrLst/>
+    <dgm:txFillClrLst/>
+    <dgm:txEffectClrLst/>
+  </dgm:styleLbl>
+  <dgm:styleLbl name="bgSibTrans2D1">
+    <dgm:fillClrLst meth="repeat">
+      <a:schemeClr val="dk2">
+        <a:tint val="60000"/>
+      </a:schemeClr>
+    </dgm:fillClrLst>
+    <dgm:linClrLst meth="repeat">
+      <a:schemeClr val="dk2">
+        <a:tint val="60000"/>
+      </a:schemeClr>
+    </dgm:linClrLst>
+    <dgm:effectClrLst/>
+    <dgm:txLinClrLst/>
+    <dgm:txFillClrLst/>
+    <dgm:txEffectClrLst/>
+  </dgm:styleLbl>
+  <dgm:styleLbl name="sibTrans1D1">
+    <dgm:fillClrLst meth="repeat">
+      <a:schemeClr val="dk2"/>
+    </dgm:fillClrLst>
+    <dgm:linClrLst meth="repeat">
+      <a:schemeClr val="dk2"/>
+    </dgm:linClrLst>
+    <dgm:effectClrLst/>
+    <dgm:txLinClrLst/>
+    <dgm:txFillClrLst meth="repeat">
+      <a:schemeClr val="lt2"/>
+    </dgm:txFillClrLst>
+    <dgm:txEffectClrLst/>
+  </dgm:styleLbl>
+  <dgm:styleLbl name="callout">
+    <dgm:fillClrLst meth="repeat">
+      <a:schemeClr val="dk2"/>
+    </dgm:fillClrLst>
+    <dgm:linClrLst meth="repeat">
+      <a:schemeClr val="dk2">
+        <a:tint val="50000"/>
+      </a:schemeClr>
+    </dgm:linClrLst>
+    <dgm:effectClrLst/>
+    <dgm:txLinClrLst/>
+    <dgm:txFillClrLst meth="repeat">
+      <a:schemeClr val="lt2"/>
+    </dgm:txFillClrLst>
+    <dgm:txEffectClrLst/>
+  </dgm:styleLbl>
+  <dgm:styleLbl name="asst0">
+    <dgm:fillClrLst meth="repeat">
+      <a:schemeClr val="dk2"/>
+    </dgm:fillClrLst>
+    <dgm:linClrLst meth="repeat">
+      <a:schemeClr val="lt2"/>
+    </dgm:linClrLst>
+    <dgm:effectClrLst/>
+    <dgm:txLinClrLst/>
+    <dgm:txFillClrLst/>
+    <dgm:txEffectClrLst/>
+  </dgm:styleLbl>
+  <dgm:styleLbl name="asst1">
+    <dgm:fillClrLst meth="repeat">
+      <a:schemeClr val="dk2"/>
+    </dgm:fillClrLst>
+    <dgm:linClrLst meth="repeat">
+      <a:schemeClr val="lt2"/>
+    </dgm:linClrLst>
+    <dgm:effectClrLst/>
+    <dgm:txLinClrLst/>
+    <dgm:txFillClrLst/>
+    <dgm:txEffectClrLst/>
+  </dgm:styleLbl>
+  <dgm:styleLbl name="asst2">
+    <dgm:fillClrLst meth="repeat">
+      <a:schemeClr val="dk2"/>
+    </dgm:fillClrLst>
+    <dgm:linClrLst meth="repeat">
+      <a:schemeClr val="lt2"/>
+    </dgm:linClrLst>
+    <dgm:effectClrLst/>
+    <dgm:txLinClrLst/>
+    <dgm:txFillClrLst/>
+    <dgm:txEffectClrLst/>
+  </dgm:styleLbl>
+  <dgm:styleLbl name="asst3">
+    <dgm:fillClrLst meth="repeat">
+      <a:schemeClr val="dk2"/>
+    </dgm:fillClrLst>
+    <dgm:linClrLst meth="repeat">
+      <a:schemeClr val="lt2"/>
+    </dgm:linClrLst>
+    <dgm:effectClrLst/>
+    <dgm:txLinClrLst/>
+    <dgm:txFillClrLst/>
+    <dgm:txEffectClrLst/>
+  </dgm:styleLbl>
+  <dgm:styleLbl name="asst4">
+    <dgm:fillClrLst meth="repeat">
+      <a:schemeClr val="dk2"/>
+    </dgm:fillClrLst>
+    <dgm:linClrLst meth="repeat">
+      <a:schemeClr val="lt2"/>
+    </dgm:linClrLst>
+    <dgm:effectClrLst/>
+    <dgm:txLinClrLst/>
+    <dgm:txFillClrLst/>
+    <dgm:txEffectClrLst/>
+  </dgm:styleLbl>
+  <dgm:styleLbl name="parChTrans2D1">
+    <dgm:fillClrLst meth="repeat">
+      <a:schemeClr val="dk2">
+        <a:tint val="60000"/>
+      </a:schemeClr>
+    </dgm:fillClrLst>
+    <dgm:linClrLst meth="repeat">
+      <a:schemeClr val="dk2">
+        <a:tint val="60000"/>
+      </a:schemeClr>
+    </dgm:linClrLst>
+    <dgm:effectClrLst/>
+    <dgm:txLinClrLst/>
+    <dgm:txFillClrLst meth="repeat">
+      <a:schemeClr val="lt2"/>
+    </dgm:txFillClrLst>
+    <dgm:txEffectClrLst/>
+  </dgm:styleLbl>
+  <dgm:styleLbl name="parChTrans2D2">
+    <dgm:fillClrLst meth="repeat">
+      <a:schemeClr val="dk2"/>
+    </dgm:fillClrLst>
+    <dgm:linClrLst meth="repeat">
+      <a:schemeClr val="dk2"/>
+    </dgm:linClrLst>
+    <dgm:effectClrLst/>
+    <dgm:txLinClrLst/>
+    <dgm:txFillClrLst meth="repeat">
+      <a:schemeClr val="lt2"/>
+    </dgm:txFillClrLst>
+    <dgm:txEffectClrLst/>
+  </dgm:styleLbl>
+  <dgm:styleLbl name="parChTrans2D3">
+    <dgm:fillClrLst meth="repeat">
+      <a:schemeClr val="dk2"/>
+    </dgm:fillClrLst>
+    <dgm:linClrLst meth="repeat">
+      <a:schemeClr val="dk2"/>
+    </dgm:linClrLst>
+    <dgm:effectClrLst/>
+    <dgm:txLinClrLst/>
+    <dgm:txFillClrLst meth="repeat">
+      <a:schemeClr val="lt2"/>
+    </dgm:txFillClrLst>
+    <dgm:txEffectClrLst/>
+  </dgm:styleLbl>
+  <dgm:styleLbl name="parChTrans2D4">
+    <dgm:fillClrLst meth="repeat">
+      <a:schemeClr val="dk2"/>
+    </dgm:fillClrLst>
+    <dgm:linClrLst meth="repeat">
+      <a:schemeClr val="dk2"/>
+    </dgm:linClrLst>
+    <dgm:effectClrLst/>
+    <dgm:txLinClrLst/>
+    <dgm:txFillClrLst meth="repeat">
+      <a:schemeClr val="lt2"/>
+    </dgm:txFillClrLst>
+    <dgm:txEffectClrLst/>
+  </dgm:styleLbl>
+  <dgm:styleLbl name="parChTrans1D1">
+    <dgm:fillClrLst meth="repeat">
+      <a:schemeClr val="dk2"/>
+    </dgm:fillClrLst>
+    <dgm:linClrLst meth="repeat">
+      <a:schemeClr val="dk2">
+        <a:shade val="60000"/>
+      </a:schemeClr>
+    </dgm:linClrLst>
+    <dgm:effectClrLst/>
+    <dgm:txLinClrLst/>
+    <dgm:txFillClrLst meth="repeat">
+      <a:schemeClr val="tx1"/>
+    </dgm:txFillClrLst>
+    <dgm:txEffectClrLst/>
+  </dgm:styleLbl>
+  <dgm:styleLbl name="parChTrans1D2">
+    <dgm:fillClrLst meth="repeat">
+      <a:schemeClr val="dk2"/>
+    </dgm:fillClrLst>
+    <dgm:linClrLst meth="repeat">
+      <a:schemeClr val="dk2">
+        <a:shade val="60000"/>
+      </a:schemeClr>
+    </dgm:linClrLst>
+    <dgm:effectClrLst/>
+    <dgm:txLinClrLst/>
+    <dgm:txFillClrLst meth="repeat">
+      <a:schemeClr val="tx1"/>
+    </dgm:txFillClrLst>
+    <dgm:txEffectClrLst/>
+  </dgm:styleLbl>
+  <dgm:styleLbl name="parChTrans1D3">
+    <dgm:fillClrLst meth="repeat">
+      <a:schemeClr val="dk2"/>
+    </dgm:fillClrLst>
+    <dgm:linClrLst meth="repeat">
+      <a:schemeClr val="dk2">
+        <a:shade val="80000"/>
+      </a:schemeClr>
+    </dgm:linClrLst>
+    <dgm:effectClrLst/>
+    <dgm:txLinClrLst/>
+    <dgm:txFillClrLst meth="repeat">
+      <a:schemeClr val="tx1"/>
+    </dgm:txFillClrLst>
+    <dgm:txEffectClrLst/>
+  </dgm:styleLbl>
+  <dgm:styleLbl name="parChTrans1D4">
+    <dgm:fillClrLst meth="repeat">
+      <a:schemeClr val="dk2"/>
+    </dgm:fillClrLst>
+    <dgm:linClrLst meth="repeat">
+      <a:schemeClr val="dk2">
+        <a:shade val="80000"/>
+      </a:schemeClr>
+    </dgm:linClrLst>
+    <dgm:effectClrLst/>
+    <dgm:txLinClrLst/>
+    <dgm:txFillClrLst meth="repeat">
+      <a:schemeClr val="tx1"/>
+    </dgm:txFillClrLst>
+    <dgm:txEffectClrLst/>
+  </dgm:styleLbl>
+  <dgm:styleLbl name="fgAcc1">
+    <dgm:fillClrLst meth="repeat">
+      <a:schemeClr val="lt2">
+        <a:alpha val="90000"/>
+      </a:schemeClr>
+    </dgm:fillClrLst>
+    <dgm:linClrLst meth="repeat">
+      <a:schemeClr val="dk2"/>
+    </dgm:linClrLst>
+    <dgm:effectClrLst/>
+    <dgm:txLinClrLst/>
+    <dgm:txFillClrLst meth="repeat">
+      <a:schemeClr val="dk1"/>
+    </dgm:txFillClrLst>
+    <dgm:txEffectClrLst/>
+  </dgm:styleLbl>
+  <dgm:styleLbl name="conFgAcc1">
+    <dgm:fillClrLst meth="repeat">
+      <a:schemeClr val="lt2">
+        <a:alpha val="90000"/>
+      </a:schemeClr>
+    </dgm:fillClrLst>
+    <dgm:linClrLst meth="repeat">
+      <a:schemeClr val="dk2"/>
+    </dgm:linClrLst>
+    <dgm:effectClrLst/>
+    <dgm:txLinClrLst/>
+    <dgm:txFillClrLst meth="repeat">
+      <a:schemeClr val="dk1"/>
+    </dgm:txFillClrLst>
+    <dgm:txEffectClrLst/>
+  </dgm:styleLbl>
+  <dgm:styleLbl name="alignAcc1">
+    <dgm:fillClrLst meth="repeat">
+      <a:schemeClr val="lt2">
+        <a:alpha val="90000"/>
+      </a:schemeClr>
+    </dgm:fillClrLst>
+    <dgm:linClrLst meth="repeat">
+      <a:schemeClr val="dk2"/>
+    </dgm:linClrLst>
+    <dgm:effectClrLst/>
+    <dgm:txLinClrLst/>
+    <dgm:txFillClrLst meth="repeat">
+      <a:schemeClr val="dk1"/>
+    </dgm:txFillClrLst>
+    <dgm:txEffectClrLst/>
+  </dgm:styleLbl>
+  <dgm:styleLbl name="trAlignAcc1">
+    <dgm:fillClrLst meth="repeat">
+      <a:schemeClr val="lt2">
+        <a:alpha val="40000"/>
+      </a:schemeClr>
+    </dgm:fillClrLst>
+    <dgm:linClrLst meth="repeat">
+      <a:schemeClr val="dk2"/>
+    </dgm:linClrLst>
+    <dgm:effectClrLst/>
+    <dgm:txLinClrLst/>
+    <dgm:txFillClrLst meth="repeat">
+      <a:schemeClr val="dk1"/>
+    </dgm:txFillClrLst>
+    <dgm:txEffectClrLst/>
+  </dgm:styleLbl>
+  <dgm:styleLbl name="bgAcc1">
+    <dgm:fillClrLst meth="repeat">
+      <a:schemeClr val="lt2">
+        <a:alpha val="90000"/>
+      </a:schemeClr>
+    </dgm:fillClrLst>
+    <dgm:linClrLst meth="repeat">
+      <a:schemeClr val="dk2"/>
+    </dgm:linClrLst>
+    <dgm:effectClrLst/>
+    <dgm:txLinClrLst/>
+    <dgm:txFillClrLst meth="repeat">
+      <a:schemeClr val="dk1"/>
+    </dgm:txFillClrLst>
+    <dgm:txEffectClrLst/>
+  </dgm:styleLbl>
+  <dgm:styleLbl name="solidFgAcc1">
+    <dgm:fillClrLst meth="repeat">
+      <a:schemeClr val="lt2"/>
+    </dgm:fillClrLst>
+    <dgm:linClrLst meth="repeat">
+      <a:schemeClr val="dk2"/>
+    </dgm:linClrLst>
+    <dgm:effectClrLst/>
+    <dgm:txLinClrLst/>
+    <dgm:txFillClrLst meth="repeat">
+      <a:schemeClr val="dk1"/>
+    </dgm:txFillClrLst>
+    <dgm:txEffectClrLst/>
+  </dgm:styleLbl>
+  <dgm:styleLbl name="solidAlignAcc1">
+    <dgm:fillClrLst meth="repeat">
+      <a:schemeClr val="lt2"/>
+    </dgm:fillClrLst>
+    <dgm:linClrLst meth="repeat">
+      <a:schemeClr val="dk2"/>
+    </dgm:linClrLst>
+    <dgm:effectClrLst/>
+    <dgm:txLinClrLst/>
+    <dgm:txFillClrLst meth="repeat">
+      <a:schemeClr val="dk1"/>
+    </dgm:txFillClrLst>
+    <dgm:txEffectClrLst/>
+  </dgm:styleLbl>
+  <dgm:styleLbl name="solidBgAcc1">
+    <dgm:fillClrLst meth="repeat">
+      <a:schemeClr val="lt2"/>
+    </dgm:fillClrLst>
+    <dgm:linClrLst meth="repeat">
+      <a:schemeClr val="dk2"/>
+    </dgm:linClrLst>
+    <dgm:effectClrLst/>
+    <dgm:txLinClrLst/>
+    <dgm:txFillClrLst meth="repeat">
+      <a:schemeClr val="dk1"/>
+    </dgm:txFillClrLst>
+    <dgm:txEffectClrLst/>
+  </dgm:styleLbl>
+  <dgm:styleLbl name="fgAccFollowNode1">
+    <dgm:fillClrLst meth="repeat">
+      <a:schemeClr val="dk2">
+        <a:alpha val="90000"/>
+        <a:tint val="40000"/>
+      </a:schemeClr>
+    </dgm:fillClrLst>
+    <dgm:linClrLst meth="repeat">
+      <a:schemeClr val="dk2">
+        <a:alpha val="90000"/>
+        <a:tint val="40000"/>
+      </a:schemeClr>
+    </dgm:linClrLst>
+    <dgm:effectClrLst/>
+    <dgm:txLinClrLst/>
+    <dgm:txFillClrLst meth="repeat">
+      <a:schemeClr val="dk1"/>
+    </dgm:txFillClrLst>
+    <dgm:txEffectClrLst/>
+  </dgm:styleLbl>
+  <dgm:styleLbl name="alignAccFollowNode1">
+    <dgm:fillClrLst meth="repeat">
+      <a:schemeClr val="dk2">
+        <a:alpha val="90000"/>
+        <a:tint val="40000"/>
+      </a:schemeClr>
+    </dgm:fillClrLst>
+    <dgm:linClrLst meth="repeat">
+      <a:schemeClr val="dk2">
+        <a:alpha val="90000"/>
+        <a:tint val="40000"/>
+      </a:schemeClr>
+    </dgm:linClrLst>
+    <dgm:effectClrLst/>
+    <dgm:txLinClrLst/>
+    <dgm:txFillClrLst meth="repeat">
+      <a:schemeClr val="dk1"/>
+    </dgm:txFillClrLst>
+    <dgm:txEffectClrLst/>
+  </dgm:styleLbl>
+  <dgm:styleLbl name="bgAccFollowNode1">
+    <dgm:fillClrLst meth="repeat">
+      <a:schemeClr val="dk2">
+        <a:alpha val="90000"/>
+        <a:tint val="40000"/>
+      </a:schemeClr>
+    </dgm:fillClrLst>
+    <dgm:linClrLst meth="repeat">
+      <a:schemeClr val="dk2">
+        <a:alpha val="90000"/>
+        <a:tint val="40000"/>
+      </a:schemeClr>
+    </dgm:linClrLst>
+    <dgm:effectClrLst/>
+    <dgm:txLinClrLst/>
+    <dgm:txFillClrLst meth="repeat">
+      <a:schemeClr val="dk1"/>
+    </dgm:txFillClrLst>
+    <dgm:txEffectClrLst/>
+  </dgm:styleLbl>
+  <dgm:styleLbl name="fgAcc0">
+    <dgm:fillClrLst meth="repeat">
+      <a:schemeClr val="lt2">
+        <a:alpha val="90000"/>
+      </a:schemeClr>
+    </dgm:fillClrLst>
+    <dgm:linClrLst meth="repeat">
+      <a:schemeClr val="dk2"/>
+    </dgm:linClrLst>
+    <dgm:effectClrLst/>
+    <dgm:txLinClrLst/>
+    <dgm:txFillClrLst meth="repeat">
+      <a:schemeClr val="dk1"/>
+    </dgm:txFillClrLst>
+    <dgm:txEffectClrLst/>
+  </dgm:styleLbl>
+  <dgm:styleLbl name="fgAcc2">
+    <dgm:fillClrLst meth="repeat">
+      <a:schemeClr val="lt2">
+        <a:alpha val="90000"/>
+      </a:schemeClr>
+    </dgm:fillClrLst>
+    <dgm:linClrLst meth="repeat">
+      <a:schemeClr val="dk2"/>
+    </dgm:linClrLst>
+    <dgm:effectClrLst/>
+    <dgm:txLinClrLst/>
+    <dgm:txFillClrLst meth="repeat">
+      <a:schemeClr val="dk1"/>
+    </dgm:txFillClrLst>
+    <dgm:txEffectClrLst/>
+  </dgm:styleLbl>
+  <dgm:styleLbl name="fgAcc3">
+    <dgm:fillClrLst meth="repeat">
+      <a:schemeClr val="lt2">
+        <a:alpha val="90000"/>
+      </a:schemeClr>
+    </dgm:fillClrLst>
+    <dgm:linClrLst meth="repeat">
+      <a:schemeClr val="dk2"/>
+    </dgm:linClrLst>
+    <dgm:effectClrLst/>
+    <dgm:txLinClrLst/>
+    <dgm:txFillClrLst meth="repeat">
+      <a:schemeClr val="dk1"/>
+    </dgm:txFillClrLst>
+    <dgm:txEffectClrLst/>
+  </dgm:styleLbl>
+  <dgm:styleLbl name="fgAcc4">
+    <dgm:fillClrLst meth="repeat">
+      <a:schemeClr val="lt2">
+        <a:alpha val="90000"/>
+      </a:schemeClr>
+    </dgm:fillClrLst>
+    <dgm:linClrLst meth="repeat">
+      <a:schemeClr val="dk2"/>
+    </dgm:linClrLst>
+    <dgm:effectClrLst/>
+    <dgm:txLinClrLst/>
+    <dgm:txFillClrLst meth="repeat">
+      <a:schemeClr val="dk1"/>
+    </dgm:txFillClrLst>
+    <dgm:txEffectClrLst/>
+  </dgm:styleLbl>
+  <dgm:styleLbl name="bgShp">
+    <dgm:fillClrLst meth="repeat">
+      <a:schemeClr val="dk2">
+        <a:tint val="40000"/>
+      </a:schemeClr>
+    </dgm:fillClrLst>
+    <dgm:linClrLst meth="repeat">
+      <a:schemeClr val="dk2"/>
+    </dgm:linClrLst>
+    <dgm:effectClrLst/>
+    <dgm:txLinClrLst/>
+    <dgm:txFillClrLst meth="repeat">
+      <a:schemeClr val="dk1"/>
+    </dgm:txFillClrLst>
+    <dgm:txEffectClrLst/>
+  </dgm:styleLbl>
+  <dgm:styleLbl name="dkBgShp">
+    <dgm:fillClrLst meth="repeat">
+      <a:schemeClr val="dk2">
+        <a:shade val="80000"/>
+      </a:schemeClr>
+    </dgm:fillClrLst>
+    <dgm:linClrLst meth="repeat">
+      <a:schemeClr val="dk2"/>
+    </dgm:linClrLst>
+    <dgm:effectClrLst/>
+    <dgm:txLinClrLst/>
+    <dgm:txFillClrLst meth="repeat">
+      <a:schemeClr val="lt1"/>
+    </dgm:txFillClrLst>
+    <dgm:txEffectClrLst/>
+  </dgm:styleLbl>
+  <dgm:styleLbl name="trBgShp">
+    <dgm:fillClrLst meth="repeat">
+      <a:schemeClr val="dk2">
+        <a:tint val="50000"/>
+        <a:alpha val="40000"/>
+      </a:schemeClr>
+    </dgm:fillClrLst>
+    <dgm:linClrLst meth="repeat">
+      <a:schemeClr val="dk2"/>
+    </dgm:linClrLst>
+    <dgm:effectClrLst/>
+    <dgm:txLinClrLst/>
+    <dgm:txFillClrLst meth="repeat">
+      <a:schemeClr val="lt1"/>
+    </dgm:txFillClrLst>
+    <dgm:txEffectClrLst/>
+  </dgm:styleLbl>
+  <dgm:styleLbl name="fgShp">
+    <dgm:fillClrLst meth="repeat">
+      <a:schemeClr val="dk2">
+        <a:tint val="60000"/>
+      </a:schemeClr>
+    </dgm:fillClrLst>
+    <dgm:linClrLst meth="repeat">
+      <a:schemeClr val="lt2"/>
+    </dgm:linClrLst>
+    <dgm:effectClrLst/>
+    <dgm:txLinClrLst/>
+    <dgm:txFillClrLst meth="repeat">
+      <a:schemeClr val="dk1"/>
+    </dgm:txFillClrLst>
+    <dgm:txEffectClrLst/>
+  </dgm:styleLbl>
+  <dgm:styleLbl name="revTx">
+    <dgm:fillClrLst meth="repeat">
+      <a:schemeClr val="lt2">
+        <a:alpha val="0"/>
+      </a:schemeClr>
+    </dgm:fillClrLst>
+    <dgm:linClrLst meth="repeat">
+      <a:schemeClr val="dk1">
+        <a:alpha val="0"/>
+      </a:schemeClr>
+    </dgm:linClrLst>
+    <dgm:effectClrLst/>
+    <dgm:txLinClrLst/>
+    <dgm:txFillClrLst meth="repeat">
+      <a:schemeClr val="tx1"/>
+    </dgm:txFillClrLst>
+    <dgm:txEffectClrLst/>
+  </dgm:styleLbl>
+</dgm:colorsDef>
+</file>
+
+<file path=ppt/diagrams/data1.xml><?xml version="1.0" encoding="utf-8"?>
+<dgm:dataModel xmlns:dgm="http://schemas.openxmlformats.org/drawingml/2006/diagram" xmlns:a="http://schemas.openxmlformats.org/drawingml/2006/main">
+  <dgm:ptLst>
+    <dgm:pt modelId="{B43D5259-40D5-46A3-9D3F-8BC8F7E1A42C}" type="doc">
+      <dgm:prSet loTypeId="urn:microsoft.com/office/officeart/2005/8/layout/vList5" loCatId="list" qsTypeId="urn:microsoft.com/office/officeart/2005/8/quickstyle/simple4" qsCatId="simple" csTypeId="urn:microsoft.com/office/officeart/2005/8/colors/accent0_3" csCatId="mainScheme" phldr="1"/>
+      <dgm:spPr/>
+      <dgm:t>
+        <a:bodyPr/>
+        <a:lstStyle/>
+        <a:p>
+          <a:endParaRPr lang="en-US"/>
+        </a:p>
+      </dgm:t>
+    </dgm:pt>
+    <dgm:pt modelId="{6E6171D4-3CAE-43A7-8CC5-8DE5CE954F27}">
+      <dgm:prSet/>
+      <dgm:spPr/>
+      <dgm:t>
+        <a:bodyPr/>
+        <a:lstStyle/>
+        <a:p>
+          <a:r>
+            <a:rPr lang="en-US"/>
+            <a:t>Message ingest</a:t>
+          </a:r>
+        </a:p>
+      </dgm:t>
+    </dgm:pt>
+    <dgm:pt modelId="{A597E636-97B1-4052-AEF8-A58CFE081077}" type="parTrans" cxnId="{13FCB7B6-FA1D-4D89-8009-956122118F36}">
+      <dgm:prSet/>
+      <dgm:spPr/>
+      <dgm:t>
+        <a:bodyPr/>
+        <a:lstStyle/>
+        <a:p>
+          <a:endParaRPr lang="en-US"/>
+        </a:p>
+      </dgm:t>
+    </dgm:pt>
+    <dgm:pt modelId="{FF554F15-C91D-4E5B-A7AF-077A834895DA}" type="sibTrans" cxnId="{13FCB7B6-FA1D-4D89-8009-956122118F36}">
+      <dgm:prSet/>
+      <dgm:spPr/>
+      <dgm:t>
+        <a:bodyPr/>
+        <a:lstStyle/>
+        <a:p>
+          <a:endParaRPr lang="en-US"/>
+        </a:p>
+      </dgm:t>
+    </dgm:pt>
+    <dgm:pt modelId="{A75CC973-5174-4574-8B06-B557FB434962}">
+      <dgm:prSet/>
+      <dgm:spPr/>
+      <dgm:t>
+        <a:bodyPr/>
+        <a:lstStyle/>
+        <a:p>
+          <a:pPr>
+            <a:buNone/>
+          </a:pPr>
+          <a:r>
+            <a:rPr lang="en-US" dirty="0"/>
+            <a:t>IoT Hub</a:t>
+          </a:r>
+        </a:p>
+      </dgm:t>
+    </dgm:pt>
+    <dgm:pt modelId="{BBEB0341-D641-478C-807A-895C83BB6EF2}" type="parTrans" cxnId="{50F5FA4B-EA82-4E3C-AD81-D01C7480766B}">
+      <dgm:prSet/>
+      <dgm:spPr/>
+      <dgm:t>
+        <a:bodyPr/>
+        <a:lstStyle/>
+        <a:p>
+          <a:endParaRPr lang="en-US"/>
+        </a:p>
+      </dgm:t>
+    </dgm:pt>
+    <dgm:pt modelId="{82D305B7-C1ED-41F7-A0E5-346A1A0B9C91}" type="sibTrans" cxnId="{50F5FA4B-EA82-4E3C-AD81-D01C7480766B}">
+      <dgm:prSet/>
+      <dgm:spPr/>
+      <dgm:t>
+        <a:bodyPr/>
+        <a:lstStyle/>
+        <a:p>
+          <a:endParaRPr lang="en-US"/>
+        </a:p>
+      </dgm:t>
+    </dgm:pt>
+    <dgm:pt modelId="{79157067-C95F-47D6-ABED-6BD821877DBC}">
+      <dgm:prSet/>
+      <dgm:spPr/>
+      <dgm:t>
+        <a:bodyPr/>
+        <a:lstStyle/>
+        <a:p>
+          <a:r>
+            <a:rPr lang="en-US" dirty="0"/>
+            <a:t>Speed processing</a:t>
+          </a:r>
+        </a:p>
+      </dgm:t>
+    </dgm:pt>
+    <dgm:pt modelId="{CBB16492-A98A-470C-8762-C51807ACD206}" type="parTrans" cxnId="{38D3FF7B-5001-4A62-96AC-7899BCBED973}">
+      <dgm:prSet/>
+      <dgm:spPr/>
+      <dgm:t>
+        <a:bodyPr/>
+        <a:lstStyle/>
+        <a:p>
+          <a:endParaRPr lang="en-US"/>
+        </a:p>
+      </dgm:t>
+    </dgm:pt>
+    <dgm:pt modelId="{1FE425DD-4B96-41BB-937C-202B5964D2BE}" type="sibTrans" cxnId="{38D3FF7B-5001-4A62-96AC-7899BCBED973}">
+      <dgm:prSet/>
+      <dgm:spPr/>
+      <dgm:t>
+        <a:bodyPr/>
+        <a:lstStyle/>
+        <a:p>
+          <a:endParaRPr lang="en-US"/>
+        </a:p>
+      </dgm:t>
+    </dgm:pt>
+    <dgm:pt modelId="{27D5C51B-C07B-4650-A2D8-65048946B771}">
+      <dgm:prSet/>
+      <dgm:spPr/>
+      <dgm:t>
+        <a:bodyPr/>
+        <a:lstStyle/>
+        <a:p>
+          <a:pPr>
+            <a:buNone/>
+          </a:pPr>
+          <a:r>
+            <a:rPr lang="en-US" dirty="0"/>
+            <a:t>Stream Analytics + Cosmos DB</a:t>
+          </a:r>
+        </a:p>
+      </dgm:t>
+    </dgm:pt>
+    <dgm:pt modelId="{E968349E-9633-4BA4-901D-1944F707CE6E}" type="parTrans" cxnId="{4DEC64A3-7F90-4C2A-AECB-7A99EFDFC30B}">
+      <dgm:prSet/>
+      <dgm:spPr/>
+      <dgm:t>
+        <a:bodyPr/>
+        <a:lstStyle/>
+        <a:p>
+          <a:endParaRPr lang="en-US"/>
+        </a:p>
+      </dgm:t>
+    </dgm:pt>
+    <dgm:pt modelId="{3E62708D-7DB1-43D5-A0A2-9AA0A9B9F236}" type="sibTrans" cxnId="{4DEC64A3-7F90-4C2A-AECB-7A99EFDFC30B}">
+      <dgm:prSet/>
+      <dgm:spPr/>
+      <dgm:t>
+        <a:bodyPr/>
+        <a:lstStyle/>
+        <a:p>
+          <a:endParaRPr lang="en-US"/>
+        </a:p>
+      </dgm:t>
+    </dgm:pt>
+    <dgm:pt modelId="{8E95F8F7-B6A9-4BDE-8E10-03699AD990D3}">
+      <dgm:prSet/>
+      <dgm:spPr/>
+      <dgm:t>
+        <a:bodyPr/>
+        <a:lstStyle/>
+        <a:p>
+          <a:r>
+            <a:rPr lang="en-US"/>
+            <a:t>Batch processing</a:t>
+          </a:r>
+        </a:p>
+      </dgm:t>
+    </dgm:pt>
+    <dgm:pt modelId="{EC09BAF6-E4A4-4C22-B9C9-828E43263AF7}" type="parTrans" cxnId="{7BCB7F33-8A0F-41BC-A0EA-380A11BCC117}">
+      <dgm:prSet/>
+      <dgm:spPr/>
+      <dgm:t>
+        <a:bodyPr/>
+        <a:lstStyle/>
+        <a:p>
+          <a:endParaRPr lang="en-US"/>
+        </a:p>
+      </dgm:t>
+    </dgm:pt>
+    <dgm:pt modelId="{2F199904-ECBB-448F-9818-317822B3FA0D}" type="sibTrans" cxnId="{7BCB7F33-8A0F-41BC-A0EA-380A11BCC117}">
+      <dgm:prSet/>
+      <dgm:spPr/>
+      <dgm:t>
+        <a:bodyPr/>
+        <a:lstStyle/>
+        <a:p>
+          <a:endParaRPr lang="en-US"/>
+        </a:p>
+      </dgm:t>
+    </dgm:pt>
+    <dgm:pt modelId="{1C61F222-0AD7-454A-B09A-14A806E5EB4B}">
+      <dgm:prSet/>
+      <dgm:spPr/>
+      <dgm:t>
+        <a:bodyPr/>
+        <a:lstStyle/>
+        <a:p>
+          <a:pPr>
+            <a:buNone/>
+          </a:pPr>
+          <a:r>
+            <a:rPr lang="en-US" dirty="0"/>
+            <a:t>Data Lake</a:t>
+          </a:r>
+        </a:p>
+      </dgm:t>
+    </dgm:pt>
+    <dgm:pt modelId="{EA8363D2-132B-4815-981E-4C9BC26F606D}" type="parTrans" cxnId="{B9717262-B77C-4E98-AFD3-6AFDFA5431F9}">
+      <dgm:prSet/>
+      <dgm:spPr/>
+      <dgm:t>
+        <a:bodyPr/>
+        <a:lstStyle/>
+        <a:p>
+          <a:endParaRPr lang="en-US"/>
+        </a:p>
+      </dgm:t>
+    </dgm:pt>
+    <dgm:pt modelId="{B682389B-51B7-4C95-B412-6FD9E32A8177}" type="sibTrans" cxnId="{B9717262-B77C-4E98-AFD3-6AFDFA5431F9}">
+      <dgm:prSet/>
+      <dgm:spPr/>
+      <dgm:t>
+        <a:bodyPr/>
+        <a:lstStyle/>
+        <a:p>
+          <a:endParaRPr lang="en-US"/>
+        </a:p>
+      </dgm:t>
+    </dgm:pt>
+    <dgm:pt modelId="{2347DE03-667F-485A-8EBD-8E50C764F3E7}">
+      <dgm:prSet/>
+      <dgm:spPr/>
+      <dgm:t>
+        <a:bodyPr/>
+        <a:lstStyle/>
+        <a:p>
+          <a:r>
+            <a:rPr lang="en-US"/>
+            <a:t>Serving layer</a:t>
+          </a:r>
+        </a:p>
+      </dgm:t>
+    </dgm:pt>
+    <dgm:pt modelId="{C42C30A8-FDB2-4A9C-A3FF-3BF5A306EF47}" type="parTrans" cxnId="{BC409404-E4D4-4BEB-BABC-FC6D2068DD7B}">
+      <dgm:prSet/>
+      <dgm:spPr/>
+      <dgm:t>
+        <a:bodyPr/>
+        <a:lstStyle/>
+        <a:p>
+          <a:endParaRPr lang="en-US"/>
+        </a:p>
+      </dgm:t>
+    </dgm:pt>
+    <dgm:pt modelId="{C594E2FD-1669-4020-8F50-0D642FACB3D0}" type="sibTrans" cxnId="{BC409404-E4D4-4BEB-BABC-FC6D2068DD7B}">
+      <dgm:prSet/>
+      <dgm:spPr/>
+      <dgm:t>
+        <a:bodyPr/>
+        <a:lstStyle/>
+        <a:p>
+          <a:endParaRPr lang="en-US"/>
+        </a:p>
+      </dgm:t>
+    </dgm:pt>
+    <dgm:pt modelId="{DEF2D8D9-8957-488C-9B03-68833B007769}">
+      <dgm:prSet/>
+      <dgm:spPr/>
+      <dgm:t>
+        <a:bodyPr/>
+        <a:lstStyle/>
+        <a:p>
+          <a:pPr>
+            <a:buNone/>
+          </a:pPr>
+          <a:r>
+            <a:rPr lang="en-US" dirty="0"/>
+            <a:t>Power BI</a:t>
+          </a:r>
+        </a:p>
+      </dgm:t>
+    </dgm:pt>
+    <dgm:pt modelId="{9DE66AAB-5765-4AD3-8C0D-E769A3311480}" type="parTrans" cxnId="{1513500F-27B5-412F-9255-59B37BCD804F}">
+      <dgm:prSet/>
+      <dgm:spPr/>
+      <dgm:t>
+        <a:bodyPr/>
+        <a:lstStyle/>
+        <a:p>
+          <a:endParaRPr lang="en-US"/>
+        </a:p>
+      </dgm:t>
+    </dgm:pt>
+    <dgm:pt modelId="{DF43DEDE-456C-4004-8CCA-E18F8607167D}" type="sibTrans" cxnId="{1513500F-27B5-412F-9255-59B37BCD804F}">
+      <dgm:prSet/>
+      <dgm:spPr/>
+      <dgm:t>
+        <a:bodyPr/>
+        <a:lstStyle/>
+        <a:p>
+          <a:endParaRPr lang="en-US"/>
+        </a:p>
+      </dgm:t>
+    </dgm:pt>
+    <dgm:pt modelId="{4A001ADD-2D60-474F-ACA8-04A61E7EC564}">
+      <dgm:prSet/>
+      <dgm:spPr/>
+      <dgm:t>
+        <a:bodyPr/>
+        <a:lstStyle/>
+        <a:p>
+          <a:r>
+            <a:rPr lang="en-US"/>
+            <a:t>Cheap long-term storage</a:t>
+          </a:r>
+        </a:p>
+      </dgm:t>
+    </dgm:pt>
+    <dgm:pt modelId="{02E2C184-0DDD-40CC-998F-D45A2C4BB722}" type="parTrans" cxnId="{39BFE3DE-38A9-46E9-ADB6-625DDE9BACA7}">
+      <dgm:prSet/>
+      <dgm:spPr/>
+      <dgm:t>
+        <a:bodyPr/>
+        <a:lstStyle/>
+        <a:p>
+          <a:endParaRPr lang="en-US"/>
+        </a:p>
+      </dgm:t>
+    </dgm:pt>
+    <dgm:pt modelId="{0A999DE4-3542-46A8-9132-5FDD8E74D8F9}" type="sibTrans" cxnId="{39BFE3DE-38A9-46E9-ADB6-625DDE9BACA7}">
+      <dgm:prSet/>
+      <dgm:spPr/>
+      <dgm:t>
+        <a:bodyPr/>
+        <a:lstStyle/>
+        <a:p>
+          <a:endParaRPr lang="en-US"/>
+        </a:p>
+      </dgm:t>
+    </dgm:pt>
+    <dgm:pt modelId="{EE89AE95-3CBD-4DF7-9DE5-6B557498C580}">
+      <dgm:prSet/>
+      <dgm:spPr/>
+      <dgm:t>
+        <a:bodyPr/>
+        <a:lstStyle/>
+        <a:p>
+          <a:pPr>
+            <a:buNone/>
+          </a:pPr>
+          <a:r>
+            <a:rPr lang="en-US" dirty="0"/>
+            <a:t>Blob Storage</a:t>
+          </a:r>
+        </a:p>
+      </dgm:t>
+    </dgm:pt>
+    <dgm:pt modelId="{6FC59065-FB5D-4B65-BB18-61F387BBFE45}" type="parTrans" cxnId="{E4C032CA-9621-4D86-8531-5D4E6A2BBD96}">
+      <dgm:prSet/>
+      <dgm:spPr/>
+      <dgm:t>
+        <a:bodyPr/>
+        <a:lstStyle/>
+        <a:p>
+          <a:endParaRPr lang="en-US"/>
+        </a:p>
+      </dgm:t>
+    </dgm:pt>
+    <dgm:pt modelId="{6935DDBC-2C96-4F63-A915-553F242D6CDE}" type="sibTrans" cxnId="{E4C032CA-9621-4D86-8531-5D4E6A2BBD96}">
+      <dgm:prSet/>
+      <dgm:spPr/>
+      <dgm:t>
+        <a:bodyPr/>
+        <a:lstStyle/>
+        <a:p>
+          <a:endParaRPr lang="en-US"/>
+        </a:p>
+      </dgm:t>
+    </dgm:pt>
+    <dgm:pt modelId="{1A366C7F-B317-41A1-96C5-2579762603A9}">
+      <dgm:prSet/>
+      <dgm:spPr/>
+      <dgm:t>
+        <a:bodyPr/>
+        <a:lstStyle/>
+        <a:p>
+          <a:r>
+            <a:rPr lang="en-US"/>
+            <a:t>Event-driven processing</a:t>
+          </a:r>
+        </a:p>
+      </dgm:t>
+    </dgm:pt>
+    <dgm:pt modelId="{994F5928-1C91-4A7F-BC52-042E4A9C965B}" type="parTrans" cxnId="{9E8CA669-5082-4BCF-8569-08C8455AF9C2}">
+      <dgm:prSet/>
+      <dgm:spPr/>
+      <dgm:t>
+        <a:bodyPr/>
+        <a:lstStyle/>
+        <a:p>
+          <a:endParaRPr lang="en-US"/>
+        </a:p>
+      </dgm:t>
+    </dgm:pt>
+    <dgm:pt modelId="{A6365D8E-4AB7-4C48-B197-C157487D7319}" type="sibTrans" cxnId="{9E8CA669-5082-4BCF-8569-08C8455AF9C2}">
+      <dgm:prSet/>
+      <dgm:spPr/>
+      <dgm:t>
+        <a:bodyPr/>
+        <a:lstStyle/>
+        <a:p>
+          <a:endParaRPr lang="en-US"/>
+        </a:p>
+      </dgm:t>
+    </dgm:pt>
+    <dgm:pt modelId="{A6FFBCFE-2140-412C-8B7E-5015E07C7310}">
+      <dgm:prSet/>
+      <dgm:spPr/>
+      <dgm:t>
+        <a:bodyPr/>
+        <a:lstStyle/>
+        <a:p>
+          <a:pPr>
+            <a:buNone/>
+          </a:pPr>
+          <a:r>
+            <a:rPr lang="en-US" dirty="0"/>
+            <a:t>Event Grid</a:t>
+          </a:r>
+        </a:p>
+      </dgm:t>
+    </dgm:pt>
+    <dgm:pt modelId="{95B86C89-B3BE-4584-8259-A3EE986E89FD}" type="parTrans" cxnId="{2B7A0135-4F2D-4547-B403-3A483B4E7F25}">
+      <dgm:prSet/>
+      <dgm:spPr/>
+      <dgm:t>
+        <a:bodyPr/>
+        <a:lstStyle/>
+        <a:p>
+          <a:endParaRPr lang="en-US"/>
+        </a:p>
+      </dgm:t>
+    </dgm:pt>
+    <dgm:pt modelId="{4B653931-99DB-4C67-B225-3609B7C31F2B}" type="sibTrans" cxnId="{2B7A0135-4F2D-4547-B403-3A483B4E7F25}">
+      <dgm:prSet/>
+      <dgm:spPr/>
+      <dgm:t>
+        <a:bodyPr/>
+        <a:lstStyle/>
+        <a:p>
+          <a:endParaRPr lang="en-US"/>
+        </a:p>
+      </dgm:t>
+    </dgm:pt>
+    <dgm:pt modelId="{1F2337ED-9188-41FE-926E-CD172CE32B85}" type="pres">
+      <dgm:prSet presAssocID="{B43D5259-40D5-46A3-9D3F-8BC8F7E1A42C}" presName="Name0" presStyleCnt="0">
+        <dgm:presLayoutVars>
+          <dgm:dir/>
+          <dgm:animLvl val="lvl"/>
+          <dgm:resizeHandles val="exact"/>
+        </dgm:presLayoutVars>
+      </dgm:prSet>
+      <dgm:spPr/>
+    </dgm:pt>
+    <dgm:pt modelId="{47A1CC58-A5FE-4238-BE28-5C82B5115C48}" type="pres">
+      <dgm:prSet presAssocID="{6E6171D4-3CAE-43A7-8CC5-8DE5CE954F27}" presName="linNode" presStyleCnt="0"/>
+      <dgm:spPr/>
+    </dgm:pt>
+    <dgm:pt modelId="{34CBFFEF-750B-4685-B4F3-A8D6CEC5AAAF}" type="pres">
+      <dgm:prSet presAssocID="{6E6171D4-3CAE-43A7-8CC5-8DE5CE954F27}" presName="parentText" presStyleLbl="node1" presStyleIdx="0" presStyleCnt="6">
+        <dgm:presLayoutVars>
+          <dgm:chMax val="1"/>
+          <dgm:bulletEnabled val="1"/>
+        </dgm:presLayoutVars>
+      </dgm:prSet>
+      <dgm:spPr/>
+    </dgm:pt>
+    <dgm:pt modelId="{900A98C9-B8A9-441C-907F-451A2CD1C116}" type="pres">
+      <dgm:prSet presAssocID="{6E6171D4-3CAE-43A7-8CC5-8DE5CE954F27}" presName="descendantText" presStyleLbl="alignAccFollowNode1" presStyleIdx="0" presStyleCnt="6">
+        <dgm:presLayoutVars>
+          <dgm:bulletEnabled val="1"/>
+        </dgm:presLayoutVars>
+      </dgm:prSet>
+      <dgm:spPr/>
+    </dgm:pt>
+    <dgm:pt modelId="{7C979FDB-3836-449A-B233-66E1A2CB488C}" type="pres">
+      <dgm:prSet presAssocID="{FF554F15-C91D-4E5B-A7AF-077A834895DA}" presName="sp" presStyleCnt="0"/>
+      <dgm:spPr/>
+    </dgm:pt>
+    <dgm:pt modelId="{B92D506D-5E5A-41B5-A51C-AD9D79732680}" type="pres">
+      <dgm:prSet presAssocID="{79157067-C95F-47D6-ABED-6BD821877DBC}" presName="linNode" presStyleCnt="0"/>
+      <dgm:spPr/>
+    </dgm:pt>
+    <dgm:pt modelId="{321ACC25-88C6-41E1-83DC-002CA0FA0AD6}" type="pres">
+      <dgm:prSet presAssocID="{79157067-C95F-47D6-ABED-6BD821877DBC}" presName="parentText" presStyleLbl="node1" presStyleIdx="1" presStyleCnt="6">
+        <dgm:presLayoutVars>
+          <dgm:chMax val="1"/>
+          <dgm:bulletEnabled val="1"/>
+        </dgm:presLayoutVars>
+      </dgm:prSet>
+      <dgm:spPr/>
+    </dgm:pt>
+    <dgm:pt modelId="{4EFA03D5-4F37-401D-8751-208523095CED}" type="pres">
+      <dgm:prSet presAssocID="{79157067-C95F-47D6-ABED-6BD821877DBC}" presName="descendantText" presStyleLbl="alignAccFollowNode1" presStyleIdx="1" presStyleCnt="6">
+        <dgm:presLayoutVars>
+          <dgm:bulletEnabled val="1"/>
+        </dgm:presLayoutVars>
+      </dgm:prSet>
+      <dgm:spPr/>
+    </dgm:pt>
+    <dgm:pt modelId="{C63211E6-122F-4CCE-86ED-A0C686F5F79D}" type="pres">
+      <dgm:prSet presAssocID="{1FE425DD-4B96-41BB-937C-202B5964D2BE}" presName="sp" presStyleCnt="0"/>
+      <dgm:spPr/>
+    </dgm:pt>
+    <dgm:pt modelId="{D04EF0A8-868C-4D83-998F-0664F024AAEB}" type="pres">
+      <dgm:prSet presAssocID="{8E95F8F7-B6A9-4BDE-8E10-03699AD990D3}" presName="linNode" presStyleCnt="0"/>
+      <dgm:spPr/>
+    </dgm:pt>
+    <dgm:pt modelId="{B1E264D3-CA6D-4E93-9CCC-AEE68B53DC99}" type="pres">
+      <dgm:prSet presAssocID="{8E95F8F7-B6A9-4BDE-8E10-03699AD990D3}" presName="parentText" presStyleLbl="node1" presStyleIdx="2" presStyleCnt="6">
+        <dgm:presLayoutVars>
+          <dgm:chMax val="1"/>
+          <dgm:bulletEnabled val="1"/>
+        </dgm:presLayoutVars>
+      </dgm:prSet>
+      <dgm:spPr/>
+    </dgm:pt>
+    <dgm:pt modelId="{752B575A-4C5C-4D04-8375-4C1C77076DD7}" type="pres">
+      <dgm:prSet presAssocID="{8E95F8F7-B6A9-4BDE-8E10-03699AD990D3}" presName="descendantText" presStyleLbl="alignAccFollowNode1" presStyleIdx="2" presStyleCnt="6">
+        <dgm:presLayoutVars>
+          <dgm:bulletEnabled val="1"/>
+        </dgm:presLayoutVars>
+      </dgm:prSet>
+      <dgm:spPr/>
+    </dgm:pt>
+    <dgm:pt modelId="{18D6EB15-2FD1-4E1D-AB89-37A91DF205A7}" type="pres">
+      <dgm:prSet presAssocID="{2F199904-ECBB-448F-9818-317822B3FA0D}" presName="sp" presStyleCnt="0"/>
+      <dgm:spPr/>
+    </dgm:pt>
+    <dgm:pt modelId="{9827F97E-8561-4CE2-BD3E-1EE791294D7D}" type="pres">
+      <dgm:prSet presAssocID="{2347DE03-667F-485A-8EBD-8E50C764F3E7}" presName="linNode" presStyleCnt="0"/>
+      <dgm:spPr/>
+    </dgm:pt>
+    <dgm:pt modelId="{280C46C2-8880-4507-9FBC-C8218AAA9909}" type="pres">
+      <dgm:prSet presAssocID="{2347DE03-667F-485A-8EBD-8E50C764F3E7}" presName="parentText" presStyleLbl="node1" presStyleIdx="3" presStyleCnt="6">
+        <dgm:presLayoutVars>
+          <dgm:chMax val="1"/>
+          <dgm:bulletEnabled val="1"/>
+        </dgm:presLayoutVars>
+      </dgm:prSet>
+      <dgm:spPr/>
+    </dgm:pt>
+    <dgm:pt modelId="{A13701A5-A857-4A78-B10B-218D4259E37D}" type="pres">
+      <dgm:prSet presAssocID="{2347DE03-667F-485A-8EBD-8E50C764F3E7}" presName="descendantText" presStyleLbl="alignAccFollowNode1" presStyleIdx="3" presStyleCnt="6">
+        <dgm:presLayoutVars>
+          <dgm:bulletEnabled val="1"/>
+        </dgm:presLayoutVars>
+      </dgm:prSet>
+      <dgm:spPr/>
+    </dgm:pt>
+    <dgm:pt modelId="{D328B1AD-1EC3-4514-9890-54D77E2FB692}" type="pres">
+      <dgm:prSet presAssocID="{C594E2FD-1669-4020-8F50-0D642FACB3D0}" presName="sp" presStyleCnt="0"/>
+      <dgm:spPr/>
+    </dgm:pt>
+    <dgm:pt modelId="{4419475F-A56B-4C21-A084-97692ACE4B02}" type="pres">
+      <dgm:prSet presAssocID="{4A001ADD-2D60-474F-ACA8-04A61E7EC564}" presName="linNode" presStyleCnt="0"/>
+      <dgm:spPr/>
+    </dgm:pt>
+    <dgm:pt modelId="{7620CA83-A351-4AB0-86E1-28B1B93688B7}" type="pres">
+      <dgm:prSet presAssocID="{4A001ADD-2D60-474F-ACA8-04A61E7EC564}" presName="parentText" presStyleLbl="node1" presStyleIdx="4" presStyleCnt="6">
+        <dgm:presLayoutVars>
+          <dgm:chMax val="1"/>
+          <dgm:bulletEnabled val="1"/>
+        </dgm:presLayoutVars>
+      </dgm:prSet>
+      <dgm:spPr/>
+    </dgm:pt>
+    <dgm:pt modelId="{92CBF2CA-0B78-4D27-A7EE-3602AB866CF0}" type="pres">
+      <dgm:prSet presAssocID="{4A001ADD-2D60-474F-ACA8-04A61E7EC564}" presName="descendantText" presStyleLbl="alignAccFollowNode1" presStyleIdx="4" presStyleCnt="6">
+        <dgm:presLayoutVars>
+          <dgm:bulletEnabled val="1"/>
+        </dgm:presLayoutVars>
+      </dgm:prSet>
+      <dgm:spPr/>
+    </dgm:pt>
+    <dgm:pt modelId="{F1A1E607-2AA5-4F7C-B929-A7640ECE4AF3}" type="pres">
+      <dgm:prSet presAssocID="{0A999DE4-3542-46A8-9132-5FDD8E74D8F9}" presName="sp" presStyleCnt="0"/>
+      <dgm:spPr/>
+    </dgm:pt>
+    <dgm:pt modelId="{856C75A3-E0E6-4A43-8B02-CB7EC301DB95}" type="pres">
+      <dgm:prSet presAssocID="{1A366C7F-B317-41A1-96C5-2579762603A9}" presName="linNode" presStyleCnt="0"/>
+      <dgm:spPr/>
+    </dgm:pt>
+    <dgm:pt modelId="{9466BBFB-DA2D-4065-A397-5F7437D65996}" type="pres">
+      <dgm:prSet presAssocID="{1A366C7F-B317-41A1-96C5-2579762603A9}" presName="parentText" presStyleLbl="node1" presStyleIdx="5" presStyleCnt="6">
+        <dgm:presLayoutVars>
+          <dgm:chMax val="1"/>
+          <dgm:bulletEnabled val="1"/>
+        </dgm:presLayoutVars>
+      </dgm:prSet>
+      <dgm:spPr/>
+    </dgm:pt>
+    <dgm:pt modelId="{BBB5C54D-0C8F-4815-8DB4-5595D61F4996}" type="pres">
+      <dgm:prSet presAssocID="{1A366C7F-B317-41A1-96C5-2579762603A9}" presName="descendantText" presStyleLbl="alignAccFollowNode1" presStyleIdx="5" presStyleCnt="6">
+        <dgm:presLayoutVars>
+          <dgm:bulletEnabled val="1"/>
+        </dgm:presLayoutVars>
+      </dgm:prSet>
+      <dgm:spPr/>
+    </dgm:pt>
+  </dgm:ptLst>
+  <dgm:cxnLst>
+    <dgm:cxn modelId="{BC409404-E4D4-4BEB-BABC-FC6D2068DD7B}" srcId="{B43D5259-40D5-46A3-9D3F-8BC8F7E1A42C}" destId="{2347DE03-667F-485A-8EBD-8E50C764F3E7}" srcOrd="3" destOrd="0" parTransId="{C42C30A8-FDB2-4A9C-A3FF-3BF5A306EF47}" sibTransId="{C594E2FD-1669-4020-8F50-0D642FACB3D0}"/>
+    <dgm:cxn modelId="{B4F35305-6A38-4C3B-9844-47EC5E128764}" type="presOf" srcId="{A75CC973-5174-4574-8B06-B557FB434962}" destId="{900A98C9-B8A9-441C-907F-451A2CD1C116}" srcOrd="0" destOrd="0" presId="urn:microsoft.com/office/officeart/2005/8/layout/vList5"/>
+    <dgm:cxn modelId="{ED639F09-6023-4677-902F-6A54CE6EBB59}" type="presOf" srcId="{4A001ADD-2D60-474F-ACA8-04A61E7EC564}" destId="{7620CA83-A351-4AB0-86E1-28B1B93688B7}" srcOrd="0" destOrd="0" presId="urn:microsoft.com/office/officeart/2005/8/layout/vList5"/>
+    <dgm:cxn modelId="{1513500F-27B5-412F-9255-59B37BCD804F}" srcId="{2347DE03-667F-485A-8EBD-8E50C764F3E7}" destId="{DEF2D8D9-8957-488C-9B03-68833B007769}" srcOrd="0" destOrd="0" parTransId="{9DE66AAB-5765-4AD3-8C0D-E769A3311480}" sibTransId="{DF43DEDE-456C-4004-8CCA-E18F8607167D}"/>
+    <dgm:cxn modelId="{C34CFD1E-3934-4347-92F3-D08612D39EB9}" type="presOf" srcId="{A6FFBCFE-2140-412C-8B7E-5015E07C7310}" destId="{BBB5C54D-0C8F-4815-8DB4-5595D61F4996}" srcOrd="0" destOrd="0" presId="urn:microsoft.com/office/officeart/2005/8/layout/vList5"/>
+    <dgm:cxn modelId="{7BCB7F33-8A0F-41BC-A0EA-380A11BCC117}" srcId="{B43D5259-40D5-46A3-9D3F-8BC8F7E1A42C}" destId="{8E95F8F7-B6A9-4BDE-8E10-03699AD990D3}" srcOrd="2" destOrd="0" parTransId="{EC09BAF6-E4A4-4C22-B9C9-828E43263AF7}" sibTransId="{2F199904-ECBB-448F-9818-317822B3FA0D}"/>
+    <dgm:cxn modelId="{2B7A0135-4F2D-4547-B403-3A483B4E7F25}" srcId="{1A366C7F-B317-41A1-96C5-2579762603A9}" destId="{A6FFBCFE-2140-412C-8B7E-5015E07C7310}" srcOrd="0" destOrd="0" parTransId="{95B86C89-B3BE-4584-8259-A3EE986E89FD}" sibTransId="{4B653931-99DB-4C67-B225-3609B7C31F2B}"/>
+    <dgm:cxn modelId="{25AB6635-4A7C-4322-9E5E-8F961CF8EB27}" type="presOf" srcId="{1C61F222-0AD7-454A-B09A-14A806E5EB4B}" destId="{752B575A-4C5C-4D04-8375-4C1C77076DD7}" srcOrd="0" destOrd="0" presId="urn:microsoft.com/office/officeart/2005/8/layout/vList5"/>
+    <dgm:cxn modelId="{8F32D43F-7826-4315-8CEA-83DCD52AF8D9}" type="presOf" srcId="{DEF2D8D9-8957-488C-9B03-68833B007769}" destId="{A13701A5-A857-4A78-B10B-218D4259E37D}" srcOrd="0" destOrd="0" presId="urn:microsoft.com/office/officeart/2005/8/layout/vList5"/>
+    <dgm:cxn modelId="{9BB3305F-0314-4F5C-8C9A-6D4B11ECCEF6}" type="presOf" srcId="{2347DE03-667F-485A-8EBD-8E50C764F3E7}" destId="{280C46C2-8880-4507-9FBC-C8218AAA9909}" srcOrd="0" destOrd="0" presId="urn:microsoft.com/office/officeart/2005/8/layout/vList5"/>
+    <dgm:cxn modelId="{B9717262-B77C-4E98-AFD3-6AFDFA5431F9}" srcId="{8E95F8F7-B6A9-4BDE-8E10-03699AD990D3}" destId="{1C61F222-0AD7-454A-B09A-14A806E5EB4B}" srcOrd="0" destOrd="0" parTransId="{EA8363D2-132B-4815-981E-4C9BC26F606D}" sibTransId="{B682389B-51B7-4C95-B412-6FD9E32A8177}"/>
+    <dgm:cxn modelId="{4353FF68-96DB-4C13-A780-568D46DDC1BE}" type="presOf" srcId="{B43D5259-40D5-46A3-9D3F-8BC8F7E1A42C}" destId="{1F2337ED-9188-41FE-926E-CD172CE32B85}" srcOrd="0" destOrd="0" presId="urn:microsoft.com/office/officeart/2005/8/layout/vList5"/>
+    <dgm:cxn modelId="{9E8CA669-5082-4BCF-8569-08C8455AF9C2}" srcId="{B43D5259-40D5-46A3-9D3F-8BC8F7E1A42C}" destId="{1A366C7F-B317-41A1-96C5-2579762603A9}" srcOrd="5" destOrd="0" parTransId="{994F5928-1C91-4A7F-BC52-042E4A9C965B}" sibTransId="{A6365D8E-4AB7-4C48-B197-C157487D7319}"/>
+    <dgm:cxn modelId="{50F5FA4B-EA82-4E3C-AD81-D01C7480766B}" srcId="{6E6171D4-3CAE-43A7-8CC5-8DE5CE954F27}" destId="{A75CC973-5174-4574-8B06-B557FB434962}" srcOrd="0" destOrd="0" parTransId="{BBEB0341-D641-478C-807A-895C83BB6EF2}" sibTransId="{82D305B7-C1ED-41F7-A0E5-346A1A0B9C91}"/>
+    <dgm:cxn modelId="{7F61E56C-6E1A-4080-885B-0BCBDB50CEC6}" type="presOf" srcId="{79157067-C95F-47D6-ABED-6BD821877DBC}" destId="{321ACC25-88C6-41E1-83DC-002CA0FA0AD6}" srcOrd="0" destOrd="0" presId="urn:microsoft.com/office/officeart/2005/8/layout/vList5"/>
+    <dgm:cxn modelId="{38D3FF7B-5001-4A62-96AC-7899BCBED973}" srcId="{B43D5259-40D5-46A3-9D3F-8BC8F7E1A42C}" destId="{79157067-C95F-47D6-ABED-6BD821877DBC}" srcOrd="1" destOrd="0" parTransId="{CBB16492-A98A-470C-8762-C51807ACD206}" sibTransId="{1FE425DD-4B96-41BB-937C-202B5964D2BE}"/>
+    <dgm:cxn modelId="{90211893-4387-45D8-8B5A-A484AA188281}" type="presOf" srcId="{27D5C51B-C07B-4650-A2D8-65048946B771}" destId="{4EFA03D5-4F37-401D-8751-208523095CED}" srcOrd="0" destOrd="0" presId="urn:microsoft.com/office/officeart/2005/8/layout/vList5"/>
+    <dgm:cxn modelId="{4DEC64A3-7F90-4C2A-AECB-7A99EFDFC30B}" srcId="{79157067-C95F-47D6-ABED-6BD821877DBC}" destId="{27D5C51B-C07B-4650-A2D8-65048946B771}" srcOrd="0" destOrd="0" parTransId="{E968349E-9633-4BA4-901D-1944F707CE6E}" sibTransId="{3E62708D-7DB1-43D5-A0A2-9AA0A9B9F236}"/>
+    <dgm:cxn modelId="{FEF5BAA9-D699-40B9-8F3F-3F8CE1C6262F}" type="presOf" srcId="{EE89AE95-3CBD-4DF7-9DE5-6B557498C580}" destId="{92CBF2CA-0B78-4D27-A7EE-3602AB866CF0}" srcOrd="0" destOrd="0" presId="urn:microsoft.com/office/officeart/2005/8/layout/vList5"/>
+    <dgm:cxn modelId="{13FCB7B6-FA1D-4D89-8009-956122118F36}" srcId="{B43D5259-40D5-46A3-9D3F-8BC8F7E1A42C}" destId="{6E6171D4-3CAE-43A7-8CC5-8DE5CE954F27}" srcOrd="0" destOrd="0" parTransId="{A597E636-97B1-4052-AEF8-A58CFE081077}" sibTransId="{FF554F15-C91D-4E5B-A7AF-077A834895DA}"/>
+    <dgm:cxn modelId="{C19F14C6-3E6D-48D4-864A-2BD5817A7474}" type="presOf" srcId="{6E6171D4-3CAE-43A7-8CC5-8DE5CE954F27}" destId="{34CBFFEF-750B-4685-B4F3-A8D6CEC5AAAF}" srcOrd="0" destOrd="0" presId="urn:microsoft.com/office/officeart/2005/8/layout/vList5"/>
+    <dgm:cxn modelId="{E4C032CA-9621-4D86-8531-5D4E6A2BBD96}" srcId="{4A001ADD-2D60-474F-ACA8-04A61E7EC564}" destId="{EE89AE95-3CBD-4DF7-9DE5-6B557498C580}" srcOrd="0" destOrd="0" parTransId="{6FC59065-FB5D-4B65-BB18-61F387BBFE45}" sibTransId="{6935DDBC-2C96-4F63-A915-553F242D6CDE}"/>
+    <dgm:cxn modelId="{1F760FD0-D247-41B7-8E91-39E0F7BEDF45}" type="presOf" srcId="{1A366C7F-B317-41A1-96C5-2579762603A9}" destId="{9466BBFB-DA2D-4065-A397-5F7437D65996}" srcOrd="0" destOrd="0" presId="urn:microsoft.com/office/officeart/2005/8/layout/vList5"/>
+    <dgm:cxn modelId="{39BFE3DE-38A9-46E9-ADB6-625DDE9BACA7}" srcId="{B43D5259-40D5-46A3-9D3F-8BC8F7E1A42C}" destId="{4A001ADD-2D60-474F-ACA8-04A61E7EC564}" srcOrd="4" destOrd="0" parTransId="{02E2C184-0DDD-40CC-998F-D45A2C4BB722}" sibTransId="{0A999DE4-3542-46A8-9132-5FDD8E74D8F9}"/>
+    <dgm:cxn modelId="{90C175E4-BD87-490A-99E7-350E2D9D48F6}" type="presOf" srcId="{8E95F8F7-B6A9-4BDE-8E10-03699AD990D3}" destId="{B1E264D3-CA6D-4E93-9CCC-AEE68B53DC99}" srcOrd="0" destOrd="0" presId="urn:microsoft.com/office/officeart/2005/8/layout/vList5"/>
+    <dgm:cxn modelId="{4DEE8DCF-7A66-4354-AD19-7E05D6EFBA2C}" type="presParOf" srcId="{1F2337ED-9188-41FE-926E-CD172CE32B85}" destId="{47A1CC58-A5FE-4238-BE28-5C82B5115C48}" srcOrd="0" destOrd="0" presId="urn:microsoft.com/office/officeart/2005/8/layout/vList5"/>
+    <dgm:cxn modelId="{931D6622-D7E8-426D-B81E-15D8A64D0E4A}" type="presParOf" srcId="{47A1CC58-A5FE-4238-BE28-5C82B5115C48}" destId="{34CBFFEF-750B-4685-B4F3-A8D6CEC5AAAF}" srcOrd="0" destOrd="0" presId="urn:microsoft.com/office/officeart/2005/8/layout/vList5"/>
+    <dgm:cxn modelId="{59B78293-E3FC-472B-B563-15C70278B84C}" type="presParOf" srcId="{47A1CC58-A5FE-4238-BE28-5C82B5115C48}" destId="{900A98C9-B8A9-441C-907F-451A2CD1C116}" srcOrd="1" destOrd="0" presId="urn:microsoft.com/office/officeart/2005/8/layout/vList5"/>
+    <dgm:cxn modelId="{C05617B6-CB08-480F-A45C-A83D9A101C07}" type="presParOf" srcId="{1F2337ED-9188-41FE-926E-CD172CE32B85}" destId="{7C979FDB-3836-449A-B233-66E1A2CB488C}" srcOrd="1" destOrd="0" presId="urn:microsoft.com/office/officeart/2005/8/layout/vList5"/>
+    <dgm:cxn modelId="{23442725-5C05-4993-A0DE-763FE7627FFA}" type="presParOf" srcId="{1F2337ED-9188-41FE-926E-CD172CE32B85}" destId="{B92D506D-5E5A-41B5-A51C-AD9D79732680}" srcOrd="2" destOrd="0" presId="urn:microsoft.com/office/officeart/2005/8/layout/vList5"/>
+    <dgm:cxn modelId="{0B20D4D0-606F-4A32-8753-AE2E95E2D616}" type="presParOf" srcId="{B92D506D-5E5A-41B5-A51C-AD9D79732680}" destId="{321ACC25-88C6-41E1-83DC-002CA0FA0AD6}" srcOrd="0" destOrd="0" presId="urn:microsoft.com/office/officeart/2005/8/layout/vList5"/>
+    <dgm:cxn modelId="{696FC332-BC77-4D17-8FA3-5BB1F93E4074}" type="presParOf" srcId="{B92D506D-5E5A-41B5-A51C-AD9D79732680}" destId="{4EFA03D5-4F37-401D-8751-208523095CED}" srcOrd="1" destOrd="0" presId="urn:microsoft.com/office/officeart/2005/8/layout/vList5"/>
+    <dgm:cxn modelId="{ED619BE3-5190-4392-98DA-9B4EAD1FB2C9}" type="presParOf" srcId="{1F2337ED-9188-41FE-926E-CD172CE32B85}" destId="{C63211E6-122F-4CCE-86ED-A0C686F5F79D}" srcOrd="3" destOrd="0" presId="urn:microsoft.com/office/officeart/2005/8/layout/vList5"/>
+    <dgm:cxn modelId="{2D2DF39F-7DF6-4555-BE10-2607F3AFA53D}" type="presParOf" srcId="{1F2337ED-9188-41FE-926E-CD172CE32B85}" destId="{D04EF0A8-868C-4D83-998F-0664F024AAEB}" srcOrd="4" destOrd="0" presId="urn:microsoft.com/office/officeart/2005/8/layout/vList5"/>
+    <dgm:cxn modelId="{6C3E717A-AE6E-436D-B0B5-6803374D76FE}" type="presParOf" srcId="{D04EF0A8-868C-4D83-998F-0664F024AAEB}" destId="{B1E264D3-CA6D-4E93-9CCC-AEE68B53DC99}" srcOrd="0" destOrd="0" presId="urn:microsoft.com/office/officeart/2005/8/layout/vList5"/>
+    <dgm:cxn modelId="{0CE45A66-E4BE-4F54-838F-17C4DD7AB34F}" type="presParOf" srcId="{D04EF0A8-868C-4D83-998F-0664F024AAEB}" destId="{752B575A-4C5C-4D04-8375-4C1C77076DD7}" srcOrd="1" destOrd="0" presId="urn:microsoft.com/office/officeart/2005/8/layout/vList5"/>
+    <dgm:cxn modelId="{86F61625-6B91-4B97-A516-F9866FEEFCEC}" type="presParOf" srcId="{1F2337ED-9188-41FE-926E-CD172CE32B85}" destId="{18D6EB15-2FD1-4E1D-AB89-37A91DF205A7}" srcOrd="5" destOrd="0" presId="urn:microsoft.com/office/officeart/2005/8/layout/vList5"/>
+    <dgm:cxn modelId="{5FF487D5-F67D-46C8-B3DC-038313A4405A}" type="presParOf" srcId="{1F2337ED-9188-41FE-926E-CD172CE32B85}" destId="{9827F97E-8561-4CE2-BD3E-1EE791294D7D}" srcOrd="6" destOrd="0" presId="urn:microsoft.com/office/officeart/2005/8/layout/vList5"/>
+    <dgm:cxn modelId="{F76E0909-8597-4000-9B25-C2D06ABBBDBB}" type="presParOf" srcId="{9827F97E-8561-4CE2-BD3E-1EE791294D7D}" destId="{280C46C2-8880-4507-9FBC-C8218AAA9909}" srcOrd="0" destOrd="0" presId="urn:microsoft.com/office/officeart/2005/8/layout/vList5"/>
+    <dgm:cxn modelId="{6AE78926-88F4-4EEC-A29B-879023E603EE}" type="presParOf" srcId="{9827F97E-8561-4CE2-BD3E-1EE791294D7D}" destId="{A13701A5-A857-4A78-B10B-218D4259E37D}" srcOrd="1" destOrd="0" presId="urn:microsoft.com/office/officeart/2005/8/layout/vList5"/>
+    <dgm:cxn modelId="{3E0566C6-ED4A-47AF-9F19-94BE22872F31}" type="presParOf" srcId="{1F2337ED-9188-41FE-926E-CD172CE32B85}" destId="{D328B1AD-1EC3-4514-9890-54D77E2FB692}" srcOrd="7" destOrd="0" presId="urn:microsoft.com/office/officeart/2005/8/layout/vList5"/>
+    <dgm:cxn modelId="{AE08BAF0-40B8-4BA2-9C37-96E82068BF0D}" type="presParOf" srcId="{1F2337ED-9188-41FE-926E-CD172CE32B85}" destId="{4419475F-A56B-4C21-A084-97692ACE4B02}" srcOrd="8" destOrd="0" presId="urn:microsoft.com/office/officeart/2005/8/layout/vList5"/>
+    <dgm:cxn modelId="{4A40E437-34D6-44F5-9D94-33E15E0B8C89}" type="presParOf" srcId="{4419475F-A56B-4C21-A084-97692ACE4B02}" destId="{7620CA83-A351-4AB0-86E1-28B1B93688B7}" srcOrd="0" destOrd="0" presId="urn:microsoft.com/office/officeart/2005/8/layout/vList5"/>
+    <dgm:cxn modelId="{29A774E7-4823-4325-94F4-9B6F13CAB032}" type="presParOf" srcId="{4419475F-A56B-4C21-A084-97692ACE4B02}" destId="{92CBF2CA-0B78-4D27-A7EE-3602AB866CF0}" srcOrd="1" destOrd="0" presId="urn:microsoft.com/office/officeart/2005/8/layout/vList5"/>
+    <dgm:cxn modelId="{21A961D7-2DC2-4F12-8561-BE69D3C5D8DD}" type="presParOf" srcId="{1F2337ED-9188-41FE-926E-CD172CE32B85}" destId="{F1A1E607-2AA5-4F7C-B929-A7640ECE4AF3}" srcOrd="9" destOrd="0" presId="urn:microsoft.com/office/officeart/2005/8/layout/vList5"/>
+    <dgm:cxn modelId="{5A40220C-BD36-461E-9C8B-E84001B2710D}" type="presParOf" srcId="{1F2337ED-9188-41FE-926E-CD172CE32B85}" destId="{856C75A3-E0E6-4A43-8B02-CB7EC301DB95}" srcOrd="10" destOrd="0" presId="urn:microsoft.com/office/officeart/2005/8/layout/vList5"/>
+    <dgm:cxn modelId="{3B375E8C-24FD-46CF-A676-190ADCE7BE1D}" type="presParOf" srcId="{856C75A3-E0E6-4A43-8B02-CB7EC301DB95}" destId="{9466BBFB-DA2D-4065-A397-5F7437D65996}" srcOrd="0" destOrd="0" presId="urn:microsoft.com/office/officeart/2005/8/layout/vList5"/>
+    <dgm:cxn modelId="{E5A7B0F6-86A7-4181-A7DE-A169EEE4C399}" type="presParOf" srcId="{856C75A3-E0E6-4A43-8B02-CB7EC301DB95}" destId="{BBB5C54D-0C8F-4815-8DB4-5595D61F4996}" srcOrd="1" destOrd="0" presId="urn:microsoft.com/office/officeart/2005/8/layout/vList5"/>
+  </dgm:cxnLst>
+  <dgm:bg/>
+  <dgm:whole/>
+  <dgm:extLst>
+    <a:ext uri="http://schemas.microsoft.com/office/drawing/2008/diagram">
+      <dsp:dataModelExt xmlns:dsp="http://schemas.microsoft.com/office/drawing/2008/diagram" relId="rId6" minVer="http://schemas.openxmlformats.org/drawingml/2006/diagram"/>
+    </a:ext>
+  </dgm:extLst>
+</dgm:dataModel>
+</file>
+
+<file path=ppt/diagrams/drawing1.xml><?xml version="1.0" encoding="utf-8"?>
+<dsp:drawing xmlns:dgm="http://schemas.openxmlformats.org/drawingml/2006/diagram" xmlns:dsp="http://schemas.microsoft.com/office/drawing/2008/diagram" xmlns:a="http://schemas.openxmlformats.org/drawingml/2006/main">
+  <dsp:spTree>
+    <dsp:nvGrpSpPr>
+      <dsp:cNvPr id="0" name=""/>
+      <dsp:cNvGrpSpPr/>
+    </dsp:nvGrpSpPr>
+    <dsp:grpSpPr/>
+    <dsp:sp modelId="{900A98C9-B8A9-441C-907F-451A2CD1C116}">
+      <dsp:nvSpPr>
+        <dsp:cNvPr id="0" name=""/>
+        <dsp:cNvSpPr/>
+      </dsp:nvSpPr>
+      <dsp:spPr>
+        <a:xfrm rot="5400000">
+          <a:off x="6872275" y="-3015881"/>
+          <a:ext cx="556665" cy="6729984"/>
+        </a:xfrm>
+        <a:prstGeom prst="round2SameRect">
+          <a:avLst/>
+        </a:prstGeom>
+        <a:solidFill>
+          <a:schemeClr val="dk2">
+            <a:alpha val="90000"/>
+            <a:tint val="40000"/>
+            <a:hueOff val="0"/>
+            <a:satOff val="0"/>
+            <a:lumOff val="0"/>
+            <a:alphaOff val="0"/>
+          </a:schemeClr>
+        </a:solidFill>
+        <a:ln w="6350" cap="flat" cmpd="sng" algn="ctr">
+          <a:solidFill>
+            <a:schemeClr val="dk2">
+              <a:alpha val="90000"/>
+              <a:tint val="40000"/>
+              <a:hueOff val="0"/>
+              <a:satOff val="0"/>
+              <a:lumOff val="0"/>
+              <a:alphaOff val="0"/>
+            </a:schemeClr>
+          </a:solidFill>
+          <a:prstDash val="solid"/>
+          <a:miter lim="800000"/>
+        </a:ln>
+        <a:effectLst/>
+      </dsp:spPr>
+      <dsp:style>
+        <a:lnRef idx="1">
+          <a:scrgbClr r="0" g="0" b="0"/>
+        </a:lnRef>
+        <a:fillRef idx="1">
+          <a:scrgbClr r="0" g="0" b="0"/>
+        </a:fillRef>
+        <a:effectRef idx="0">
+          <a:scrgbClr r="0" g="0" b="0"/>
+        </a:effectRef>
+        <a:fontRef idx="minor"/>
+      </dsp:style>
+      <dsp:txBody>
+        <a:bodyPr spcFirstLastPara="0" vert="horz" wrap="square" lIns="106680" tIns="53340" rIns="106680" bIns="53340" numCol="1" spcCol="1270" anchor="ctr" anchorCtr="0">
+          <a:noAutofit/>
+        </a:bodyPr>
+        <a:lstStyle/>
+        <a:p>
+          <a:pPr marL="285750" lvl="1" indent="-285750" algn="l" defTabSz="1244600">
+            <a:lnSpc>
+              <a:spcPct val="90000"/>
+            </a:lnSpc>
+            <a:spcBef>
+              <a:spcPct val="0"/>
+            </a:spcBef>
+            <a:spcAft>
+              <a:spcPct val="15000"/>
+            </a:spcAft>
+            <a:buNone/>
+          </a:pPr>
+          <a:r>
+            <a:rPr lang="en-US" sz="2800" kern="1200" dirty="0"/>
+            <a:t>IoT Hub</a:t>
+          </a:r>
+        </a:p>
+      </dsp:txBody>
+      <dsp:txXfrm rot="-5400000">
+        <a:off x="3785616" y="97952"/>
+        <a:ext cx="6702810" cy="502317"/>
+      </dsp:txXfrm>
+    </dsp:sp>
+    <dsp:sp modelId="{34CBFFEF-750B-4685-B4F3-A8D6CEC5AAAF}">
+      <dsp:nvSpPr>
+        <dsp:cNvPr id="0" name=""/>
+        <dsp:cNvSpPr/>
+      </dsp:nvSpPr>
+      <dsp:spPr>
+        <a:xfrm>
+          <a:off x="0" y="1195"/>
+          <a:ext cx="3785616" cy="695831"/>
+        </a:xfrm>
+        <a:prstGeom prst="roundRect">
+          <a:avLst/>
+        </a:prstGeom>
+        <a:gradFill rotWithShape="0">
+          <a:gsLst>
+            <a:gs pos="0">
+              <a:schemeClr val="dk2">
+                <a:hueOff val="0"/>
+                <a:satOff val="0"/>
+                <a:lumOff val="0"/>
+                <a:alphaOff val="0"/>
+                <a:satMod val="103000"/>
+                <a:lumMod val="102000"/>
+                <a:tint val="94000"/>
+              </a:schemeClr>
+            </a:gs>
+            <a:gs pos="50000">
+              <a:schemeClr val="dk2">
+                <a:hueOff val="0"/>
+                <a:satOff val="0"/>
+                <a:lumOff val="0"/>
+                <a:alphaOff val="0"/>
+                <a:satMod val="110000"/>
+                <a:lumMod val="100000"/>
+                <a:shade val="100000"/>
+              </a:schemeClr>
+            </a:gs>
+            <a:gs pos="100000">
+              <a:schemeClr val="dk2">
+                <a:hueOff val="0"/>
+                <a:satOff val="0"/>
+                <a:lumOff val="0"/>
+                <a:alphaOff val="0"/>
+                <a:lumMod val="99000"/>
+                <a:satMod val="120000"/>
+                <a:shade val="78000"/>
+              </a:schemeClr>
+            </a:gs>
+          </a:gsLst>
+          <a:lin ang="5400000" scaled="0"/>
+        </a:gradFill>
+        <a:ln>
+          <a:noFill/>
+        </a:ln>
+        <a:effectLst/>
+      </dsp:spPr>
+      <dsp:style>
+        <a:lnRef idx="0">
+          <a:scrgbClr r="0" g="0" b="0"/>
+        </a:lnRef>
+        <a:fillRef idx="3">
+          <a:scrgbClr r="0" g="0" b="0"/>
+        </a:fillRef>
+        <a:effectRef idx="2">
+          <a:scrgbClr r="0" g="0" b="0"/>
+        </a:effectRef>
+        <a:fontRef idx="minor">
+          <a:schemeClr val="lt1"/>
+        </a:fontRef>
+      </dsp:style>
+      <dsp:txBody>
+        <a:bodyPr spcFirstLastPara="0" vert="horz" wrap="square" lIns="102870" tIns="51435" rIns="102870" bIns="51435" numCol="1" spcCol="1270" anchor="ctr" anchorCtr="0">
+          <a:noAutofit/>
+        </a:bodyPr>
+        <a:lstStyle/>
+        <a:p>
+          <a:pPr marL="0" lvl="0" indent="0" algn="ctr" defTabSz="1200150">
+            <a:lnSpc>
+              <a:spcPct val="90000"/>
+            </a:lnSpc>
+            <a:spcBef>
+              <a:spcPct val="0"/>
+            </a:spcBef>
+            <a:spcAft>
+              <a:spcPct val="35000"/>
+            </a:spcAft>
+            <a:buNone/>
+          </a:pPr>
+          <a:r>
+            <a:rPr lang="en-US" sz="2700" kern="1200"/>
+            <a:t>Message ingest</a:t>
+          </a:r>
+        </a:p>
+      </dsp:txBody>
+      <dsp:txXfrm>
+        <a:off x="33968" y="35163"/>
+        <a:ext cx="3717680" cy="627895"/>
+      </dsp:txXfrm>
+    </dsp:sp>
+    <dsp:sp modelId="{4EFA03D5-4F37-401D-8751-208523095CED}">
+      <dsp:nvSpPr>
+        <dsp:cNvPr id="0" name=""/>
+        <dsp:cNvSpPr/>
+      </dsp:nvSpPr>
+      <dsp:spPr>
+        <a:xfrm rot="5400000">
+          <a:off x="6872275" y="-2285257"/>
+          <a:ext cx="556665" cy="6729984"/>
+        </a:xfrm>
+        <a:prstGeom prst="round2SameRect">
+          <a:avLst/>
+        </a:prstGeom>
+        <a:solidFill>
+          <a:schemeClr val="dk2">
+            <a:alpha val="90000"/>
+            <a:tint val="40000"/>
+            <a:hueOff val="0"/>
+            <a:satOff val="0"/>
+            <a:lumOff val="0"/>
+            <a:alphaOff val="0"/>
+          </a:schemeClr>
+        </a:solidFill>
+        <a:ln w="6350" cap="flat" cmpd="sng" algn="ctr">
+          <a:solidFill>
+            <a:schemeClr val="dk2">
+              <a:alpha val="90000"/>
+              <a:tint val="40000"/>
+              <a:hueOff val="0"/>
+              <a:satOff val="0"/>
+              <a:lumOff val="0"/>
+              <a:alphaOff val="0"/>
+            </a:schemeClr>
+          </a:solidFill>
+          <a:prstDash val="solid"/>
+          <a:miter lim="800000"/>
+        </a:ln>
+        <a:effectLst/>
+      </dsp:spPr>
+      <dsp:style>
+        <a:lnRef idx="1">
+          <a:scrgbClr r="0" g="0" b="0"/>
+        </a:lnRef>
+        <a:fillRef idx="1">
+          <a:scrgbClr r="0" g="0" b="0"/>
+        </a:fillRef>
+        <a:effectRef idx="0">
+          <a:scrgbClr r="0" g="0" b="0"/>
+        </a:effectRef>
+        <a:fontRef idx="minor"/>
+      </dsp:style>
+      <dsp:txBody>
+        <a:bodyPr spcFirstLastPara="0" vert="horz" wrap="square" lIns="106680" tIns="53340" rIns="106680" bIns="53340" numCol="1" spcCol="1270" anchor="ctr" anchorCtr="0">
+          <a:noAutofit/>
+        </a:bodyPr>
+        <a:lstStyle/>
+        <a:p>
+          <a:pPr marL="285750" lvl="1" indent="-285750" algn="l" defTabSz="1244600">
+            <a:lnSpc>
+              <a:spcPct val="90000"/>
+            </a:lnSpc>
+            <a:spcBef>
+              <a:spcPct val="0"/>
+            </a:spcBef>
+            <a:spcAft>
+              <a:spcPct val="15000"/>
+            </a:spcAft>
+            <a:buNone/>
+          </a:pPr>
+          <a:r>
+            <a:rPr lang="en-US" sz="2800" kern="1200" dirty="0"/>
+            <a:t>Stream Analytics + Cosmos DB</a:t>
+          </a:r>
+        </a:p>
+      </dsp:txBody>
+      <dsp:txXfrm rot="-5400000">
+        <a:off x="3785616" y="828576"/>
+        <a:ext cx="6702810" cy="502317"/>
+      </dsp:txXfrm>
+    </dsp:sp>
+    <dsp:sp modelId="{321ACC25-88C6-41E1-83DC-002CA0FA0AD6}">
+      <dsp:nvSpPr>
+        <dsp:cNvPr id="0" name=""/>
+        <dsp:cNvSpPr/>
+      </dsp:nvSpPr>
+      <dsp:spPr>
+        <a:xfrm>
+          <a:off x="0" y="731818"/>
+          <a:ext cx="3785616" cy="695831"/>
+        </a:xfrm>
+        <a:prstGeom prst="roundRect">
+          <a:avLst/>
+        </a:prstGeom>
+        <a:gradFill rotWithShape="0">
+          <a:gsLst>
+            <a:gs pos="0">
+              <a:schemeClr val="dk2">
+                <a:hueOff val="0"/>
+                <a:satOff val="0"/>
+                <a:lumOff val="0"/>
+                <a:alphaOff val="0"/>
+                <a:satMod val="103000"/>
+                <a:lumMod val="102000"/>
+                <a:tint val="94000"/>
+              </a:schemeClr>
+            </a:gs>
+            <a:gs pos="50000">
+              <a:schemeClr val="dk2">
+                <a:hueOff val="0"/>
+                <a:satOff val="0"/>
+                <a:lumOff val="0"/>
+                <a:alphaOff val="0"/>
+                <a:satMod val="110000"/>
+                <a:lumMod val="100000"/>
+                <a:shade val="100000"/>
+              </a:schemeClr>
+            </a:gs>
+            <a:gs pos="100000">
+              <a:schemeClr val="dk2">
+                <a:hueOff val="0"/>
+                <a:satOff val="0"/>
+                <a:lumOff val="0"/>
+                <a:alphaOff val="0"/>
+                <a:lumMod val="99000"/>
+                <a:satMod val="120000"/>
+                <a:shade val="78000"/>
+              </a:schemeClr>
+            </a:gs>
+          </a:gsLst>
+          <a:lin ang="5400000" scaled="0"/>
+        </a:gradFill>
+        <a:ln>
+          <a:noFill/>
+        </a:ln>
+        <a:effectLst/>
+      </dsp:spPr>
+      <dsp:style>
+        <a:lnRef idx="0">
+          <a:scrgbClr r="0" g="0" b="0"/>
+        </a:lnRef>
+        <a:fillRef idx="3">
+          <a:scrgbClr r="0" g="0" b="0"/>
+        </a:fillRef>
+        <a:effectRef idx="2">
+          <a:scrgbClr r="0" g="0" b="0"/>
+        </a:effectRef>
+        <a:fontRef idx="minor">
+          <a:schemeClr val="lt1"/>
+        </a:fontRef>
+      </dsp:style>
+      <dsp:txBody>
+        <a:bodyPr spcFirstLastPara="0" vert="horz" wrap="square" lIns="102870" tIns="51435" rIns="102870" bIns="51435" numCol="1" spcCol="1270" anchor="ctr" anchorCtr="0">
+          <a:noAutofit/>
+        </a:bodyPr>
+        <a:lstStyle/>
+        <a:p>
+          <a:pPr marL="0" lvl="0" indent="0" algn="ctr" defTabSz="1200150">
+            <a:lnSpc>
+              <a:spcPct val="90000"/>
+            </a:lnSpc>
+            <a:spcBef>
+              <a:spcPct val="0"/>
+            </a:spcBef>
+            <a:spcAft>
+              <a:spcPct val="35000"/>
+            </a:spcAft>
+            <a:buNone/>
+          </a:pPr>
+          <a:r>
+            <a:rPr lang="en-US" sz="2700" kern="1200" dirty="0"/>
+            <a:t>Speed processing</a:t>
+          </a:r>
+        </a:p>
+      </dsp:txBody>
+      <dsp:txXfrm>
+        <a:off x="33968" y="765786"/>
+        <a:ext cx="3717680" cy="627895"/>
+      </dsp:txXfrm>
+    </dsp:sp>
+    <dsp:sp modelId="{752B575A-4C5C-4D04-8375-4C1C77076DD7}">
+      <dsp:nvSpPr>
+        <dsp:cNvPr id="0" name=""/>
+        <dsp:cNvSpPr/>
+      </dsp:nvSpPr>
+      <dsp:spPr>
+        <a:xfrm rot="5400000">
+          <a:off x="6872275" y="-1554634"/>
+          <a:ext cx="556665" cy="6729984"/>
+        </a:xfrm>
+        <a:prstGeom prst="round2SameRect">
+          <a:avLst/>
+        </a:prstGeom>
+        <a:solidFill>
+          <a:schemeClr val="dk2">
+            <a:alpha val="90000"/>
+            <a:tint val="40000"/>
+            <a:hueOff val="0"/>
+            <a:satOff val="0"/>
+            <a:lumOff val="0"/>
+            <a:alphaOff val="0"/>
+          </a:schemeClr>
+        </a:solidFill>
+        <a:ln w="6350" cap="flat" cmpd="sng" algn="ctr">
+          <a:solidFill>
+            <a:schemeClr val="dk2">
+              <a:alpha val="90000"/>
+              <a:tint val="40000"/>
+              <a:hueOff val="0"/>
+              <a:satOff val="0"/>
+              <a:lumOff val="0"/>
+              <a:alphaOff val="0"/>
+            </a:schemeClr>
+          </a:solidFill>
+          <a:prstDash val="solid"/>
+          <a:miter lim="800000"/>
+        </a:ln>
+        <a:effectLst/>
+      </dsp:spPr>
+      <dsp:style>
+        <a:lnRef idx="1">
+          <a:scrgbClr r="0" g="0" b="0"/>
+        </a:lnRef>
+        <a:fillRef idx="1">
+          <a:scrgbClr r="0" g="0" b="0"/>
+        </a:fillRef>
+        <a:effectRef idx="0">
+          <a:scrgbClr r="0" g="0" b="0"/>
+        </a:effectRef>
+        <a:fontRef idx="minor"/>
+      </dsp:style>
+      <dsp:txBody>
+        <a:bodyPr spcFirstLastPara="0" vert="horz" wrap="square" lIns="106680" tIns="53340" rIns="106680" bIns="53340" numCol="1" spcCol="1270" anchor="ctr" anchorCtr="0">
+          <a:noAutofit/>
+        </a:bodyPr>
+        <a:lstStyle/>
+        <a:p>
+          <a:pPr marL="285750" lvl="1" indent="-285750" algn="l" defTabSz="1244600">
+            <a:lnSpc>
+              <a:spcPct val="90000"/>
+            </a:lnSpc>
+            <a:spcBef>
+              <a:spcPct val="0"/>
+            </a:spcBef>
+            <a:spcAft>
+              <a:spcPct val="15000"/>
+            </a:spcAft>
+            <a:buNone/>
+          </a:pPr>
+          <a:r>
+            <a:rPr lang="en-US" sz="2800" kern="1200" dirty="0"/>
+            <a:t>Data Lake</a:t>
+          </a:r>
+        </a:p>
+      </dsp:txBody>
+      <dsp:txXfrm rot="-5400000">
+        <a:off x="3785616" y="1559199"/>
+        <a:ext cx="6702810" cy="502317"/>
+      </dsp:txXfrm>
+    </dsp:sp>
+    <dsp:sp modelId="{B1E264D3-CA6D-4E93-9CCC-AEE68B53DC99}">
+      <dsp:nvSpPr>
+        <dsp:cNvPr id="0" name=""/>
+        <dsp:cNvSpPr/>
+      </dsp:nvSpPr>
+      <dsp:spPr>
+        <a:xfrm>
+          <a:off x="0" y="1462441"/>
+          <a:ext cx="3785616" cy="695831"/>
+        </a:xfrm>
+        <a:prstGeom prst="roundRect">
+          <a:avLst/>
+        </a:prstGeom>
+        <a:gradFill rotWithShape="0">
+          <a:gsLst>
+            <a:gs pos="0">
+              <a:schemeClr val="dk2">
+                <a:hueOff val="0"/>
+                <a:satOff val="0"/>
+                <a:lumOff val="0"/>
+                <a:alphaOff val="0"/>
+                <a:satMod val="103000"/>
+                <a:lumMod val="102000"/>
+                <a:tint val="94000"/>
+              </a:schemeClr>
+            </a:gs>
+            <a:gs pos="50000">
+              <a:schemeClr val="dk2">
+                <a:hueOff val="0"/>
+                <a:satOff val="0"/>
+                <a:lumOff val="0"/>
+                <a:alphaOff val="0"/>
+                <a:satMod val="110000"/>
+                <a:lumMod val="100000"/>
+                <a:shade val="100000"/>
+              </a:schemeClr>
+            </a:gs>
+            <a:gs pos="100000">
+              <a:schemeClr val="dk2">
+                <a:hueOff val="0"/>
+                <a:satOff val="0"/>
+                <a:lumOff val="0"/>
+                <a:alphaOff val="0"/>
+                <a:lumMod val="99000"/>
+                <a:satMod val="120000"/>
+                <a:shade val="78000"/>
+              </a:schemeClr>
+            </a:gs>
+          </a:gsLst>
+          <a:lin ang="5400000" scaled="0"/>
+        </a:gradFill>
+        <a:ln>
+          <a:noFill/>
+        </a:ln>
+        <a:effectLst/>
+      </dsp:spPr>
+      <dsp:style>
+        <a:lnRef idx="0">
+          <a:scrgbClr r="0" g="0" b="0"/>
+        </a:lnRef>
+        <a:fillRef idx="3">
+          <a:scrgbClr r="0" g="0" b="0"/>
+        </a:fillRef>
+        <a:effectRef idx="2">
+          <a:scrgbClr r="0" g="0" b="0"/>
+        </a:effectRef>
+        <a:fontRef idx="minor">
+          <a:schemeClr val="lt1"/>
+        </a:fontRef>
+      </dsp:style>
+      <dsp:txBody>
+        <a:bodyPr spcFirstLastPara="0" vert="horz" wrap="square" lIns="102870" tIns="51435" rIns="102870" bIns="51435" numCol="1" spcCol="1270" anchor="ctr" anchorCtr="0">
+          <a:noAutofit/>
+        </a:bodyPr>
+        <a:lstStyle/>
+        <a:p>
+          <a:pPr marL="0" lvl="0" indent="0" algn="ctr" defTabSz="1200150">
+            <a:lnSpc>
+              <a:spcPct val="90000"/>
+            </a:lnSpc>
+            <a:spcBef>
+              <a:spcPct val="0"/>
+            </a:spcBef>
+            <a:spcAft>
+              <a:spcPct val="35000"/>
+            </a:spcAft>
+            <a:buNone/>
+          </a:pPr>
+          <a:r>
+            <a:rPr lang="en-US" sz="2700" kern="1200"/>
+            <a:t>Batch processing</a:t>
+          </a:r>
+        </a:p>
+      </dsp:txBody>
+      <dsp:txXfrm>
+        <a:off x="33968" y="1496409"/>
+        <a:ext cx="3717680" cy="627895"/>
+      </dsp:txXfrm>
+    </dsp:sp>
+    <dsp:sp modelId="{A13701A5-A857-4A78-B10B-218D4259E37D}">
+      <dsp:nvSpPr>
+        <dsp:cNvPr id="0" name=""/>
+        <dsp:cNvSpPr/>
+      </dsp:nvSpPr>
+      <dsp:spPr>
+        <a:xfrm rot="5400000">
+          <a:off x="6872275" y="-824011"/>
+          <a:ext cx="556665" cy="6729984"/>
+        </a:xfrm>
+        <a:prstGeom prst="round2SameRect">
+          <a:avLst/>
+        </a:prstGeom>
+        <a:solidFill>
+          <a:schemeClr val="dk2">
+            <a:alpha val="90000"/>
+            <a:tint val="40000"/>
+            <a:hueOff val="0"/>
+            <a:satOff val="0"/>
+            <a:lumOff val="0"/>
+            <a:alphaOff val="0"/>
+          </a:schemeClr>
+        </a:solidFill>
+        <a:ln w="6350" cap="flat" cmpd="sng" algn="ctr">
+          <a:solidFill>
+            <a:schemeClr val="dk2">
+              <a:alpha val="90000"/>
+              <a:tint val="40000"/>
+              <a:hueOff val="0"/>
+              <a:satOff val="0"/>
+              <a:lumOff val="0"/>
+              <a:alphaOff val="0"/>
+            </a:schemeClr>
+          </a:solidFill>
+          <a:prstDash val="solid"/>
+          <a:miter lim="800000"/>
+        </a:ln>
+        <a:effectLst/>
+      </dsp:spPr>
+      <dsp:style>
+        <a:lnRef idx="1">
+          <a:scrgbClr r="0" g="0" b="0"/>
+        </a:lnRef>
+        <a:fillRef idx="1">
+          <a:scrgbClr r="0" g="0" b="0"/>
+        </a:fillRef>
+        <a:effectRef idx="0">
+          <a:scrgbClr r="0" g="0" b="0"/>
+        </a:effectRef>
+        <a:fontRef idx="minor"/>
+      </dsp:style>
+      <dsp:txBody>
+        <a:bodyPr spcFirstLastPara="0" vert="horz" wrap="square" lIns="106680" tIns="53340" rIns="106680" bIns="53340" numCol="1" spcCol="1270" anchor="ctr" anchorCtr="0">
+          <a:noAutofit/>
+        </a:bodyPr>
+        <a:lstStyle/>
+        <a:p>
+          <a:pPr marL="285750" lvl="1" indent="-285750" algn="l" defTabSz="1244600">
+            <a:lnSpc>
+              <a:spcPct val="90000"/>
+            </a:lnSpc>
+            <a:spcBef>
+              <a:spcPct val="0"/>
+            </a:spcBef>
+            <a:spcAft>
+              <a:spcPct val="15000"/>
+            </a:spcAft>
+            <a:buNone/>
+          </a:pPr>
+          <a:r>
+            <a:rPr lang="en-US" sz="2800" kern="1200" dirty="0"/>
+            <a:t>Power BI</a:t>
+          </a:r>
+        </a:p>
+      </dsp:txBody>
+      <dsp:txXfrm rot="-5400000">
+        <a:off x="3785616" y="2289822"/>
+        <a:ext cx="6702810" cy="502317"/>
+      </dsp:txXfrm>
+    </dsp:sp>
+    <dsp:sp modelId="{280C46C2-8880-4507-9FBC-C8218AAA9909}">
+      <dsp:nvSpPr>
+        <dsp:cNvPr id="0" name=""/>
+        <dsp:cNvSpPr/>
+      </dsp:nvSpPr>
+      <dsp:spPr>
+        <a:xfrm>
+          <a:off x="0" y="2193064"/>
+          <a:ext cx="3785616" cy="695831"/>
+        </a:xfrm>
+        <a:prstGeom prst="roundRect">
+          <a:avLst/>
+        </a:prstGeom>
+        <a:gradFill rotWithShape="0">
+          <a:gsLst>
+            <a:gs pos="0">
+              <a:schemeClr val="dk2">
+                <a:hueOff val="0"/>
+                <a:satOff val="0"/>
+                <a:lumOff val="0"/>
+                <a:alphaOff val="0"/>
+                <a:satMod val="103000"/>
+                <a:lumMod val="102000"/>
+                <a:tint val="94000"/>
+              </a:schemeClr>
+            </a:gs>
+            <a:gs pos="50000">
+              <a:schemeClr val="dk2">
+                <a:hueOff val="0"/>
+                <a:satOff val="0"/>
+                <a:lumOff val="0"/>
+                <a:alphaOff val="0"/>
+                <a:satMod val="110000"/>
+                <a:lumMod val="100000"/>
+                <a:shade val="100000"/>
+              </a:schemeClr>
+            </a:gs>
+            <a:gs pos="100000">
+              <a:schemeClr val="dk2">
+                <a:hueOff val="0"/>
+                <a:satOff val="0"/>
+                <a:lumOff val="0"/>
+                <a:alphaOff val="0"/>
+                <a:lumMod val="99000"/>
+                <a:satMod val="120000"/>
+                <a:shade val="78000"/>
+              </a:schemeClr>
+            </a:gs>
+          </a:gsLst>
+          <a:lin ang="5400000" scaled="0"/>
+        </a:gradFill>
+        <a:ln>
+          <a:noFill/>
+        </a:ln>
+        <a:effectLst/>
+      </dsp:spPr>
+      <dsp:style>
+        <a:lnRef idx="0">
+          <a:scrgbClr r="0" g="0" b="0"/>
+        </a:lnRef>
+        <a:fillRef idx="3">
+          <a:scrgbClr r="0" g="0" b="0"/>
+        </a:fillRef>
+        <a:effectRef idx="2">
+          <a:scrgbClr r="0" g="0" b="0"/>
+        </a:effectRef>
+        <a:fontRef idx="minor">
+          <a:schemeClr val="lt1"/>
+        </a:fontRef>
+      </dsp:style>
+      <dsp:txBody>
+        <a:bodyPr spcFirstLastPara="0" vert="horz" wrap="square" lIns="102870" tIns="51435" rIns="102870" bIns="51435" numCol="1" spcCol="1270" anchor="ctr" anchorCtr="0">
+          <a:noAutofit/>
+        </a:bodyPr>
+        <a:lstStyle/>
+        <a:p>
+          <a:pPr marL="0" lvl="0" indent="0" algn="ctr" defTabSz="1200150">
+            <a:lnSpc>
+              <a:spcPct val="90000"/>
+            </a:lnSpc>
+            <a:spcBef>
+              <a:spcPct val="0"/>
+            </a:spcBef>
+            <a:spcAft>
+              <a:spcPct val="35000"/>
+            </a:spcAft>
+            <a:buNone/>
+          </a:pPr>
+          <a:r>
+            <a:rPr lang="en-US" sz="2700" kern="1200"/>
+            <a:t>Serving layer</a:t>
+          </a:r>
+        </a:p>
+      </dsp:txBody>
+      <dsp:txXfrm>
+        <a:off x="33968" y="2227032"/>
+        <a:ext cx="3717680" cy="627895"/>
+      </dsp:txXfrm>
+    </dsp:sp>
+    <dsp:sp modelId="{92CBF2CA-0B78-4D27-A7EE-3602AB866CF0}">
+      <dsp:nvSpPr>
+        <dsp:cNvPr id="0" name=""/>
+        <dsp:cNvSpPr/>
+      </dsp:nvSpPr>
+      <dsp:spPr>
+        <a:xfrm rot="5400000">
+          <a:off x="6872275" y="-93388"/>
+          <a:ext cx="556665" cy="6729984"/>
+        </a:xfrm>
+        <a:prstGeom prst="round2SameRect">
+          <a:avLst/>
+        </a:prstGeom>
+        <a:solidFill>
+          <a:schemeClr val="dk2">
+            <a:alpha val="90000"/>
+            <a:tint val="40000"/>
+            <a:hueOff val="0"/>
+            <a:satOff val="0"/>
+            <a:lumOff val="0"/>
+            <a:alphaOff val="0"/>
+          </a:schemeClr>
+        </a:solidFill>
+        <a:ln w="6350" cap="flat" cmpd="sng" algn="ctr">
+          <a:solidFill>
+            <a:schemeClr val="dk2">
+              <a:alpha val="90000"/>
+              <a:tint val="40000"/>
+              <a:hueOff val="0"/>
+              <a:satOff val="0"/>
+              <a:lumOff val="0"/>
+              <a:alphaOff val="0"/>
+            </a:schemeClr>
+          </a:solidFill>
+          <a:prstDash val="solid"/>
+          <a:miter lim="800000"/>
+        </a:ln>
+        <a:effectLst/>
+      </dsp:spPr>
+      <dsp:style>
+        <a:lnRef idx="1">
+          <a:scrgbClr r="0" g="0" b="0"/>
+        </a:lnRef>
+        <a:fillRef idx="1">
+          <a:scrgbClr r="0" g="0" b="0"/>
+        </a:fillRef>
+        <a:effectRef idx="0">
+          <a:scrgbClr r="0" g="0" b="0"/>
+        </a:effectRef>
+        <a:fontRef idx="minor"/>
+      </dsp:style>
+      <dsp:txBody>
+        <a:bodyPr spcFirstLastPara="0" vert="horz" wrap="square" lIns="106680" tIns="53340" rIns="106680" bIns="53340" numCol="1" spcCol="1270" anchor="ctr" anchorCtr="0">
+          <a:noAutofit/>
+        </a:bodyPr>
+        <a:lstStyle/>
+        <a:p>
+          <a:pPr marL="285750" lvl="1" indent="-285750" algn="l" defTabSz="1244600">
+            <a:lnSpc>
+              <a:spcPct val="90000"/>
+            </a:lnSpc>
+            <a:spcBef>
+              <a:spcPct val="0"/>
+            </a:spcBef>
+            <a:spcAft>
+              <a:spcPct val="15000"/>
+            </a:spcAft>
+            <a:buNone/>
+          </a:pPr>
+          <a:r>
+            <a:rPr lang="en-US" sz="2800" kern="1200" dirty="0"/>
+            <a:t>Blob Storage</a:t>
+          </a:r>
+        </a:p>
+      </dsp:txBody>
+      <dsp:txXfrm rot="-5400000">
+        <a:off x="3785616" y="3020445"/>
+        <a:ext cx="6702810" cy="502317"/>
+      </dsp:txXfrm>
+    </dsp:sp>
+    <dsp:sp modelId="{7620CA83-A351-4AB0-86E1-28B1B93688B7}">
+      <dsp:nvSpPr>
+        <dsp:cNvPr id="0" name=""/>
+        <dsp:cNvSpPr/>
+      </dsp:nvSpPr>
+      <dsp:spPr>
+        <a:xfrm>
+          <a:off x="0" y="2923688"/>
+          <a:ext cx="3785616" cy="695831"/>
+        </a:xfrm>
+        <a:prstGeom prst="roundRect">
+          <a:avLst/>
+        </a:prstGeom>
+        <a:gradFill rotWithShape="0">
+          <a:gsLst>
+            <a:gs pos="0">
+              <a:schemeClr val="dk2">
+                <a:hueOff val="0"/>
+                <a:satOff val="0"/>
+                <a:lumOff val="0"/>
+                <a:alphaOff val="0"/>
+                <a:satMod val="103000"/>
+                <a:lumMod val="102000"/>
+                <a:tint val="94000"/>
+              </a:schemeClr>
+            </a:gs>
+            <a:gs pos="50000">
+              <a:schemeClr val="dk2">
+                <a:hueOff val="0"/>
+                <a:satOff val="0"/>
+                <a:lumOff val="0"/>
+                <a:alphaOff val="0"/>
+                <a:satMod val="110000"/>
+                <a:lumMod val="100000"/>
+                <a:shade val="100000"/>
+              </a:schemeClr>
+            </a:gs>
+            <a:gs pos="100000">
+              <a:schemeClr val="dk2">
+                <a:hueOff val="0"/>
+                <a:satOff val="0"/>
+                <a:lumOff val="0"/>
+                <a:alphaOff val="0"/>
+                <a:lumMod val="99000"/>
+                <a:satMod val="120000"/>
+                <a:shade val="78000"/>
+              </a:schemeClr>
+            </a:gs>
+          </a:gsLst>
+          <a:lin ang="5400000" scaled="0"/>
+        </a:gradFill>
+        <a:ln>
+          <a:noFill/>
+        </a:ln>
+        <a:effectLst/>
+      </dsp:spPr>
+      <dsp:style>
+        <a:lnRef idx="0">
+          <a:scrgbClr r="0" g="0" b="0"/>
+        </a:lnRef>
+        <a:fillRef idx="3">
+          <a:scrgbClr r="0" g="0" b="0"/>
+        </a:fillRef>
+        <a:effectRef idx="2">
+          <a:scrgbClr r="0" g="0" b="0"/>
+        </a:effectRef>
+        <a:fontRef idx="minor">
+          <a:schemeClr val="lt1"/>
+        </a:fontRef>
+      </dsp:style>
+      <dsp:txBody>
+        <a:bodyPr spcFirstLastPara="0" vert="horz" wrap="square" lIns="102870" tIns="51435" rIns="102870" bIns="51435" numCol="1" spcCol="1270" anchor="ctr" anchorCtr="0">
+          <a:noAutofit/>
+        </a:bodyPr>
+        <a:lstStyle/>
+        <a:p>
+          <a:pPr marL="0" lvl="0" indent="0" algn="ctr" defTabSz="1200150">
+            <a:lnSpc>
+              <a:spcPct val="90000"/>
+            </a:lnSpc>
+            <a:spcBef>
+              <a:spcPct val="0"/>
+            </a:spcBef>
+            <a:spcAft>
+              <a:spcPct val="35000"/>
+            </a:spcAft>
+            <a:buNone/>
+          </a:pPr>
+          <a:r>
+            <a:rPr lang="en-US" sz="2700" kern="1200"/>
+            <a:t>Cheap long-term storage</a:t>
+          </a:r>
+        </a:p>
+      </dsp:txBody>
+      <dsp:txXfrm>
+        <a:off x="33968" y="2957656"/>
+        <a:ext cx="3717680" cy="627895"/>
+      </dsp:txXfrm>
+    </dsp:sp>
+    <dsp:sp modelId="{BBB5C54D-0C8F-4815-8DB4-5595D61F4996}">
+      <dsp:nvSpPr>
+        <dsp:cNvPr id="0" name=""/>
+        <dsp:cNvSpPr/>
+      </dsp:nvSpPr>
+      <dsp:spPr>
+        <a:xfrm rot="5400000">
+          <a:off x="6872275" y="637235"/>
+          <a:ext cx="556665" cy="6729984"/>
+        </a:xfrm>
+        <a:prstGeom prst="round2SameRect">
+          <a:avLst/>
+        </a:prstGeom>
+        <a:solidFill>
+          <a:schemeClr val="dk2">
+            <a:alpha val="90000"/>
+            <a:tint val="40000"/>
+            <a:hueOff val="0"/>
+            <a:satOff val="0"/>
+            <a:lumOff val="0"/>
+            <a:alphaOff val="0"/>
+          </a:schemeClr>
+        </a:solidFill>
+        <a:ln w="6350" cap="flat" cmpd="sng" algn="ctr">
+          <a:solidFill>
+            <a:schemeClr val="dk2">
+              <a:alpha val="90000"/>
+              <a:tint val="40000"/>
+              <a:hueOff val="0"/>
+              <a:satOff val="0"/>
+              <a:lumOff val="0"/>
+              <a:alphaOff val="0"/>
+            </a:schemeClr>
+          </a:solidFill>
+          <a:prstDash val="solid"/>
+          <a:miter lim="800000"/>
+        </a:ln>
+        <a:effectLst/>
+      </dsp:spPr>
+      <dsp:style>
+        <a:lnRef idx="1">
+          <a:scrgbClr r="0" g="0" b="0"/>
+        </a:lnRef>
+        <a:fillRef idx="1">
+          <a:scrgbClr r="0" g="0" b="0"/>
+        </a:fillRef>
+        <a:effectRef idx="0">
+          <a:scrgbClr r="0" g="0" b="0"/>
+        </a:effectRef>
+        <a:fontRef idx="minor"/>
+      </dsp:style>
+      <dsp:txBody>
+        <a:bodyPr spcFirstLastPara="0" vert="horz" wrap="square" lIns="106680" tIns="53340" rIns="106680" bIns="53340" numCol="1" spcCol="1270" anchor="ctr" anchorCtr="0">
+          <a:noAutofit/>
+        </a:bodyPr>
+        <a:lstStyle/>
+        <a:p>
+          <a:pPr marL="285750" lvl="1" indent="-285750" algn="l" defTabSz="1244600">
+            <a:lnSpc>
+              <a:spcPct val="90000"/>
+            </a:lnSpc>
+            <a:spcBef>
+              <a:spcPct val="0"/>
+            </a:spcBef>
+            <a:spcAft>
+              <a:spcPct val="15000"/>
+            </a:spcAft>
+            <a:buNone/>
+          </a:pPr>
+          <a:r>
+            <a:rPr lang="en-US" sz="2800" kern="1200" dirty="0"/>
+            <a:t>Event Grid</a:t>
+          </a:r>
+        </a:p>
+      </dsp:txBody>
+      <dsp:txXfrm rot="-5400000">
+        <a:off x="3785616" y="3751068"/>
+        <a:ext cx="6702810" cy="502317"/>
+      </dsp:txXfrm>
+    </dsp:sp>
+    <dsp:sp modelId="{9466BBFB-DA2D-4065-A397-5F7437D65996}">
+      <dsp:nvSpPr>
+        <dsp:cNvPr id="0" name=""/>
+        <dsp:cNvSpPr/>
+      </dsp:nvSpPr>
+      <dsp:spPr>
+        <a:xfrm>
+          <a:off x="0" y="3654311"/>
+          <a:ext cx="3785616" cy="695831"/>
+        </a:xfrm>
+        <a:prstGeom prst="roundRect">
+          <a:avLst/>
+        </a:prstGeom>
+        <a:gradFill rotWithShape="0">
+          <a:gsLst>
+            <a:gs pos="0">
+              <a:schemeClr val="dk2">
+                <a:hueOff val="0"/>
+                <a:satOff val="0"/>
+                <a:lumOff val="0"/>
+                <a:alphaOff val="0"/>
+                <a:satMod val="103000"/>
+                <a:lumMod val="102000"/>
+                <a:tint val="94000"/>
+              </a:schemeClr>
+            </a:gs>
+            <a:gs pos="50000">
+              <a:schemeClr val="dk2">
+                <a:hueOff val="0"/>
+                <a:satOff val="0"/>
+                <a:lumOff val="0"/>
+                <a:alphaOff val="0"/>
+                <a:satMod val="110000"/>
+                <a:lumMod val="100000"/>
+                <a:shade val="100000"/>
+              </a:schemeClr>
+            </a:gs>
+            <a:gs pos="100000">
+              <a:schemeClr val="dk2">
+                <a:hueOff val="0"/>
+                <a:satOff val="0"/>
+                <a:lumOff val="0"/>
+                <a:alphaOff val="0"/>
+                <a:lumMod val="99000"/>
+                <a:satMod val="120000"/>
+                <a:shade val="78000"/>
+              </a:schemeClr>
+            </a:gs>
+          </a:gsLst>
+          <a:lin ang="5400000" scaled="0"/>
+        </a:gradFill>
+        <a:ln>
+          <a:noFill/>
+        </a:ln>
+        <a:effectLst/>
+      </dsp:spPr>
+      <dsp:style>
+        <a:lnRef idx="0">
+          <a:scrgbClr r="0" g="0" b="0"/>
+        </a:lnRef>
+        <a:fillRef idx="3">
+          <a:scrgbClr r="0" g="0" b="0"/>
+        </a:fillRef>
+        <a:effectRef idx="2">
+          <a:scrgbClr r="0" g="0" b="0"/>
+        </a:effectRef>
+        <a:fontRef idx="minor">
+          <a:schemeClr val="lt1"/>
+        </a:fontRef>
+      </dsp:style>
+      <dsp:txBody>
+        <a:bodyPr spcFirstLastPara="0" vert="horz" wrap="square" lIns="102870" tIns="51435" rIns="102870" bIns="51435" numCol="1" spcCol="1270" anchor="ctr" anchorCtr="0">
+          <a:noAutofit/>
+        </a:bodyPr>
+        <a:lstStyle/>
+        <a:p>
+          <a:pPr marL="0" lvl="0" indent="0" algn="ctr" defTabSz="1200150">
+            <a:lnSpc>
+              <a:spcPct val="90000"/>
+            </a:lnSpc>
+            <a:spcBef>
+              <a:spcPct val="0"/>
+            </a:spcBef>
+            <a:spcAft>
+              <a:spcPct val="35000"/>
+            </a:spcAft>
+            <a:buNone/>
+          </a:pPr>
+          <a:r>
+            <a:rPr lang="en-US" sz="2700" kern="1200"/>
+            <a:t>Event-driven processing</a:t>
+          </a:r>
+        </a:p>
+      </dsp:txBody>
+      <dsp:txXfrm>
+        <a:off x="33968" y="3688279"/>
+        <a:ext cx="3717680" cy="627895"/>
+      </dsp:txXfrm>
+    </dsp:sp>
+  </dsp:spTree>
+</dsp:drawing>
+</file>
+
+<file path=ppt/diagrams/layout1.xml><?xml version="1.0" encoding="utf-8"?>
+<dgm:layoutDef xmlns:dgm="http://schemas.openxmlformats.org/drawingml/2006/diagram" xmlns:a="http://schemas.openxmlformats.org/drawingml/2006/main" uniqueId="urn:microsoft.com/office/officeart/2005/8/layout/vList5">
+  <dgm:title val=""/>
+  <dgm:desc val=""/>
+  <dgm:catLst>
+    <dgm:cat type="list" pri="15000"/>
+    <dgm:cat type="convert" pri="2000"/>
+  </dgm:catLst>
+  <dgm:sampData>
+    <dgm:dataModel>
+      <dgm:ptLst>
+        <dgm:pt modelId="0" type="doc"/>
+        <dgm:pt modelId="1">
+          <dgm:prSet phldr="1"/>
+        </dgm:pt>
+        <dgm:pt modelId="11">
+          <dgm:prSet phldr="1"/>
+        </dgm:pt>
+        <dgm:pt modelId="12">
+          <dgm:prSet phldr="1"/>
+        </dgm:pt>
+        <dgm:pt modelId="2">
+          <dgm:prSet phldr="1"/>
+        </dgm:pt>
+        <dgm:pt modelId="21">
+          <dgm:prSet phldr="1"/>
+        </dgm:pt>
+        <dgm:pt modelId="22">
+          <dgm:prSet phldr="1"/>
+        </dgm:pt>
+        <dgm:pt modelId="3">
+          <dgm:prSet phldr="1"/>
+        </dgm:pt>
+        <dgm:pt modelId="31">
+          <dgm:prSet phldr="1"/>
+        </dgm:pt>
+        <dgm:pt modelId="32">
+          <dgm:prSet phldr="1"/>
+        </dgm:pt>
+      </dgm:ptLst>
+      <dgm:cxnLst>
+        <dgm:cxn modelId="4" srcId="0" destId="1" srcOrd="0" destOrd="0"/>
+        <dgm:cxn modelId="5" srcId="0" destId="2" srcOrd="1" destOrd="0"/>
+        <dgm:cxn modelId="6" srcId="0" destId="3" srcOrd="2" destOrd="0"/>
+        <dgm:cxn modelId="13" srcId="1" destId="11" srcOrd="0" destOrd="0"/>
+        <dgm:cxn modelId="14" srcId="1" destId="12" srcOrd="1" destOrd="0"/>
+        <dgm:cxn modelId="23" srcId="2" destId="21" srcOrd="0" destOrd="0"/>
+        <dgm:cxn modelId="24" srcId="2" destId="22" srcOrd="1" destOrd="0"/>
+        <dgm:cxn modelId="33" srcId="3" destId="31" srcOrd="0" destOrd="0"/>
+        <dgm:cxn modelId="34" srcId="3" destId="32" srcOrd="1" destOrd="0"/>
+      </dgm:cxnLst>
+      <dgm:bg/>
+      <dgm:whole/>
+    </dgm:dataModel>
+  </dgm:sampData>
+  <dgm:styleData>
+    <dgm:dataModel>
+      <dgm:ptLst>
+        <dgm:pt modelId="0" type="doc"/>
+        <dgm:pt modelId="1"/>
+        <dgm:pt modelId="11"/>
+        <dgm:pt modelId="2"/>
+        <dgm:pt modelId="21"/>
+      </dgm:ptLst>
+      <dgm:cxnLst>
+        <dgm:cxn modelId="4" srcId="0" destId="1" srcOrd="0" destOrd="0"/>
+        <dgm:cxn modelId="5" srcId="0" destId="2" srcOrd="1" destOrd="0"/>
+        <dgm:cxn modelId="13" srcId="1" destId="11" srcOrd="0" destOrd="0"/>
+        <dgm:cxn modelId="23" srcId="2" destId="21" srcOrd="0" destOrd="0"/>
+      </dgm:cxnLst>
+      <dgm:bg/>
+      <dgm:whole/>
+    </dgm:dataModel>
+  </dgm:styleData>
+  <dgm:clrData>
+    <dgm:dataModel>
+      <dgm:ptLst>
+        <dgm:pt modelId="0" type="doc"/>
+        <dgm:pt modelId="1"/>
+        <dgm:pt modelId="11"/>
+        <dgm:pt modelId="2"/>
+        <dgm:pt modelId="21"/>
+        <dgm:pt modelId="3"/>
+        <dgm:pt modelId="31"/>
+        <dgm:pt modelId="4"/>
+        <dgm:pt modelId="41"/>
+      </dgm:ptLst>
+      <dgm:cxnLst>
+        <dgm:cxn modelId="5" srcId="0" destId="1" srcOrd="0" destOrd="0"/>
+        <dgm:cxn modelId="6" srcId="0" destId="2" srcOrd="1" destOrd="0"/>
+        <dgm:cxn modelId="7" srcId="0" destId="3" srcOrd="2" destOrd="0"/>
+        <dgm:cxn modelId="8" srcId="0" destId="4" srcOrd="3" destOrd="0"/>
+        <dgm:cxn modelId="13" srcId="1" destId="11" srcOrd="0" destOrd="0"/>
+        <dgm:cxn modelId="23" srcId="2" destId="21" srcOrd="0" destOrd="0"/>
+        <dgm:cxn modelId="33" srcId="3" destId="31" srcOrd="0" destOrd="0"/>
+        <dgm:cxn modelId="43" srcId="4" destId="41" srcOrd="0" destOrd="0"/>
+      </dgm:cxnLst>
+      <dgm:bg/>
+      <dgm:whole/>
+    </dgm:dataModel>
+  </dgm:clrData>
+  <dgm:layoutNode name="Name0">
+    <dgm:varLst>
+      <dgm:dir/>
+      <dgm:animLvl val="lvl"/>
+      <dgm:resizeHandles val="exact"/>
+    </dgm:varLst>
+    <dgm:choose name="Name1">
+      <dgm:if name="Name2" func="var" arg="dir" op="equ" val="norm">
+        <dgm:alg type="lin">
+          <dgm:param type="linDir" val="fromT"/>
+          <dgm:param type="nodeHorzAlign" val="l"/>
+        </dgm:alg>
+      </dgm:if>
+      <dgm:else name="Name3">
+        <dgm:alg type="lin">
+          <dgm:param type="linDir" val="fromT"/>
+          <dgm:param type="nodeHorzAlign" val="r"/>
+        </dgm:alg>
+      </dgm:else>
+    </dgm:choose>
+    <dgm:shape xmlns:r="http://schemas.openxmlformats.org/officeDocument/2006/relationships" r:blip="">
+      <dgm:adjLst/>
+    </dgm:shape>
+    <dgm:presOf/>
+    <dgm:constrLst>
+      <dgm:constr type="h" for="ch" forName="linNode" refType="h"/>
+      <dgm:constr type="w" for="ch" forName="linNode" refType="w"/>
+      <dgm:constr type="h" for="ch" forName="sp" refType="h" fact="0.05"/>
+      <dgm:constr type="primFontSz" for="des" forName="parentText" op="equ" val="65"/>
+      <dgm:constr type="secFontSz" for="des" forName="descendantText" op="equ"/>
+    </dgm:constrLst>
+    <dgm:ruleLst/>
+    <dgm:forEach name="Name4" axis="ch" ptType="node">
+      <dgm:layoutNode name="linNode">
+        <dgm:choose name="Name5">
+          <dgm:if name="Name6" func="var" arg="dir" op="equ" val="norm">
+            <dgm:alg type="lin">
+              <dgm:param type="linDir" val="fromL"/>
+            </dgm:alg>
+          </dgm:if>
+          <dgm:else name="Name7">
+            <dgm:alg type="lin">
+              <dgm:param type="linDir" val="fromR"/>
+            </dgm:alg>
+          </dgm:else>
+        </dgm:choose>
+        <dgm:shape xmlns:r="http://schemas.openxmlformats.org/officeDocument/2006/relationships" r:blip="">
+          <dgm:adjLst/>
+        </dgm:shape>
+        <dgm:presOf/>
+        <dgm:constrLst>
+          <dgm:constr type="w" for="ch" forName="parentText" refType="w" fact="0.36"/>
+          <dgm:constr type="w" for="ch" forName="descendantText" refType="w" fact="0.64"/>
+          <dgm:constr type="h" for="ch" forName="parentText" refType="h"/>
+          <dgm:constr type="h" for="ch" forName="descendantText" refType="h" refFor="ch" refForName="parentText" fact="0.8"/>
+        </dgm:constrLst>
+        <dgm:ruleLst/>
+        <dgm:layoutNode name="parentText">
+          <dgm:varLst>
+            <dgm:chMax val="1"/>
+            <dgm:bulletEnabled val="1"/>
+          </dgm:varLst>
+          <dgm:alg type="tx"/>
+          <dgm:shape xmlns:r="http://schemas.openxmlformats.org/officeDocument/2006/relationships" type="roundRect" r:blip="" zOrderOff="3">
+            <dgm:adjLst/>
+          </dgm:shape>
+          <dgm:presOf axis="self" ptType="node"/>
+          <dgm:constrLst>
+            <dgm:constr type="tMarg" refType="primFontSz" fact="0.15"/>
+            <dgm:constr type="bMarg" refType="primFontSz" fact="0.15"/>
+            <dgm:constr type="lMarg" refType="primFontSz" fact="0.3"/>
+            <dgm:constr type="rMarg" refType="primFontSz" fact="0.3"/>
+          </dgm:constrLst>
+          <dgm:ruleLst>
+            <dgm:rule type="primFontSz" val="5" fact="NaN" max="NaN"/>
+          </dgm:ruleLst>
+        </dgm:layoutNode>
+        <dgm:choose name="Name8">
+          <dgm:if name="Name9" axis="ch" ptType="node" func="cnt" op="gte" val="1">
+            <dgm:layoutNode name="descendantText" styleLbl="alignAccFollowNode1">
+              <dgm:varLst>
+                <dgm:bulletEnabled val="1"/>
+              </dgm:varLst>
+              <dgm:alg type="tx">
+                <dgm:param type="stBulletLvl" val="1"/>
+                <dgm:param type="txAnchorVertCh" val="mid"/>
+              </dgm:alg>
+              <dgm:choose name="Name10">
+                <dgm:if name="Name11" func="var" arg="dir" op="equ" val="norm">
+                  <dgm:shape xmlns:r="http://schemas.openxmlformats.org/officeDocument/2006/relationships" rot="90" type="round2SameRect" r:blip="">
+                    <dgm:adjLst/>
+                  </dgm:shape>
+                </dgm:if>
+                <dgm:else name="Name12">
+                  <dgm:shape xmlns:r="http://schemas.openxmlformats.org/officeDocument/2006/relationships" rot="-90" type="round2SameRect" r:blip="">
+                    <dgm:adjLst/>
+                  </dgm:shape>
+                </dgm:else>
+              </dgm:choose>
+              <dgm:presOf axis="des" ptType="node"/>
+              <dgm:constrLst>
+                <dgm:constr type="secFontSz" val="65"/>
+                <dgm:constr type="primFontSz" refType="secFontSz"/>
+                <dgm:constr type="lMarg" refType="secFontSz" fact="0.3"/>
+                <dgm:constr type="rMarg" refType="secFontSz" fact="0.3"/>
+                <dgm:constr type="tMarg" refType="secFontSz" fact="0.15"/>
+                <dgm:constr type="bMarg" refType="secFontSz" fact="0.15"/>
+              </dgm:constrLst>
+              <dgm:ruleLst>
+                <dgm:rule type="secFontSz" val="5" fact="NaN" max="NaN"/>
+              </dgm:ruleLst>
+            </dgm:layoutNode>
+          </dgm:if>
+          <dgm:else name="Name13"/>
+        </dgm:choose>
+      </dgm:layoutNode>
+      <dgm:forEach name="Name14" axis="followSib" ptType="sibTrans" cnt="1">
+        <dgm:layoutNode name="sp">
+          <dgm:alg type="sp"/>
+          <dgm:shape xmlns:r="http://schemas.openxmlformats.org/officeDocument/2006/relationships" r:blip="">
+            <dgm:adjLst/>
+          </dgm:shape>
+          <dgm:presOf/>
+          <dgm:constrLst/>
+          <dgm:ruleLst/>
+        </dgm:layoutNode>
+      </dgm:forEach>
+    </dgm:forEach>
+  </dgm:layoutNode>
+</dgm:layoutDef>
+</file>
+
+<file path=ppt/diagrams/quickStyle1.xml><?xml version="1.0" encoding="utf-8"?>
+<dgm:styleDef xmlns:dgm="http://schemas.openxmlformats.org/drawingml/2006/diagram" xmlns:a="http://schemas.openxmlformats.org/drawingml/2006/main" uniqueId="urn:microsoft.com/office/officeart/2005/8/quickstyle/simple4">
+  <dgm:title val=""/>
+  <dgm:desc val=""/>
+  <dgm:catLst>
+    <dgm:cat type="simple" pri="10400"/>
+  </dgm:catLst>
+  <dgm:scene3d>
+    <a:camera prst="orthographicFront"/>
+    <a:lightRig rig="threePt" dir="t"/>
+  </dgm:scene3d>
+  <dgm:styleLbl name="node0">
+    <dgm:scene3d>
+      <a:camera prst="orthographicFront"/>
+      <a:lightRig rig="threePt" dir="t"/>
+    </dgm:scene3d>
+    <dgm:sp3d/>
+    <dgm:txPr/>
+    <dgm:style>
+      <a:lnRef idx="0">
+        <a:scrgbClr r="0" g="0" b="0"/>
+      </a:lnRef>
+      <a:fillRef idx="3">
+        <a:scrgbClr r="0" g="0" b="0"/>
+      </a:fillRef>
+      <a:effectRef idx="2">
+        <a:scrgbClr r="0" g="0" b="0"/>
+      </a:effectRef>
+      <a:fontRef idx="minor">
+        <a:schemeClr val="lt1"/>
+      </a:fontRef>
+    </dgm:style>
+  </dgm:styleLbl>
+  <dgm:styleLbl name="lnNode1">
+    <dgm:scene3d>
+      <a:camera prst="orthographicFront"/>
+      <a:lightRig rig="threePt" dir="t"/>
+    </dgm:scene3d>
+    <dgm:sp3d/>
+    <dgm:txPr/>
+    <dgm:style>
+      <a:lnRef idx="1">
+        <a:scrgbClr r="0" g="0" b="0"/>
+      </a:lnRef>
+      <a:fillRef idx="3">
+        <a:scrgbClr r="0" g="0" b="0"/>
+      </a:fillRef>
+      <a:effectRef idx="2">
+        <a:scrgbClr r="0" g="0" b="0"/>
+      </a:effectRef>
+      <a:fontRef idx="minor">
+        <a:schemeClr val="lt1"/>
+      </a:fontRef>
+    </dgm:style>
+  </dgm:styleLbl>
+  <dgm:styleLbl name="vennNode1">
+    <dgm:scene3d>
+      <a:camera prst="orthographicFront"/>
+      <a:lightRig rig="threePt" dir="t"/>
+    </dgm:scene3d>
+    <dgm:sp3d/>
+    <dgm:txPr/>
+    <dgm:style>
+      <a:lnRef idx="0">
+        <a:scrgbClr r="0" g="0" b="0"/>
+      </a:lnRef>
+      <a:fillRef idx="3">
+        <a:scrgbClr r="0" g="0" b="0"/>
+      </a:fillRef>
+      <a:effectRef idx="0">
+        <a:scrgbClr r="0" g="0" b="0"/>
+      </a:effectRef>
+      <a:fontRef idx="minor">
+        <a:schemeClr val="tx1"/>
+      </a:fontRef>
+    </dgm:style>
+  </dgm:styleLbl>
+  <dgm:styleLbl name="alignNode1">
+    <dgm:scene3d>
+      <a:camera prst="orthographicFront"/>
+      <a:lightRig rig="threePt" dir="t"/>
+    </dgm:scene3d>
+    <dgm:sp3d/>
+    <dgm:txPr/>
+    <dgm:style>
+      <a:lnRef idx="1">
+        <a:scrgbClr r="0" g="0" b="0"/>
+      </a:lnRef>
+      <a:fillRef idx="3">
+        <a:scrgbClr r="0" g="0" b="0"/>
+      </a:fillRef>
+      <a:effectRef idx="2">
+        <a:scrgbClr r="0" g="0" b="0"/>
+      </a:effectRef>
+      <a:fontRef idx="minor">
+        <a:schemeClr val="lt1"/>
+      </a:fontRef>
+    </dgm:style>
+  </dgm:styleLbl>
+  <dgm:styleLbl name="node1">
+    <dgm:scene3d>
+      <a:camera prst="orthographicFront"/>
+      <a:lightRig rig="threePt" dir="t"/>
+    </dgm:scene3d>
+    <dgm:sp3d/>
+    <dgm:txPr/>
+    <dgm:style>
+      <a:lnRef idx="0">
+        <a:scrgbClr r="0" g="0" b="0"/>
+      </a:lnRef>
+      <a:fillRef idx="3">
+        <a:scrgbClr r="0" g="0" b="0"/>
+      </a:fillRef>
+      <a:effectRef idx="2">
+        <a:scrgbClr r="0" g="0" b="0"/>
+      </a:effectRef>
+      <a:fontRef idx="minor">
+        <a:schemeClr val="lt1"/>
+      </a:fontRef>
+    </dgm:style>
+  </dgm:styleLbl>
+  <dgm:styleLbl name="node2">
+    <dgm:scene3d>
+      <a:camera prst="orthographicFront"/>
+      <a:lightRig rig="threePt" dir="t"/>
+    </dgm:scene3d>
+    <dgm:sp3d/>
+    <dgm:txPr/>
+    <dgm:style>
+      <a:lnRef idx="0">
+        <a:scrgbClr r="0" g="0" b="0"/>
+      </a:lnRef>
+      <a:fillRef idx="3">
+        <a:scrgbClr r="0" g="0" b="0"/>
+      </a:fillRef>
+      <a:effectRef idx="2">
+        <a:scrgbClr r="0" g="0" b="0"/>
+      </a:effectRef>
+      <a:fontRef idx="minor">
+        <a:schemeClr val="lt1"/>
+      </a:fontRef>
+    </dgm:style>
+  </dgm:styleLbl>
+  <dgm:styleLbl name="node3">
+    <dgm:scene3d>
+      <a:camera prst="orthographicFront"/>
+      <a:lightRig rig="threePt" dir="t"/>
+    </dgm:scene3d>
+    <dgm:sp3d/>
+    <dgm:txPr/>
+    <dgm:style>
+      <a:lnRef idx="0">
+        <a:scrgbClr r="0" g="0" b="0"/>
+      </a:lnRef>
+      <a:fillRef idx="3">
+        <a:scrgbClr r="0" g="0" b="0"/>
+      </a:fillRef>
+      <a:effectRef idx="2">
+        <a:scrgbClr r="0" g="0" b="0"/>
+      </a:effectRef>
+      <a:fontRef idx="minor">
+        <a:schemeClr val="lt1"/>
+      </a:fontRef>
+    </dgm:style>
+  </dgm:styleLbl>
+  <dgm:styleLbl name="node4">
+    <dgm:scene3d>
+      <a:camera prst="orthographicFront"/>
+      <a:lightRig rig="threePt" dir="t"/>
+    </dgm:scene3d>
+    <dgm:sp3d/>
+    <dgm:txPr/>
+    <dgm:style>
+      <a:lnRef idx="0">
+        <a:scrgbClr r="0" g="0" b="0"/>
+      </a:lnRef>
+      <a:fillRef idx="3">
+        <a:scrgbClr r="0" g="0" b="0"/>
+      </a:fillRef>
+      <a:effectRef idx="2">
+        <a:scrgbClr r="0" g="0" b="0"/>
+      </a:effectRef>
+      <a:fontRef idx="minor">
+        <a:schemeClr val="lt1"/>
+      </a:fontRef>
+    </dgm:style>
+  </dgm:styleLbl>
+  <dgm:styleLbl name="fgImgPlace1">
+    <dgm:scene3d>
+      <a:camera prst="orthographicFront"/>
+      <a:lightRig rig="threePt" dir="t"/>
+    </dgm:scene3d>
+    <dgm:sp3d/>
+    <dgm:txPr/>
+    <dgm:style>
+      <a:lnRef idx="0">
+        <a:scrgbClr r="0" g="0" b="0"/>
+      </a:lnRef>
+      <a:fillRef idx="1">
+        <a:scrgbClr r="0" g="0" b="0"/>
+      </a:fillRef>
+      <a:effectRef idx="2">
+        <a:scrgbClr r="0" g="0" b="0"/>
+      </a:effectRef>
+      <a:fontRef idx="minor"/>
+    </dgm:style>
+  </dgm:styleLbl>
+  <dgm:styleLbl name="alignImgPlace1">
+    <dgm:scene3d>
+      <a:camera prst="orthographicFront"/>
+      <a:lightRig rig="threePt" dir="t"/>
+    </dgm:scene3d>
+    <dgm:sp3d/>
+    <dgm:txPr/>
+    <dgm:style>
+      <a:lnRef idx="0">
+        <a:scrgbClr r="0" g="0" b="0"/>
+      </a:lnRef>
+      <a:fillRef idx="1">
+        <a:scrgbClr r="0" g="0" b="0"/>
+      </a:fillRef>
+      <a:effectRef idx="2">
+        <a:scrgbClr r="0" g="0" b="0"/>
+      </a:effectRef>
+      <a:fontRef idx="minor"/>
+    </dgm:style>
+  </dgm:styleLbl>
+  <dgm:styleLbl name="bgImgPlace1">
+    <dgm:scene3d>
+      <a:camera prst="orthographicFront"/>
+      <a:lightRig rig="threePt" dir="t"/>
+    </dgm:scene3d>
+    <dgm:sp3d/>
+    <dgm:txPr/>
+    <dgm:style>
+      <a:lnRef idx="0">
+        <a:scrgbClr r="0" g="0" b="0"/>
+      </a:lnRef>
+      <a:fillRef idx="1">
+        <a:scrgbClr r="0" g="0" b="0"/>
+      </a:fillRef>
+      <a:effectRef idx="2">
+        <a:scrgbClr r="0" g="0" b="0"/>
+      </a:effectRef>
+      <a:fontRef idx="minor"/>
+    </dgm:style>
+  </dgm:styleLbl>
+  <dgm:styleLbl name="sibTrans2D1">
+    <dgm:scene3d>
+      <a:camera prst="orthographicFront"/>
+      <a:lightRig rig="threePt" dir="t"/>
+    </dgm:scene3d>
+    <dgm:sp3d/>
+    <dgm:txPr/>
+    <dgm:style>
+      <a:lnRef idx="0">
+        <a:scrgbClr r="0" g="0" b="0"/>
+      </a:lnRef>
+      <a:fillRef idx="3">
+        <a:scrgbClr r="0" g="0" b="0"/>
+      </a:fillRef>
+      <a:effectRef idx="2">
+        <a:scrgbClr r="0" g="0" b="0"/>
+      </a:effectRef>
+      <a:fontRef idx="minor">
+        <a:schemeClr val="lt1"/>
+      </a:fontRef>
+    </dgm:style>
+  </dgm:styleLbl>
+  <dgm:styleLbl name="fgSibTrans2D1">
+    <dgm:scene3d>
+      <a:camera prst="orthographicFront"/>
+      <a:lightRig rig="threePt" dir="t"/>
+    </dgm:scene3d>
+    <dgm:sp3d/>
+    <dgm:txPr/>
+    <dgm:style>
+      <a:lnRef idx="0">
+        <a:scrgbClr r="0" g="0" b="0"/>
+      </a:lnRef>
+      <a:fillRef idx="3">
+        <a:scrgbClr r="0" g="0" b="0"/>
+      </a:fillRef>
+      <a:effectRef idx="2">
+        <a:scrgbClr r="0" g="0" b="0"/>
+      </a:effectRef>
+      <a:fontRef idx="minor">
+        <a:schemeClr val="lt1"/>
+      </a:fontRef>
+    </dgm:style>
+  </dgm:styleLbl>
+  <dgm:styleLbl name="bgSibTrans2D1">
+    <dgm:scene3d>
+      <a:camera prst="orthographicFront"/>
+      <a:lightRig rig="threePt" dir="t"/>
+    </dgm:scene3d>
+    <dgm:sp3d/>
+    <dgm:txPr/>
+    <dgm:style>
+      <a:lnRef idx="0">
+        <a:scrgbClr r="0" g="0" b="0"/>
+      </a:lnRef>
+      <a:fillRef idx="3">
+        <a:scrgbClr r="0" g="0" b="0"/>
+      </a:fillRef>
+      <a:effectRef idx="2">
+        <a:scrgbClr r="0" g="0" b="0"/>
+      </a:effectRef>
+      <a:fontRef idx="minor">
+        <a:schemeClr val="lt1"/>
+      </a:fontRef>
+    </dgm:style>
+  </dgm:styleLbl>
+  <dgm:styleLbl name="sibTrans1D1">
+    <dgm:scene3d>
+      <a:camera prst="orthographicFront"/>
+      <a:lightRig rig="threePt" dir="t"/>
+    </dgm:scene3d>
+    <dgm:sp3d/>
+    <dgm:txPr/>
+    <dgm:style>
+      <a:lnRef idx="1">
+        <a:scrgbClr r="0" g="0" b="0"/>
+      </a:lnRef>
+      <a:fillRef idx="0">
+        <a:scrgbClr r="0" g="0" b="0"/>
+      </a:fillRef>
+      <a:effectRef idx="0">
+        <a:scrgbClr r="0" g="0" b="0"/>
+      </a:effectRef>
+      <a:fontRef idx="minor"/>
+    </dgm:style>
+  </dgm:styleLbl>
+  <dgm:styleLbl name="callout">
+    <dgm:scene3d>
+      <a:camera prst="orthographicFront"/>
+      <a:lightRig rig="threePt" dir="t"/>
+    </dgm:scene3d>
+    <dgm:sp3d/>
+    <dgm:txPr/>
+    <dgm:style>
+      <a:lnRef idx="2">
+        <a:scrgbClr r="0" g="0" b="0"/>
+      </a:lnRef>
+      <a:fillRef idx="1">
+        <a:scrgbClr r="0" g="0" b="0"/>
+      </a:fillRef>
+      <a:effectRef idx="1">
+        <a:scrgbClr r="0" g="0" b="0"/>
+      </a:effectRef>
+      <a:fontRef idx="minor"/>
+    </dgm:style>
+  </dgm:styleLbl>
+  <dgm:styleLbl name="asst0">
+    <dgm:scene3d>
+      <a:camera prst="orthographicFront"/>
+      <a:lightRig rig="threePt" dir="t"/>
+    </dgm:scene3d>
+    <dgm:sp3d/>
+    <dgm:txPr/>
+    <dgm:style>
+      <a:lnRef idx="0">
+        <a:scrgbClr r="0" g="0" b="0"/>
+      </a:lnRef>
+      <a:fillRef idx="3">
+        <a:scrgbClr r="0" g="0" b="0"/>
+      </a:fillRef>
+      <a:effectRef idx="2">
+        <a:scrgbClr r="0" g="0" b="0"/>
+      </a:effectRef>
+      <a:fontRef idx="minor">
+        <a:schemeClr val="lt1"/>
+      </a:fontRef>
+    </dgm:style>
+  </dgm:styleLbl>
+  <dgm:styleLbl name="asst1">
+    <dgm:scene3d>
+      <a:camera prst="orthographicFront"/>
+      <a:lightRig rig="threePt" dir="t"/>
+    </dgm:scene3d>
+    <dgm:sp3d/>
+    <dgm:txPr/>
+    <dgm:style>
+      <a:lnRef idx="0">
+        <a:scrgbClr r="0" g="0" b="0"/>
+      </a:lnRef>
+      <a:fillRef idx="3">
+        <a:scrgbClr r="0" g="0" b="0"/>
+      </a:fillRef>
+      <a:effectRef idx="2">
+        <a:scrgbClr r="0" g="0" b="0"/>
+      </a:effectRef>
+      <a:fontRef idx="minor">
+        <a:schemeClr val="lt1"/>
+      </a:fontRef>
+    </dgm:style>
+  </dgm:styleLbl>
+  <dgm:styleLbl name="asst2">
+    <dgm:scene3d>
+      <a:camera prst="orthographicFront"/>
+      <a:lightRig rig="threePt" dir="t"/>
+    </dgm:scene3d>
+    <dgm:sp3d/>
+    <dgm:txPr/>
+    <dgm:style>
+      <a:lnRef idx="0">
+        <a:scrgbClr r="0" g="0" b="0"/>
+      </a:lnRef>
+      <a:fillRef idx="3">
+        <a:scrgbClr r="0" g="0" b="0"/>
+      </a:fillRef>
+      <a:effectRef idx="2">
+        <a:scrgbClr r="0" g="0" b="0"/>
+      </a:effectRef>
+      <a:fontRef idx="minor">
+        <a:schemeClr val="lt1"/>
+      </a:fontRef>
+    </dgm:style>
+  </dgm:styleLbl>
+  <dgm:styleLbl name="asst3">
+    <dgm:scene3d>
+      <a:camera prst="orthographicFront"/>
+      <a:lightRig rig="threePt" dir="t"/>
+    </dgm:scene3d>
+    <dgm:sp3d/>
+    <dgm:txPr/>
+    <dgm:style>
+      <a:lnRef idx="0">
+        <a:scrgbClr r="0" g="0" b="0"/>
+      </a:lnRef>
+      <a:fillRef idx="3">
+        <a:scrgbClr r="0" g="0" b="0"/>
+      </a:fillRef>
+      <a:effectRef idx="2">
+        <a:scrgbClr r="0" g="0" b="0"/>
+      </a:effectRef>
+      <a:fontRef idx="minor">
+        <a:schemeClr val="lt1"/>
+      </a:fontRef>
+    </dgm:style>
+  </dgm:styleLbl>
+  <dgm:styleLbl name="asst4">
+    <dgm:scene3d>
+      <a:camera prst="orthographicFront"/>
+      <a:lightRig rig="threePt" dir="t"/>
+    </dgm:scene3d>
+    <dgm:sp3d/>
+    <dgm:txPr/>
+    <dgm:style>
+      <a:lnRef idx="0">
+        <a:scrgbClr r="0" g="0" b="0"/>
+      </a:lnRef>
+      <a:fillRef idx="3">
+        <a:scrgbClr r="0" g="0" b="0"/>
+      </a:fillRef>
+      <a:effectRef idx="2">
+        <a:scrgbClr r="0" g="0" b="0"/>
+      </a:effectRef>
+      <a:fontRef idx="minor">
+        <a:schemeClr val="lt1"/>
+      </a:fontRef>
+    </dgm:style>
+  </dgm:styleLbl>
+  <dgm:styleLbl name="parChTrans2D1">
+    <dgm:scene3d>
+      <a:camera prst="orthographicFront"/>
+      <a:lightRig rig="threePt" dir="t"/>
+    </dgm:scene3d>
+    <dgm:sp3d/>
+    <dgm:txPr/>
+    <dgm:style>
+      <a:lnRef idx="0">
+        <a:scrgbClr r="0" g="0" b="0"/>
+      </a:lnRef>
+      <a:fillRef idx="3">
+        <a:scrgbClr r="0" g="0" b="0"/>
+      </a:fillRef>
+      <a:effectRef idx="2">
+        <a:scrgbClr r="0" g="0" b="0"/>
+      </a:effectRef>
+      <a:fontRef idx="minor">
+        <a:schemeClr val="lt1"/>
+      </a:fontRef>
+    </dgm:style>
+  </dgm:styleLbl>
+  <dgm:styleLbl name="parChTrans2D2">
+    <dgm:scene3d>
+      <a:camera prst="orthographicFront"/>
+      <a:lightRig rig="threePt" dir="t"/>
+    </dgm:scene3d>
+    <dgm:sp3d/>
+    <dgm:txPr/>
+    <dgm:style>
+      <a:lnRef idx="0">
+        <a:scrgbClr r="0" g="0" b="0"/>
+      </a:lnRef>
+      <a:fillRef idx="3">
+        <a:scrgbClr r="0" g="0" b="0"/>
+      </a:fillRef>
+      <a:effectRef idx="2">
+        <a:scrgbClr r="0" g="0" b="0"/>
+      </a:effectRef>
+      <a:fontRef idx="minor">
+        <a:schemeClr val="lt1"/>
+      </a:fontRef>
+    </dgm:style>
+  </dgm:styleLbl>
+  <dgm:styleLbl name="parChTrans2D3">
+    <dgm:scene3d>
+      <a:camera prst="orthographicFront"/>
+      <a:lightRig rig="threePt" dir="t"/>
+    </dgm:scene3d>
+    <dgm:sp3d/>
+    <dgm:txPr/>
+    <dgm:style>
+      <a:lnRef idx="1">
+        <a:scrgbClr r="0" g="0" b="0"/>
+      </a:lnRef>
+      <a:fillRef idx="3">
+        <a:scrgbClr r="0" g="0" b="0"/>
+      </a:fillRef>
+      <a:effectRef idx="2">
+        <a:scrgbClr r="0" g="0" b="0"/>
+      </a:effectRef>
+      <a:fontRef idx="minor">
+        <a:schemeClr val="lt1"/>
+      </a:fontRef>
+    </dgm:style>
+  </dgm:styleLbl>
+  <dgm:styleLbl name="parChTrans2D4">
+    <dgm:scene3d>
+      <a:camera prst="orthographicFront"/>
+      <a:lightRig rig="threePt" dir="t"/>
+    </dgm:scene3d>
+    <dgm:sp3d/>
+    <dgm:txPr/>
+    <dgm:style>
+      <a:lnRef idx="1">
+        <a:scrgbClr r="0" g="0" b="0"/>
+      </a:lnRef>
+      <a:fillRef idx="3">
+        <a:scrgbClr r="0" g="0" b="0"/>
+      </a:fillRef>
+      <a:effectRef idx="2">
+        <a:scrgbClr r="0" g="0" b="0"/>
+      </a:effectRef>
+      <a:fontRef idx="minor">
+        <a:schemeClr val="lt1"/>
+      </a:fontRef>
+    </dgm:style>
+  </dgm:styleLbl>
+  <dgm:styleLbl name="parChTrans1D1">
+    <dgm:scene3d>
+      <a:camera prst="orthographicFront"/>
+      <a:lightRig rig="threePt" dir="t"/>
+    </dgm:scene3d>
+    <dgm:sp3d/>
+    <dgm:txPr/>
+    <dgm:style>
+      <a:lnRef idx="1">
+        <a:scrgbClr r="0" g="0" b="0"/>
+      </a:lnRef>
+      <a:fillRef idx="0">
+        <a:scrgbClr r="0" g="0" b="0"/>
+      </a:fillRef>
+      <a:effectRef idx="0">
+        <a:scrgbClr r="0" g="0" b="0"/>
+      </a:effectRef>
+      <a:fontRef idx="minor"/>
+    </dgm:style>
+  </dgm:styleLbl>
+  <dgm:styleLbl name="parChTrans1D2">
+    <dgm:scene3d>
+      <a:camera prst="orthographicFront"/>
+      <a:lightRig rig="threePt" dir="t"/>
+    </dgm:scene3d>
+    <dgm:sp3d/>
+    <dgm:txPr/>
+    <dgm:style>
+      <a:lnRef idx="1">
+        <a:scrgbClr r="0" g="0" b="0"/>
+      </a:lnRef>
+      <a:fillRef idx="0">
+        <a:scrgbClr r="0" g="0" b="0"/>
+      </a:fillRef>
+      <a:effectRef idx="0">
+        <a:scrgbClr r="0" g="0" b="0"/>
+      </a:effectRef>
+      <a:fontRef idx="minor"/>
+    </dgm:style>
+  </dgm:styleLbl>
+  <dgm:styleLbl name="parChTrans1D3">
+    <dgm:scene3d>
+      <a:camera prst="orthographicFront"/>
+      <a:lightRig rig="threePt" dir="t"/>
+    </dgm:scene3d>
+    <dgm:sp3d/>
+    <dgm:txPr/>
+    <dgm:style>
+      <a:lnRef idx="1">
+        <a:scrgbClr r="0" g="0" b="0"/>
+      </a:lnRef>
+      <a:fillRef idx="0">
+        <a:scrgbClr r="0" g="0" b="0"/>
+      </a:fillRef>
+      <a:effectRef idx="0">
+        <a:scrgbClr r="0" g="0" b="0"/>
+      </a:effectRef>
+      <a:fontRef idx="minor"/>
+    </dgm:style>
+  </dgm:styleLbl>
+  <dgm:styleLbl name="parChTrans1D4">
+    <dgm:scene3d>
+      <a:camera prst="orthographicFront"/>
+      <a:lightRig rig="threePt" dir="t"/>
+    </dgm:scene3d>
+    <dgm:sp3d/>
+    <dgm:txPr/>
+    <dgm:style>
+      <a:lnRef idx="1">
+        <a:scrgbClr r="0" g="0" b="0"/>
+      </a:lnRef>
+      <a:fillRef idx="0">
+        <a:scrgbClr r="0" g="0" b="0"/>
+      </a:fillRef>
+      <a:effectRef idx="0">
+        <a:scrgbClr r="0" g="0" b="0"/>
+      </a:effectRef>
+      <a:fontRef idx="minor"/>
+    </dgm:style>
+  </dgm:styleLbl>
+  <dgm:styleLbl name="fgAcc1">
+    <dgm:scene3d>
+      <a:camera prst="orthographicFront"/>
+      <a:lightRig rig="threePt" dir="t"/>
+    </dgm:scene3d>
+    <dgm:sp3d/>
+    <dgm:txPr/>
+    <dgm:style>
+      <a:lnRef idx="1">
+        <a:scrgbClr r="0" g="0" b="0"/>
+      </a:lnRef>
+      <a:fillRef idx="1">
+        <a:scrgbClr r="0" g="0" b="0"/>
+      </a:fillRef>
+      <a:effectRef idx="0">
+        <a:scrgbClr r="0" g="0" b="0"/>
+      </a:effectRef>
+      <a:fontRef idx="minor"/>
+    </dgm:style>
+  </dgm:styleLbl>
+  <dgm:styleLbl name="conFgAcc1">
+    <dgm:scene3d>
+      <a:camera prst="orthographicFront"/>
+      <a:lightRig rig="threePt" dir="t"/>
+    </dgm:scene3d>
+    <dgm:sp3d/>
+    <dgm:txPr/>
+    <dgm:style>
+      <a:lnRef idx="1">
+        <a:scrgbClr r="0" g="0" b="0"/>
+      </a:lnRef>
+      <a:fillRef idx="1">
+        <a:scrgbClr r="0" g="0" b="0"/>
+      </a:fillRef>
+      <a:effectRef idx="0">
+        <a:scrgbClr r="0" g="0" b="0"/>
+      </a:effectRef>
+      <a:fontRef idx="minor"/>
+    </dgm:style>
+  </dgm:styleLbl>
+  <dgm:styleLbl name="alignAcc1">
+    <dgm:scene3d>
+      <a:camera prst="orthographicFront"/>
+      <a:lightRig rig="threePt" dir="t"/>
+    </dgm:scene3d>
+    <dgm:sp3d/>
+    <dgm:txPr/>
+    <dgm:style>
+      <a:lnRef idx="1">
+        <a:scrgbClr r="0" g="0" b="0"/>
+      </a:lnRef>
+      <a:fillRef idx="1">
+        <a:scrgbClr r="0" g="0" b="0"/>
+      </a:fillRef>
+      <a:effectRef idx="0">
+        <a:scrgbClr r="0" g="0" b="0"/>
+      </a:effectRef>
+      <a:fontRef idx="minor"/>
+    </dgm:style>
+  </dgm:styleLbl>
+  <dgm:styleLbl name="trAlignAcc1">
+    <dgm:scene3d>
+      <a:camera prst="orthographicFront"/>
+      <a:lightRig rig="threePt" dir="t"/>
+    </dgm:scene3d>
+    <dgm:sp3d/>
+    <dgm:txPr/>
+    <dgm:style>
+      <a:lnRef idx="1">
+        <a:scrgbClr r="0" g="0" b="0"/>
+      </a:lnRef>
+      <a:fillRef idx="1">
+        <a:scrgbClr r="0" g="0" b="0"/>
+      </a:fillRef>
+      <a:effectRef idx="0">
+        <a:scrgbClr r="0" g="0" b="0"/>
+      </a:effectRef>
+      <a:fontRef idx="minor"/>
+    </dgm:style>
+  </dgm:styleLbl>
+  <dgm:styleLbl name="bgAcc1">
+    <dgm:scene3d>
+      <a:camera prst="orthographicFront"/>
+      <a:lightRig rig="threePt" dir="t"/>
+    </dgm:scene3d>
+    <dgm:sp3d/>
+    <dgm:txPr/>
+    <dgm:style>
+      <a:lnRef idx="1">
+        <a:scrgbClr r="0" g="0" b="0"/>
+      </a:lnRef>
+      <a:fillRef idx="1">
+        <a:scrgbClr r="0" g="0" b="0"/>
+      </a:fillRef>
+      <a:effectRef idx="0">
+        <a:scrgbClr r="0" g="0" b="0"/>
+      </a:effectRef>
+      <a:fontRef idx="minor"/>
+    </dgm:style>
+  </dgm:styleLbl>
+  <dgm:styleLbl name="solidFgAcc1">
+    <dgm:scene3d>
+      <a:camera prst="orthographicFront"/>
+      <a:lightRig rig="threePt" dir="t"/>
+    </dgm:scene3d>
+    <dgm:sp3d/>
+    <dgm:txPr/>
+    <dgm:style>
+      <a:lnRef idx="1">
+        <a:scrgbClr r="0" g="0" b="0"/>
+      </a:lnRef>
+      <a:fillRef idx="1">
+        <a:scrgbClr r="0" g="0" b="0"/>
+      </a:fillRef>
+      <a:effectRef idx="0">
+        <a:scrgbClr r="0" g="0" b="0"/>
+      </a:effectRef>
+      <a:fontRef idx="minor"/>
+    </dgm:style>
+  </dgm:styleLbl>
+  <dgm:styleLbl name="solidAlignAcc1">
+    <dgm:scene3d>
+      <a:camera prst="orthographicFront"/>
+      <a:lightRig rig="threePt" dir="t"/>
+    </dgm:scene3d>
+    <dgm:sp3d/>
+    <dgm:txPr/>
+    <dgm:style>
+      <a:lnRef idx="1">
+        <a:scrgbClr r="0" g="0" b="0"/>
+      </a:lnRef>
+      <a:fillRef idx="1">
+        <a:scrgbClr r="0" g="0" b="0"/>
+      </a:fillRef>
+      <a:effectRef idx="0">
+        <a:scrgbClr r="0" g="0" b="0"/>
+      </a:effectRef>
+      <a:fontRef idx="minor"/>
+    </dgm:style>
+  </dgm:styleLbl>
+  <dgm:styleLbl name="solidBgAcc1">
+    <dgm:scene3d>
+      <a:camera prst="orthographicFront"/>
+      <a:lightRig rig="threePt" dir="t"/>
+    </dgm:scene3d>
+    <dgm:sp3d/>
+    <dgm:txPr/>
+    <dgm:style>
+      <a:lnRef idx="1">
+        <a:scrgbClr r="0" g="0" b="0"/>
+      </a:lnRef>
+      <a:fillRef idx="1">
+        <a:scrgbClr r="0" g="0" b="0"/>
+      </a:fillRef>
+      <a:effectRef idx="0">
+        <a:scrgbClr r="0" g="0" b="0"/>
+      </a:effectRef>
+      <a:fontRef idx="minor"/>
+    </dgm:style>
+  </dgm:styleLbl>
+  <dgm:styleLbl name="fgAccFollowNode1">
+    <dgm:scene3d>
+      <a:camera prst="orthographicFront"/>
+      <a:lightRig rig="threePt" dir="t"/>
+    </dgm:scene3d>
+    <dgm:sp3d/>
+    <dgm:txPr/>
+    <dgm:style>
+      <a:lnRef idx="1">
+        <a:scrgbClr r="0" g="0" b="0"/>
+      </a:lnRef>
+      <a:fillRef idx="1">
+        <a:scrgbClr r="0" g="0" b="0"/>
+      </a:fillRef>
+      <a:effectRef idx="0">
+        <a:scrgbClr r="0" g="0" b="0"/>
+      </a:effectRef>
+      <a:fontRef idx="minor"/>
+    </dgm:style>
+  </dgm:styleLbl>
+  <dgm:styleLbl name="alignAccFollowNode1">
+    <dgm:scene3d>
+      <a:camera prst="orthographicFront"/>
+      <a:lightRig rig="threePt" dir="t"/>
+    </dgm:scene3d>
+    <dgm:sp3d/>
+    <dgm:txPr/>
+    <dgm:style>
+      <a:lnRef idx="1">
+        <a:scrgbClr r="0" g="0" b="0"/>
+      </a:lnRef>
+      <a:fillRef idx="1">
+        <a:scrgbClr r="0" g="0" b="0"/>
+      </a:fillRef>
+      <a:effectRef idx="0">
+        <a:scrgbClr r="0" g="0" b="0"/>
+      </a:effectRef>
+      <a:fontRef idx="minor"/>
+    </dgm:style>
+  </dgm:styleLbl>
+  <dgm:styleLbl name="bgAccFollowNode1">
+    <dgm:scene3d>
+      <a:camera prst="orthographicFront"/>
+      <a:lightRig rig="threePt" dir="t"/>
+    </dgm:scene3d>
+    <dgm:sp3d/>
+    <dgm:txPr/>
+    <dgm:style>
+      <a:lnRef idx="1">
+        <a:scrgbClr r="0" g="0" b="0"/>
+      </a:lnRef>
+      <a:fillRef idx="1">
+        <a:scrgbClr r="0" g="0" b="0"/>
+      </a:fillRef>
+      <a:effectRef idx="0">
+        <a:scrgbClr r="0" g="0" b="0"/>
+      </a:effectRef>
+      <a:fontRef idx="minor"/>
+    </dgm:style>
+  </dgm:styleLbl>
+  <dgm:styleLbl name="fgAcc0">
+    <dgm:scene3d>
+      <a:camera prst="orthographicFront"/>
+      <a:lightRig rig="threePt" dir="t"/>
+    </dgm:scene3d>
+    <dgm:sp3d/>
+    <dgm:txPr/>
+    <dgm:style>
+      <a:lnRef idx="1">
+        <a:scrgbClr r="0" g="0" b="0"/>
+      </a:lnRef>
+      <a:fillRef idx="1">
+        <a:scrgbClr r="0" g="0" b="0"/>
+      </a:fillRef>
+      <a:effectRef idx="0">
+        <a:scrgbClr r="0" g="0" b="0"/>
+      </a:effectRef>
+      <a:fontRef idx="minor"/>
+    </dgm:style>
+  </dgm:styleLbl>
+  <dgm:styleLbl name="fgAcc2">
+    <dgm:scene3d>
+      <a:camera prst="orthographicFront"/>
+      <a:lightRig rig="threePt" dir="t"/>
+    </dgm:scene3d>
+    <dgm:sp3d/>
+    <dgm:txPr/>
+    <dgm:style>
+      <a:lnRef idx="1">
+        <a:scrgbClr r="0" g="0" b="0"/>
+      </a:lnRef>
+      <a:fillRef idx="1">
+        <a:scrgbClr r="0" g="0" b="0"/>
+      </a:fillRef>
+      <a:effectRef idx="0">
+        <a:scrgbClr r="0" g="0" b="0"/>
+      </a:effectRef>
+      <a:fontRef idx="minor"/>
+    </dgm:style>
+  </dgm:styleLbl>
+  <dgm:styleLbl name="fgAcc3">
+    <dgm:scene3d>
+      <a:camera prst="orthographicFront"/>
+      <a:lightRig rig="threePt" dir="t"/>
+    </dgm:scene3d>
+    <dgm:sp3d/>
+    <dgm:txPr/>
+    <dgm:style>
+      <a:lnRef idx="1">
+        <a:scrgbClr r="0" g="0" b="0"/>
+      </a:lnRef>
+      <a:fillRef idx="1">
+        <a:scrgbClr r="0" g="0" b="0"/>
+      </a:fillRef>
+      <a:effectRef idx="0">
+        <a:scrgbClr r="0" g="0" b="0"/>
+      </a:effectRef>
+      <a:fontRef idx="minor"/>
+    </dgm:style>
+  </dgm:styleLbl>
+  <dgm:styleLbl name="fgAcc4">
+    <dgm:scene3d>
+      <a:camera prst="orthographicFront"/>
+      <a:lightRig rig="threePt" dir="t"/>
+    </dgm:scene3d>
+    <dgm:sp3d/>
+    <dgm:txPr/>
+    <dgm:style>
+      <a:lnRef idx="1">
+        <a:scrgbClr r="0" g="0" b="0"/>
+      </a:lnRef>
+      <a:fillRef idx="1">
+        <a:scrgbClr r="0" g="0" b="0"/>
+      </a:fillRef>
+      <a:effectRef idx="0">
+        <a:scrgbClr r="0" g="0" b="0"/>
+      </a:effectRef>
+      <a:fontRef idx="minor"/>
+    </dgm:style>
+  </dgm:styleLbl>
+  <dgm:styleLbl name="bgShp">
+    <dgm:scene3d>
+      <a:camera prst="orthographicFront"/>
+      <a:lightRig rig="threePt" dir="t"/>
+    </dgm:scene3d>
+    <dgm:sp3d/>
+    <dgm:txPr/>
+    <dgm:style>
+      <a:lnRef idx="0">
+        <a:scrgbClr r="0" g="0" b="0"/>
+      </a:lnRef>
+      <a:fillRef idx="1">
+        <a:scrgbClr r="0" g="0" b="0"/>
+      </a:fillRef>
+      <a:effectRef idx="2">
+        <a:scrgbClr r="0" g="0" b="0"/>
+      </a:effectRef>
+      <a:fontRef idx="minor"/>
+    </dgm:style>
+  </dgm:styleLbl>
+  <dgm:styleLbl name="dkBgShp">
+    <dgm:scene3d>
+      <a:camera prst="orthographicFront"/>
+      <a:lightRig rig="threePt" dir="t"/>
+    </dgm:scene3d>
+    <dgm:sp3d/>
+    <dgm:txPr/>
+    <dgm:style>
+      <a:lnRef idx="0">
+        <a:scrgbClr r="0" g="0" b="0"/>
+      </a:lnRef>
+      <a:fillRef idx="1">
+        <a:scrgbClr r="0" g="0" b="0"/>
+      </a:fillRef>
+      <a:effectRef idx="2">
+        <a:scrgbClr r="0" g="0" b="0"/>
+      </a:effectRef>
+      <a:fontRef idx="minor"/>
+    </dgm:style>
+  </dgm:styleLbl>
+  <dgm:styleLbl name="trBgShp">
+    <dgm:scene3d>
+      <a:camera prst="orthographicFront"/>
+      <a:lightRig rig="threePt" dir="t"/>
+    </dgm:scene3d>
+    <dgm:sp3d/>
+    <dgm:txPr/>
+    <dgm:style>
+      <a:lnRef idx="0">
+        <a:scrgbClr r="0" g="0" b="0"/>
+      </a:lnRef>
+      <a:fillRef idx="1">
+        <a:scrgbClr r="0" g="0" b="0"/>
+      </a:fillRef>
+      <a:effectRef idx="0">
+        <a:scrgbClr r="0" g="0" b="0"/>
+      </a:effectRef>
+      <a:fontRef idx="minor"/>
+    </dgm:style>
+  </dgm:styleLbl>
+  <dgm:styleLbl name="fgShp">
+    <dgm:scene3d>
+      <a:camera prst="orthographicFront"/>
+      <a:lightRig rig="threePt" dir="t"/>
+    </dgm:scene3d>
+    <dgm:sp3d/>
+    <dgm:txPr/>
+    <dgm:style>
+      <a:lnRef idx="0">
+        <a:scrgbClr r="0" g="0" b="0"/>
+      </a:lnRef>
+      <a:fillRef idx="3">
+        <a:scrgbClr r="0" g="0" b="0"/>
+      </a:fillRef>
+      <a:effectRef idx="2">
+        <a:scrgbClr r="0" g="0" b="0"/>
+      </a:effectRef>
+      <a:fontRef idx="minor"/>
+    </dgm:style>
+  </dgm:styleLbl>
+  <dgm:styleLbl name="revTx">
+    <dgm:scene3d>
+      <a:camera prst="orthographicFront"/>
+      <a:lightRig rig="threePt" dir="t"/>
+    </dgm:scene3d>
+    <dgm:sp3d/>
+    <dgm:txPr/>
+    <dgm:style>
+      <a:lnRef idx="0">
+        <a:scrgbClr r="0" g="0" b="0"/>
+      </a:lnRef>
+      <a:fillRef idx="0">
+        <a:scrgbClr r="0" g="0" b="0"/>
+      </a:fillRef>
+      <a:effectRef idx="0">
+        <a:scrgbClr r="0" g="0" b="0"/>
+      </a:effectRef>
+      <a:fontRef idx="minor"/>
+    </dgm:style>
+  </dgm:styleLbl>
+</dgm:styleDef>
+</file>
+
 <file path=ppt/slideLayouts/slideLayout1.xml><?xml version="1.0" encoding="utf-8"?>
 <p:sldLayout xmlns:a="http://schemas.openxmlformats.org/drawingml/2006/main" xmlns:r="http://schemas.openxmlformats.org/officeDocument/2006/relationships" xmlns:p="http://schemas.openxmlformats.org/presentationml/2006/main" type="title" preserve="1">
   <p:cSld name="Title Slide">
@@ -270,7 +4061,7 @@
           <a:p>
             <a:fld id="{35651800-B75F-4C51-B699-241426B38AB7}" type="datetimeFigureOut">
               <a:rPr lang="en-US" smtClean="0"/>
-              <a:t>2/4/2018</a:t>
+              <a:t>6/2/2018</a:t>
             </a:fld>
             <a:endParaRPr lang="en-US"/>
           </a:p>
@@ -468,7 +4259,7 @@
           <a:p>
             <a:fld id="{35651800-B75F-4C51-B699-241426B38AB7}" type="datetimeFigureOut">
               <a:rPr lang="en-US" smtClean="0"/>
-              <a:t>2/4/2018</a:t>
+              <a:t>6/2/2018</a:t>
             </a:fld>
             <a:endParaRPr lang="en-US"/>
           </a:p>
@@ -676,7 +4467,7 @@
           <a:p>
             <a:fld id="{35651800-B75F-4C51-B699-241426B38AB7}" type="datetimeFigureOut">
               <a:rPr lang="en-US" smtClean="0"/>
-              <a:t>2/4/2018</a:t>
+              <a:t>6/2/2018</a:t>
             </a:fld>
             <a:endParaRPr lang="en-US"/>
           </a:p>
@@ -874,7 +4665,7 @@
           <a:p>
             <a:fld id="{35651800-B75F-4C51-B699-241426B38AB7}" type="datetimeFigureOut">
               <a:rPr lang="en-US" smtClean="0"/>
-              <a:t>2/4/2018</a:t>
+              <a:t>6/2/2018</a:t>
             </a:fld>
             <a:endParaRPr lang="en-US"/>
           </a:p>
@@ -1149,7 +4940,7 @@
           <a:p>
             <a:fld id="{35651800-B75F-4C51-B699-241426B38AB7}" type="datetimeFigureOut">
               <a:rPr lang="en-US" smtClean="0"/>
-              <a:t>2/4/2018</a:t>
+              <a:t>6/2/2018</a:t>
             </a:fld>
             <a:endParaRPr lang="en-US"/>
           </a:p>
@@ -1414,7 +5205,7 @@
           <a:p>
             <a:fld id="{35651800-B75F-4C51-B699-241426B38AB7}" type="datetimeFigureOut">
               <a:rPr lang="en-US" smtClean="0"/>
-              <a:t>2/4/2018</a:t>
+              <a:t>6/2/2018</a:t>
             </a:fld>
             <a:endParaRPr lang="en-US"/>
           </a:p>
@@ -1826,7 +5617,7 @@
           <a:p>
             <a:fld id="{35651800-B75F-4C51-B699-241426B38AB7}" type="datetimeFigureOut">
               <a:rPr lang="en-US" smtClean="0"/>
-              <a:t>2/4/2018</a:t>
+              <a:t>6/2/2018</a:t>
             </a:fld>
             <a:endParaRPr lang="en-US"/>
           </a:p>
@@ -1967,7 +5758,7 @@
           <a:p>
             <a:fld id="{35651800-B75F-4C51-B699-241426B38AB7}" type="datetimeFigureOut">
               <a:rPr lang="en-US" smtClean="0"/>
-              <a:t>2/4/2018</a:t>
+              <a:t>6/2/2018</a:t>
             </a:fld>
             <a:endParaRPr lang="en-US"/>
           </a:p>
@@ -2080,7 +5871,7 @@
           <a:p>
             <a:fld id="{35651800-B75F-4C51-B699-241426B38AB7}" type="datetimeFigureOut">
               <a:rPr lang="en-US" smtClean="0"/>
-              <a:t>2/4/2018</a:t>
+              <a:t>6/2/2018</a:t>
             </a:fld>
             <a:endParaRPr lang="en-US"/>
           </a:p>
@@ -2391,7 +6182,7 @@
           <a:p>
             <a:fld id="{35651800-B75F-4C51-B699-241426B38AB7}" type="datetimeFigureOut">
               <a:rPr lang="en-US" smtClean="0"/>
-              <a:t>2/4/2018</a:t>
+              <a:t>6/2/2018</a:t>
             </a:fld>
             <a:endParaRPr lang="en-US"/>
           </a:p>
@@ -2679,7 +6470,7 @@
           <a:p>
             <a:fld id="{35651800-B75F-4C51-B699-241426B38AB7}" type="datetimeFigureOut">
               <a:rPr lang="en-US" smtClean="0"/>
-              <a:t>2/4/2018</a:t>
+              <a:t>6/2/2018</a:t>
             </a:fld>
             <a:endParaRPr lang="en-US"/>
           </a:p>
@@ -2920,7 +6711,7 @@
           <a:p>
             <a:fld id="{35651800-B75F-4C51-B699-241426B38AB7}" type="datetimeFigureOut">
               <a:rPr lang="en-US" smtClean="0"/>
-              <a:t>2/4/2018</a:t>
+              <a:t>6/2/2018</a:t>
             </a:fld>
             <a:endParaRPr lang="en-US"/>
           </a:p>
@@ -3323,6 +7114,14 @@
 <file path=ppt/slides/slide1.xml><?xml version="1.0" encoding="utf-8"?>
 <p:sld xmlns:a="http://schemas.openxmlformats.org/drawingml/2006/main" xmlns:r="http://schemas.openxmlformats.org/officeDocument/2006/relationships" xmlns:p="http://schemas.openxmlformats.org/presentationml/2006/main">
   <p:cSld>
+    <p:bg>
+      <p:bgPr>
+        <a:solidFill>
+          <a:schemeClr val="tx1"/>
+        </a:solidFill>
+        <a:effectLst/>
+      </p:bgPr>
+    </p:bg>
     <p:spTree>
       <p:nvGrpSpPr>
         <p:cNvPr id="1" name=""/>
@@ -3339,6 +7138,194 @@
       </p:grpSpPr>
       <p:sp>
         <p:nvSpPr>
+          <p:cNvPr id="8" name="Rectangle 7">
+            <a:extLst>
+              <a:ext uri="{FF2B5EF4-FFF2-40B4-BE49-F238E27FC236}">
+                <a16:creationId xmlns:a16="http://schemas.microsoft.com/office/drawing/2014/main" id="{2A8AA5BC-4F7A-4226-8F99-6D824B226A97}"/>
+              </a:ext>
+              <a:ext uri="{C183D7F6-B498-43B3-948B-1728B52AA6E4}">
+                <adec:decorative xmlns="" xmlns:adec="http://schemas.microsoft.com/office/drawing/2017/decorative" val="1"/>
+              </a:ext>
+            </a:extLst>
+          </p:cNvPr>
+          <p:cNvSpPr>
+            <a:spLocks noGrp="1" noRot="1" noChangeAspect="1" noMove="1" noResize="1" noEditPoints="1" noAdjustHandles="1" noChangeArrowheads="1" noChangeShapeType="1" noTextEdit="1"/>
+          </p:cNvSpPr>
+          <p:nvPr>
+            <p:extLst>
+              <p:ext uri="{386F3935-93C4-4BCD-93E2-E3B085C9AB24}">
+                <p16:designElem xmlns:p16="http://schemas.microsoft.com/office/powerpoint/2015/main" val="1"/>
+              </p:ext>
+            </p:extLst>
+          </p:nvPr>
+        </p:nvSpPr>
+        <p:spPr>
+          <a:xfrm>
+            <a:off x="0" y="-3324"/>
+            <a:ext cx="12192000" cy="6861324"/>
+          </a:xfrm>
+          <a:prstGeom prst="rect">
+            <a:avLst/>
+          </a:prstGeom>
+          <a:solidFill>
+            <a:schemeClr val="tx1"/>
+          </a:solidFill>
+          <a:ln>
+            <a:noFill/>
+          </a:ln>
+        </p:spPr>
+        <p:style>
+          <a:lnRef idx="2">
+            <a:schemeClr val="accent1">
+              <a:shade val="50000"/>
+            </a:schemeClr>
+          </a:lnRef>
+          <a:fillRef idx="1">
+            <a:schemeClr val="accent1"/>
+          </a:fillRef>
+          <a:effectRef idx="0">
+            <a:schemeClr val="accent1"/>
+          </a:effectRef>
+          <a:fontRef idx="minor">
+            <a:schemeClr val="lt1"/>
+          </a:fontRef>
+        </p:style>
+        <p:txBody>
+          <a:bodyPr rtlCol="0" anchor="ctr"/>
+          <a:lstStyle/>
+          <a:p>
+            <a:pPr algn="ctr"/>
+            <a:endParaRPr lang="en-US"/>
+          </a:p>
+        </p:txBody>
+      </p:sp>
+      <p:sp>
+        <p:nvSpPr>
+          <p:cNvPr id="10" name="Rectangle 9">
+            <a:extLst>
+              <a:ext uri="{FF2B5EF4-FFF2-40B4-BE49-F238E27FC236}">
+                <a16:creationId xmlns:a16="http://schemas.microsoft.com/office/drawing/2014/main" id="{3E5445C6-DD42-4979-86FF-03730E8C6DB0}"/>
+              </a:ext>
+              <a:ext uri="{C183D7F6-B498-43B3-948B-1728B52AA6E4}">
+                <adec:decorative xmlns="" xmlns:adec="http://schemas.microsoft.com/office/drawing/2017/decorative" val="1"/>
+              </a:ext>
+            </a:extLst>
+          </p:cNvPr>
+          <p:cNvSpPr>
+            <a:spLocks noGrp="1" noRot="1" noChangeAspect="1" noMove="1" noResize="1" noEditPoints="1" noAdjustHandles="1" noChangeArrowheads="1" noChangeShapeType="1" noTextEdit="1"/>
+          </p:cNvSpPr>
+          <p:nvPr>
+            <p:extLst>
+              <p:ext uri="{386F3935-93C4-4BCD-93E2-E3B085C9AB24}">
+                <p16:designElem xmlns:p16="http://schemas.microsoft.com/office/powerpoint/2015/main" val="1"/>
+              </p:ext>
+            </p:extLst>
+          </p:nvPr>
+        </p:nvSpPr>
+        <p:spPr bwMode="ltGray">
+          <a:xfrm>
+            <a:off x="321734" y="321733"/>
+            <a:ext cx="11573488" cy="6214534"/>
+          </a:xfrm>
+          <a:prstGeom prst="rect">
+            <a:avLst/>
+          </a:prstGeom>
+          <a:solidFill>
+            <a:schemeClr val="bg1">
+              <a:lumMod val="75000"/>
+              <a:lumOff val="25000"/>
+            </a:schemeClr>
+          </a:solidFill>
+          <a:ln w="127000" cap="sq" cmpd="thinThick">
+            <a:solidFill>
+              <a:schemeClr val="bg1">
+                <a:lumMod val="75000"/>
+                <a:lumOff val="25000"/>
+              </a:schemeClr>
+            </a:solidFill>
+          </a:ln>
+        </p:spPr>
+        <p:style>
+          <a:lnRef idx="2">
+            <a:schemeClr val="accent1">
+              <a:shade val="50000"/>
+            </a:schemeClr>
+          </a:lnRef>
+          <a:fillRef idx="1">
+            <a:schemeClr val="accent1"/>
+          </a:fillRef>
+          <a:effectRef idx="0">
+            <a:schemeClr val="accent1"/>
+          </a:effectRef>
+          <a:fontRef idx="minor">
+            <a:schemeClr val="lt1"/>
+          </a:fontRef>
+        </p:style>
+        <p:txBody>
+          <a:bodyPr rtlCol="0" anchor="ctr"/>
+          <a:lstStyle/>
+          <a:p>
+            <a:pPr algn="ctr"/>
+            <a:endParaRPr lang="en-US"/>
+          </a:p>
+        </p:txBody>
+      </p:sp>
+      <p:cxnSp>
+        <p:nvCxnSpPr>
+          <p:cNvPr id="12" name="Straight Connector 11">
+            <a:extLst>
+              <a:ext uri="{FF2B5EF4-FFF2-40B4-BE49-F238E27FC236}">
+                <a16:creationId xmlns:a16="http://schemas.microsoft.com/office/drawing/2014/main" id="{45000665-DFC7-417E-8FD7-516A0F15C975}"/>
+              </a:ext>
+              <a:ext uri="{C183D7F6-B498-43B3-948B-1728B52AA6E4}">
+                <adec:decorative xmlns="" xmlns:adec="http://schemas.microsoft.com/office/drawing/2017/decorative" val="1"/>
+              </a:ext>
+            </a:extLst>
+          </p:cNvPr>
+          <p:cNvCxnSpPr>
+            <a:cxnSpLocks noGrp="1" noRot="1" noChangeAspect="1" noMove="1" noResize="1" noEditPoints="1" noAdjustHandles="1" noChangeArrowheads="1" noChangeShapeType="1"/>
+          </p:cNvCxnSpPr>
+          <p:nvPr>
+            <p:extLst>
+              <p:ext uri="{386F3935-93C4-4BCD-93E2-E3B085C9AB24}">
+                <p16:designElem xmlns:p16="http://schemas.microsoft.com/office/powerpoint/2015/main" val="1"/>
+              </p:ext>
+            </p:extLst>
+          </p:nvPr>
+        </p:nvCxnSpPr>
+        <p:spPr>
+          <a:xfrm>
+            <a:off x="4724400" y="4109417"/>
+            <a:ext cx="2743200" cy="0"/>
+          </a:xfrm>
+          <a:prstGeom prst="line">
+            <a:avLst/>
+          </a:prstGeom>
+          <a:ln w="12700">
+            <a:solidFill>
+              <a:schemeClr val="tx1">
+                <a:lumMod val="85000"/>
+              </a:schemeClr>
+            </a:solidFill>
+          </a:ln>
+        </p:spPr>
+        <p:style>
+          <a:lnRef idx="1">
+            <a:schemeClr val="accent1"/>
+          </a:lnRef>
+          <a:fillRef idx="0">
+            <a:schemeClr val="accent1"/>
+          </a:fillRef>
+          <a:effectRef idx="0">
+            <a:schemeClr val="accent1"/>
+          </a:effectRef>
+          <a:fontRef idx="minor">
+            <a:schemeClr val="tx1"/>
+          </a:fontRef>
+        </p:style>
+      </p:cxnSp>
+      <p:sp>
+        <p:nvSpPr>
           <p:cNvPr id="2" name="Title 1">
             <a:extLst>
               <a:ext uri="{FF2B5EF4-FFF2-40B4-BE49-F238E27FC236}">
@@ -3353,14 +7340,21 @@
             <p:ph type="ctrTitle"/>
           </p:nvPr>
         </p:nvSpPr>
-        <p:spPr/>
+        <p:spPr>
+          <a:xfrm>
+            <a:off x="1524000" y="1122362"/>
+            <a:ext cx="9144000" cy="2840037"/>
+          </a:xfrm>
+        </p:spPr>
         <p:txBody>
-          <a:bodyPr/>
+          <a:bodyPr>
+            <a:normAutofit/>
+          </a:bodyPr>
           <a:lstStyle/>
           <a:p>
             <a:r>
-              <a:rPr lang="en-US" dirty="0"/>
-              <a:t>Azure, IoT, and Lambda Architecture</a:t>
+              <a:rPr lang="en-US" sz="5800"/>
+              <a:t>An Intro to Lambda Architecture</a:t>
             </a:r>
           </a:p>
         </p:txBody>
@@ -3381,34 +7375,50 @@
             <p:ph type="subTitle" idx="1"/>
           </p:nvPr>
         </p:nvSpPr>
-        <p:spPr/>
+        <p:spPr>
+          <a:xfrm>
+            <a:off x="1524000" y="4256436"/>
+            <a:ext cx="9144000" cy="1600818"/>
+          </a:xfrm>
+        </p:spPr>
         <p:txBody>
           <a:bodyPr>
-            <a:normAutofit lnSpcReduction="10000"/>
+            <a:normAutofit/>
           </a:bodyPr>
           <a:lstStyle/>
           <a:p>
-            <a:endParaRPr lang="en-US" dirty="0"/>
-          </a:p>
-          <a:p>
-            <a:endParaRPr lang="en-US" dirty="0"/>
+            <a:endParaRPr lang="en-US" sz="2000">
+              <a:solidFill>
+                <a:schemeClr val="accent1"/>
+              </a:solidFill>
+            </a:endParaRPr>
+          </a:p>
+          <a:p>
+            <a:endParaRPr lang="en-US" sz="2000">
+              <a:solidFill>
+                <a:schemeClr val="accent1"/>
+              </a:solidFill>
+            </a:endParaRPr>
           </a:p>
           <a:p>
             <a:r>
-              <a:rPr lang="en-US" dirty="0"/>
+              <a:rPr lang="en-US" sz="2000">
+                <a:solidFill>
+                  <a:schemeClr val="accent1"/>
+                </a:solidFill>
+              </a:rPr>
               <a:t>Josh Lane</a:t>
             </a:r>
           </a:p>
           <a:p>
             <a:r>
-              <a:rPr lang="en-US" dirty="0"/>
-              <a:t>@</a:t>
+              <a:rPr lang="en-US" sz="2000">
+                <a:solidFill>
+                  <a:schemeClr val="accent1"/>
+                </a:solidFill>
+              </a:rPr>
+              <a:t>@jplane</a:t>
             </a:r>
-            <a:r>
-              <a:rPr lang="en-US" dirty="0" err="1"/>
-              <a:t>jplane</a:t>
-            </a:r>
-            <a:endParaRPr lang="en-US" dirty="0"/>
           </a:p>
         </p:txBody>
       </p:sp>
@@ -3420,7 +7430,7 @@
     </p:extLst>
   </p:cSld>
   <p:clrMapOvr>
-    <a:masterClrMapping/>
+    <a:overrideClrMapping bg1="dk1" tx1="lt1" bg2="dk2" tx2="lt2" accent1="accent1" accent2="accent2" accent3="accent3" accent4="accent4" accent5="accent5" accent6="accent6" hlink="hlink" folHlink="folHlink"/>
   </p:clrMapOvr>
 </p:sld>
 </file>
@@ -3428,6 +7438,14 @@
 <file path=ppt/slides/slide10.xml><?xml version="1.0" encoding="utf-8"?>
 <p:sld xmlns:a="http://schemas.openxmlformats.org/drawingml/2006/main" xmlns:r="http://schemas.openxmlformats.org/officeDocument/2006/relationships" xmlns:p="http://schemas.openxmlformats.org/presentationml/2006/main">
   <p:cSld>
+    <p:bg>
+      <p:bgPr>
+        <a:solidFill>
+          <a:schemeClr val="bg1"/>
+        </a:solidFill>
+        <a:effectLst/>
+      </p:bgPr>
+    </p:bg>
     <p:spTree>
       <p:nvGrpSpPr>
         <p:cNvPr id="1" name=""/>
@@ -3458,9 +7476,16 @@
             <p:ph type="title"/>
           </p:nvPr>
         </p:nvSpPr>
-        <p:spPr/>
+        <p:spPr>
+          <a:xfrm>
+            <a:off x="838200" y="365125"/>
+            <a:ext cx="10515600" cy="1325563"/>
+          </a:xfrm>
+        </p:spPr>
         <p:txBody>
-          <a:bodyPr/>
+          <a:bodyPr>
+            <a:normAutofit/>
+          </a:bodyPr>
           <a:lstStyle/>
           <a:p>
             <a:r>
@@ -3470,111 +7495,37 @@
           </a:p>
         </p:txBody>
       </p:sp>
-      <p:sp>
-        <p:nvSpPr>
-          <p:cNvPr id="4" name="Content Placeholder 3">
-            <a:extLst>
-              <a:ext uri="{FF2B5EF4-FFF2-40B4-BE49-F238E27FC236}">
-                <a16:creationId xmlns:a16="http://schemas.microsoft.com/office/drawing/2014/main" id="{DABF0B20-82FF-414E-8560-CC261D61B531}"/>
-              </a:ext>
-            </a:extLst>
-          </p:cNvPr>
-          <p:cNvSpPr>
-            <a:spLocks noGrp="1"/>
-          </p:cNvSpPr>
+      <p:graphicFrame>
+        <p:nvGraphicFramePr>
+          <p:cNvPr id="6" name="Content Placeholder 3">
+            <a:extLst>
+              <a:ext uri="{FF2B5EF4-FFF2-40B4-BE49-F238E27FC236}">
+                <a16:creationId xmlns:a16="http://schemas.microsoft.com/office/drawing/2014/main" id="{8A3182C0-4EA1-47EF-BBC6-33EFA9131D9A}"/>
+              </a:ext>
+            </a:extLst>
+          </p:cNvPr>
+          <p:cNvGraphicFramePr>
+            <a:graphicFrameLocks noGrp="1"/>
+          </p:cNvGraphicFramePr>
           <p:nvPr>
             <p:ph idx="1"/>
+            <p:extLst>
+              <p:ext uri="{D42A27DB-BD31-4B8C-83A1-F6EECF244321}">
+                <p14:modId xmlns:p14="http://schemas.microsoft.com/office/powerpoint/2010/main" val="3167300673"/>
+              </p:ext>
+            </p:extLst>
           </p:nvPr>
-        </p:nvSpPr>
-        <p:spPr/>
-        <p:txBody>
-          <a:bodyPr>
-            <a:normAutofit fontScale="92500" lnSpcReduction="20000"/>
-          </a:bodyPr>
-          <a:lstStyle/>
-          <a:p>
-            <a:r>
-              <a:rPr lang="en-US" dirty="0"/>
-              <a:t>Message ingest</a:t>
-            </a:r>
-          </a:p>
-          <a:p>
-            <a:pPr lvl="1"/>
-            <a:r>
-              <a:rPr lang="en-US" dirty="0"/>
-              <a:t>IoT Hub</a:t>
-            </a:r>
-          </a:p>
-          <a:p>
-            <a:r>
-              <a:rPr lang="en-US" dirty="0"/>
-              <a:t>Speed (“real-time”) processing</a:t>
-            </a:r>
-          </a:p>
-          <a:p>
-            <a:pPr lvl="1"/>
-            <a:r>
-              <a:rPr lang="en-US" dirty="0"/>
-              <a:t>Stream Analytics + Cosmos DB</a:t>
-            </a:r>
-          </a:p>
-          <a:p>
-            <a:r>
-              <a:rPr lang="en-US" dirty="0"/>
-              <a:t>Batch processing</a:t>
-            </a:r>
-          </a:p>
-          <a:p>
-            <a:pPr lvl="1"/>
-            <a:r>
-              <a:rPr lang="en-US" dirty="0"/>
-              <a:t>Data Lake</a:t>
-            </a:r>
-          </a:p>
-          <a:p>
-            <a:r>
-              <a:rPr lang="en-US" dirty="0"/>
-              <a:t>Serving layer</a:t>
-            </a:r>
-          </a:p>
-          <a:p>
-            <a:pPr lvl="1"/>
-            <a:r>
-              <a:rPr lang="en-US" dirty="0"/>
-              <a:t>Power BI</a:t>
-            </a:r>
-          </a:p>
-          <a:p>
-            <a:r>
-              <a:rPr lang="en-US" dirty="0"/>
-              <a:t>Cheap long-term storage</a:t>
-            </a:r>
-          </a:p>
-          <a:p>
-            <a:pPr lvl="1"/>
-            <a:r>
-              <a:rPr lang="en-US" dirty="0"/>
-              <a:t>Blob Storage</a:t>
-            </a:r>
-          </a:p>
-          <a:p>
-            <a:r>
-              <a:rPr lang="en-US" dirty="0"/>
-              <a:t>Event-driven processing</a:t>
-            </a:r>
-          </a:p>
-          <a:p>
-            <a:pPr lvl="1"/>
-            <a:r>
-              <a:rPr lang="en-US" dirty="0"/>
-              <a:t>Event Grid</a:t>
-            </a:r>
-          </a:p>
-          <a:p>
-            <a:endParaRPr lang="en-US" dirty="0"/>
-          </a:p>
-        </p:txBody>
-      </p:sp>
+        </p:nvGraphicFramePr>
+        <p:xfrm>
+          <a:off x="838200" y="1825625"/>
+          <a:ext cx="10515600" cy="4351338"/>
+        </p:xfrm>
+        <a:graphic>
+          <a:graphicData uri="http://schemas.openxmlformats.org/drawingml/2006/diagram">
+            <dgm:relIds xmlns:dgm="http://schemas.openxmlformats.org/drawingml/2006/diagram" xmlns:r="http://schemas.openxmlformats.org/officeDocument/2006/relationships" r:dm="rId2" r:lo="rId3" r:qs="rId4" r:cs="rId5"/>
+          </a:graphicData>
+        </a:graphic>
+      </p:graphicFrame>
     </p:spTree>
     <p:extLst>
       <p:ext uri="{BB962C8B-B14F-4D97-AF65-F5344CB8AC3E}">
@@ -3591,6 +7542,14 @@
 <file path=ppt/slides/slide11.xml><?xml version="1.0" encoding="utf-8"?>
 <p:sld xmlns:a="http://schemas.openxmlformats.org/drawingml/2006/main" xmlns:r="http://schemas.openxmlformats.org/officeDocument/2006/relationships" xmlns:p="http://schemas.openxmlformats.org/presentationml/2006/main">
   <p:cSld>
+    <p:bg>
+      <p:bgPr>
+        <a:solidFill>
+          <a:schemeClr val="bg1"/>
+        </a:solidFill>
+        <a:effectLst/>
+      </p:bgPr>
+    </p:bg>
     <p:spTree>
       <p:nvGrpSpPr>
         <p:cNvPr id="1" name=""/>
@@ -3607,133 +7566,183 @@
       </p:grpSpPr>
       <p:sp>
         <p:nvSpPr>
-          <p:cNvPr id="2" name="Title 1">
-            <a:extLst>
-              <a:ext uri="{FF2B5EF4-FFF2-40B4-BE49-F238E27FC236}">
-                <a16:creationId xmlns:a16="http://schemas.microsoft.com/office/drawing/2014/main" id="{CC369A05-11B9-4A3C-A398-0CB77E4149C4}"/>
+          <p:cNvPr id="72" name="Rectangle 71">
+            <a:extLst>
+              <a:ext uri="{FF2B5EF4-FFF2-40B4-BE49-F238E27FC236}">
+                <a16:creationId xmlns:a16="http://schemas.microsoft.com/office/drawing/2014/main" id="{32BC26D8-82FB-445E-AA49-62A77D7C1EE0}"/>
+              </a:ext>
+              <a:ext uri="{C183D7F6-B498-43B3-948B-1728B52AA6E4}">
+                <adec:decorative xmlns="" xmlns:adec="http://schemas.microsoft.com/office/drawing/2017/decorative" val="1"/>
               </a:ext>
             </a:extLst>
           </p:cNvPr>
           <p:cNvSpPr>
-            <a:spLocks noGrp="1"/>
+            <a:spLocks noGrp="1" noRot="1" noChangeAspect="1" noMove="1" noResize="1" noEditPoints="1" noAdjustHandles="1" noChangeArrowheads="1" noChangeShapeType="1" noTextEdit="1"/>
           </p:cNvSpPr>
           <p:nvPr>
-            <p:ph type="title"/>
+            <p:extLst>
+              <p:ext uri="{386F3935-93C4-4BCD-93E2-E3B085C9AB24}">
+                <p16:designElem xmlns:p16="http://schemas.microsoft.com/office/powerpoint/2015/main" val="1"/>
+              </p:ext>
+            </p:extLst>
           </p:nvPr>
         </p:nvSpPr>
-        <p:spPr/>
+        <p:spPr>
+          <a:xfrm>
+            <a:off x="0" y="0"/>
+            <a:ext cx="12192000" cy="6858000"/>
+          </a:xfrm>
+          <a:prstGeom prst="rect">
+            <a:avLst/>
+          </a:prstGeom>
+          <a:solidFill>
+            <a:srgbClr val="557292"/>
+          </a:solidFill>
+          <a:ln>
+            <a:noFill/>
+          </a:ln>
+        </p:spPr>
+        <p:style>
+          <a:lnRef idx="2">
+            <a:schemeClr val="accent1">
+              <a:shade val="50000"/>
+            </a:schemeClr>
+          </a:lnRef>
+          <a:fillRef idx="1">
+            <a:schemeClr val="accent1"/>
+          </a:fillRef>
+          <a:effectRef idx="0">
+            <a:schemeClr val="accent1"/>
+          </a:effectRef>
+          <a:fontRef idx="minor">
+            <a:schemeClr val="lt1"/>
+          </a:fontRef>
+        </p:style>
         <p:txBody>
-          <a:bodyPr/>
+          <a:bodyPr rtlCol="0" anchor="ctr"/>
           <a:lstStyle/>
           <a:p>
-            <a:r>
-              <a:rPr lang="en-US" dirty="0"/>
-              <a:t>More info</a:t>
-            </a:r>
+            <a:pPr algn="ctr"/>
+            <a:endParaRPr lang="en-US"/>
           </a:p>
         </p:txBody>
       </p:sp>
       <p:sp>
         <p:nvSpPr>
-          <p:cNvPr id="3" name="Content Placeholder 2">
-            <a:extLst>
-              <a:ext uri="{FF2B5EF4-FFF2-40B4-BE49-F238E27FC236}">
-                <a16:creationId xmlns:a16="http://schemas.microsoft.com/office/drawing/2014/main" id="{8F42EC04-210C-4DA9-A39A-F57CB9CA5E00}"/>
+          <p:cNvPr id="74" name="Rectangle 73">
+            <a:extLst>
+              <a:ext uri="{FF2B5EF4-FFF2-40B4-BE49-F238E27FC236}">
+                <a16:creationId xmlns:a16="http://schemas.microsoft.com/office/drawing/2014/main" id="{CB44330D-EA18-4254-AA95-EB49948539B8}"/>
+              </a:ext>
+              <a:ext uri="{C183D7F6-B498-43B3-948B-1728B52AA6E4}">
+                <adec:decorative xmlns="" xmlns:adec="http://schemas.microsoft.com/office/drawing/2017/decorative" val="1"/>
               </a:ext>
             </a:extLst>
           </p:cNvPr>
           <p:cNvSpPr>
-            <a:spLocks noGrp="1"/>
+            <a:spLocks noGrp="1" noRot="1" noChangeAspect="1" noMove="1" noResize="1" noEditPoints="1" noAdjustHandles="1" noChangeArrowheads="1" noChangeShapeType="1" noTextEdit="1"/>
           </p:cNvSpPr>
+          <p:nvPr>
+            <p:extLst>
+              <p:ext uri="{386F3935-93C4-4BCD-93E2-E3B085C9AB24}">
+                <p16:designElem xmlns:p16="http://schemas.microsoft.com/office/powerpoint/2015/main" val="1"/>
+              </p:ext>
+            </p:extLst>
+          </p:nvPr>
+        </p:nvSpPr>
+        <p:spPr>
+          <a:xfrm>
+            <a:off x="477012" y="480060"/>
+            <a:ext cx="11237976" cy="5897880"/>
+          </a:xfrm>
+          <a:prstGeom prst="rect">
+            <a:avLst/>
+          </a:prstGeom>
+          <a:solidFill>
+            <a:srgbClr val="FFFFFF"/>
+          </a:solidFill>
+          <a:ln>
+            <a:noFill/>
+          </a:ln>
+        </p:spPr>
+        <p:style>
+          <a:lnRef idx="2">
+            <a:schemeClr val="accent1">
+              <a:shade val="50000"/>
+            </a:schemeClr>
+          </a:lnRef>
+          <a:fillRef idx="1">
+            <a:schemeClr val="accent1"/>
+          </a:fillRef>
+          <a:effectRef idx="0">
+            <a:schemeClr val="accent1"/>
+          </a:effectRef>
+          <a:fontRef idx="minor">
+            <a:schemeClr val="lt1"/>
+          </a:fontRef>
+        </p:style>
+        <p:txBody>
+          <a:bodyPr rtlCol="0" anchor="ctr"/>
+          <a:lstStyle/>
+          <a:p>
+            <a:pPr algn="ctr"/>
+            <a:endParaRPr lang="en-US"/>
+          </a:p>
+        </p:txBody>
+      </p:sp>
+      <p:pic>
+        <p:nvPicPr>
+          <p:cNvPr id="1029" name="Picture 2" descr="Image result for lambda architecture spark">
+            <a:extLst>
+              <a:ext uri="{FF2B5EF4-FFF2-40B4-BE49-F238E27FC236}">
+                <a16:creationId xmlns:a16="http://schemas.microsoft.com/office/drawing/2014/main" id="{EB89A715-12C3-4EC1-8661-FE2818A00D69}"/>
+              </a:ext>
+            </a:extLst>
+          </p:cNvPr>
+          <p:cNvPicPr>
+            <a:picLocks noGrp="1" noChangeAspect="1" noChangeArrowheads="1"/>
+          </p:cNvPicPr>
           <p:nvPr>
             <p:ph idx="1"/>
           </p:nvPr>
-        </p:nvSpPr>
-        <p:spPr/>
-        <p:txBody>
-          <a:bodyPr/>
-          <a:lstStyle/>
-          <a:p>
-            <a:r>
-              <a:rPr lang="en-US" dirty="0">
-                <a:hlinkClick r:id="rId2"/>
-              </a:rPr>
-              <a:t>https://github.com/jplane/aid-meetup</a:t>
-            </a:r>
-            <a:endParaRPr lang="en-US" dirty="0"/>
-          </a:p>
-          <a:p>
-            <a:r>
-              <a:rPr lang="en-US" dirty="0">
-                <a:hlinkClick r:id="rId3"/>
-              </a:rPr>
-              <a:t>https://en.wikipedia.org/wiki/Lambda_architecture</a:t>
-            </a:r>
-            <a:endParaRPr lang="en-US" dirty="0"/>
-          </a:p>
-          <a:p>
-            <a:r>
-              <a:rPr lang="en-US" dirty="0">
-                <a:hlinkClick r:id="rId4"/>
-              </a:rPr>
-              <a:t>https://azure.microsoft.com/en-us/services/iot-hub/</a:t>
-            </a:r>
-            <a:endParaRPr lang="en-US" dirty="0"/>
-          </a:p>
-          <a:p>
-            <a:r>
-              <a:rPr lang="en-US" dirty="0">
-                <a:hlinkClick r:id="rId5"/>
-              </a:rPr>
-              <a:t>https://azure.microsoft.com/en-us/services/stream-analytics/</a:t>
-            </a:r>
-            <a:endParaRPr lang="en-US" dirty="0"/>
-          </a:p>
-          <a:p>
-            <a:r>
-              <a:rPr lang="en-US" dirty="0">
-                <a:hlinkClick r:id="rId6"/>
-              </a:rPr>
-              <a:t>https://azure.microsoft.com/en-us/solutions/data-lake/</a:t>
-            </a:r>
-            <a:endParaRPr lang="en-US" dirty="0"/>
-          </a:p>
-          <a:p>
-            <a:r>
-              <a:rPr lang="en-US" dirty="0">
-                <a:hlinkClick r:id="rId7"/>
-              </a:rPr>
-              <a:t>https://azure.microsoft.com/en-us/services/cosmos-db/</a:t>
-            </a:r>
-            <a:endParaRPr lang="en-US" dirty="0"/>
-          </a:p>
-          <a:p>
-            <a:r>
-              <a:rPr lang="en-US" dirty="0">
-                <a:hlinkClick r:id="rId8"/>
-              </a:rPr>
-              <a:t>https://powerbi.microsoft.com/en-us/</a:t>
-            </a:r>
-            <a:endParaRPr lang="en-US" dirty="0"/>
-          </a:p>
-          <a:p>
-            <a:r>
-              <a:rPr lang="en-US" dirty="0">
-                <a:hlinkClick r:id="rId9"/>
-              </a:rPr>
-              <a:t>https://azure.microsoft.com/en-us/services/event-grid/</a:t>
-            </a:r>
-            <a:endParaRPr lang="en-US" dirty="0"/>
-          </a:p>
-          <a:p>
-            <a:endParaRPr lang="en-US" dirty="0"/>
-          </a:p>
-        </p:txBody>
-      </p:sp>
+        </p:nvPicPr>
+        <p:blipFill>
+          <a:blip r:embed="rId2">
+            <a:extLst>
+              <a:ext uri="{28A0092B-C50C-407E-A947-70E740481C1C}">
+                <a14:useLocalDpi xmlns:a14="http://schemas.microsoft.com/office/drawing/2010/main" val="0"/>
+              </a:ext>
+            </a:extLst>
+          </a:blip>
+          <a:srcRect/>
+          <a:stretch>
+            <a:fillRect/>
+          </a:stretch>
+        </p:blipFill>
+        <p:spPr bwMode="auto">
+          <a:xfrm>
+            <a:off x="643467" y="1098042"/>
+            <a:ext cx="10905066" cy="4661915"/>
+          </a:xfrm>
+          <a:prstGeom prst="rect">
+            <a:avLst/>
+          </a:prstGeom>
+          <a:noFill/>
+          <a:extLst>
+            <a:ext uri="{909E8E84-426E-40DD-AFC4-6F175D3DCCD1}">
+              <a14:hiddenFill xmlns:a14="http://schemas.microsoft.com/office/drawing/2010/main">
+                <a:solidFill>
+                  <a:srgbClr val="FFFFFF"/>
+                </a:solidFill>
+              </a14:hiddenFill>
+            </a:ext>
+          </a:extLst>
+        </p:spPr>
+      </p:pic>
     </p:spTree>
     <p:extLst>
       <p:ext uri="{BB962C8B-B14F-4D97-AF65-F5344CB8AC3E}">
-        <p14:creationId xmlns:p14="http://schemas.microsoft.com/office/powerpoint/2010/main" val="1553939920"/>
+        <p14:creationId xmlns:p14="http://schemas.microsoft.com/office/powerpoint/2010/main" val="555778487"/>
       </p:ext>
     </p:extLst>
   </p:cSld>
@@ -3762,6 +7771,248 @@
       </p:grpSpPr>
       <p:sp>
         <p:nvSpPr>
+          <p:cNvPr id="2" name="Title 1">
+            <a:extLst>
+              <a:ext uri="{FF2B5EF4-FFF2-40B4-BE49-F238E27FC236}">
+                <a16:creationId xmlns:a16="http://schemas.microsoft.com/office/drawing/2014/main" id="{CC369A05-11B9-4A3C-A398-0CB77E4149C4}"/>
+              </a:ext>
+            </a:extLst>
+          </p:cNvPr>
+          <p:cNvSpPr>
+            <a:spLocks noGrp="1"/>
+          </p:cNvSpPr>
+          <p:nvPr>
+            <p:ph type="title"/>
+          </p:nvPr>
+        </p:nvSpPr>
+        <p:spPr/>
+        <p:txBody>
+          <a:bodyPr/>
+          <a:lstStyle/>
+          <a:p>
+            <a:r>
+              <a:rPr lang="en-US" dirty="0"/>
+              <a:t>More info</a:t>
+            </a:r>
+          </a:p>
+        </p:txBody>
+      </p:sp>
+      <p:sp>
+        <p:nvSpPr>
+          <p:cNvPr id="3" name="Content Placeholder 2">
+            <a:extLst>
+              <a:ext uri="{FF2B5EF4-FFF2-40B4-BE49-F238E27FC236}">
+                <a16:creationId xmlns:a16="http://schemas.microsoft.com/office/drawing/2014/main" id="{8F42EC04-210C-4DA9-A39A-F57CB9CA5E00}"/>
+              </a:ext>
+            </a:extLst>
+          </p:cNvPr>
+          <p:cNvSpPr>
+            <a:spLocks noGrp="1"/>
+          </p:cNvSpPr>
+          <p:nvPr>
+            <p:ph idx="1"/>
+          </p:nvPr>
+        </p:nvSpPr>
+        <p:spPr/>
+        <p:txBody>
+          <a:bodyPr/>
+          <a:lstStyle/>
+          <a:p>
+            <a:pPr marL="0" indent="0">
+              <a:buNone/>
+            </a:pPr>
+            <a:r>
+              <a:rPr lang="en-US" dirty="0">
+                <a:hlinkClick r:id="rId2"/>
+              </a:rPr>
+              <a:t>https://en.wikipedia.org/wiki/Lambda_architecture</a:t>
+            </a:r>
+            <a:endParaRPr lang="en-US" dirty="0"/>
+          </a:p>
+          <a:p>
+            <a:pPr marL="0" indent="0">
+              <a:buNone/>
+            </a:pPr>
+            <a:r>
+              <a:rPr lang="en-US" dirty="0">
+                <a:hlinkClick r:id="rId3"/>
+              </a:rPr>
+              <a:t>https://azure.microsoft.com/en-us/services/iot-hub/</a:t>
+            </a:r>
+            <a:endParaRPr lang="en-US" dirty="0"/>
+          </a:p>
+          <a:p>
+            <a:pPr marL="0" indent="0">
+              <a:buNone/>
+            </a:pPr>
+            <a:r>
+              <a:rPr lang="en-US" dirty="0">
+                <a:hlinkClick r:id="rId4"/>
+              </a:rPr>
+              <a:t>https://azure.microsoft.com/en-us/services/stream-analytics/</a:t>
+            </a:r>
+            <a:endParaRPr lang="en-US" dirty="0"/>
+          </a:p>
+          <a:p>
+            <a:pPr marL="0" indent="0">
+              <a:buNone/>
+            </a:pPr>
+            <a:r>
+              <a:rPr lang="en-US" dirty="0">
+                <a:hlinkClick r:id="rId5"/>
+              </a:rPr>
+              <a:t>https://azure.microsoft.com/en-us/solutions/data-lake/</a:t>
+            </a:r>
+            <a:endParaRPr lang="en-US" dirty="0"/>
+          </a:p>
+          <a:p>
+            <a:pPr marL="0" indent="0">
+              <a:buNone/>
+            </a:pPr>
+            <a:r>
+              <a:rPr lang="en-US" dirty="0">
+                <a:hlinkClick r:id="rId6"/>
+              </a:rPr>
+              <a:t>https://azure.microsoft.com/en-us/services/cosmos-db/</a:t>
+            </a:r>
+            <a:endParaRPr lang="en-US" dirty="0"/>
+          </a:p>
+          <a:p>
+            <a:pPr marL="0" indent="0">
+              <a:buNone/>
+            </a:pPr>
+            <a:r>
+              <a:rPr lang="en-US" dirty="0">
+                <a:hlinkClick r:id="rId7"/>
+              </a:rPr>
+              <a:t>https://powerbi.microsoft.com/en-us/</a:t>
+            </a:r>
+            <a:endParaRPr lang="en-US" dirty="0"/>
+          </a:p>
+          <a:p>
+            <a:pPr marL="0" indent="0">
+              <a:buNone/>
+            </a:pPr>
+            <a:r>
+              <a:rPr lang="en-US" dirty="0">
+                <a:hlinkClick r:id="rId8"/>
+              </a:rPr>
+              <a:t>https://azure.microsoft.com/en-us/services/event-grid/</a:t>
+            </a:r>
+            <a:endParaRPr lang="en-US" dirty="0"/>
+          </a:p>
+          <a:p>
+            <a:endParaRPr lang="en-US" dirty="0"/>
+          </a:p>
+        </p:txBody>
+      </p:sp>
+    </p:spTree>
+    <p:extLst>
+      <p:ext uri="{BB962C8B-B14F-4D97-AF65-F5344CB8AC3E}">
+        <p14:creationId xmlns:p14="http://schemas.microsoft.com/office/powerpoint/2010/main" val="1553939920"/>
+      </p:ext>
+    </p:extLst>
+  </p:cSld>
+  <p:clrMapOvr>
+    <a:masterClrMapping/>
+  </p:clrMapOvr>
+</p:sld>
+</file>
+
+<file path=ppt/slides/slide13.xml><?xml version="1.0" encoding="utf-8"?>
+<p:sld xmlns:a="http://schemas.openxmlformats.org/drawingml/2006/main" xmlns:r="http://schemas.openxmlformats.org/officeDocument/2006/relationships" xmlns:p="http://schemas.openxmlformats.org/presentationml/2006/main">
+  <p:cSld>
+    <p:bg>
+      <p:bgPr>
+        <a:solidFill>
+          <a:schemeClr val="bg1"/>
+        </a:solidFill>
+        <a:effectLst/>
+      </p:bgPr>
+    </p:bg>
+    <p:spTree>
+      <p:nvGrpSpPr>
+        <p:cNvPr id="1" name=""/>
+        <p:cNvGrpSpPr/>
+        <p:nvPr/>
+      </p:nvGrpSpPr>
+      <p:grpSpPr>
+        <a:xfrm>
+          <a:off x="0" y="0"/>
+          <a:ext cx="0" cy="0"/>
+          <a:chOff x="0" y="0"/>
+          <a:chExt cx="0" cy="0"/>
+        </a:xfrm>
+      </p:grpSpPr>
+      <p:pic>
+        <p:nvPicPr>
+          <p:cNvPr id="5" name="Content Placeholder 4">
+            <a:extLst>
+              <a:ext uri="{FF2B5EF4-FFF2-40B4-BE49-F238E27FC236}">
+                <a16:creationId xmlns:a16="http://schemas.microsoft.com/office/drawing/2014/main" id="{01601D0C-F642-4F1A-A3E4-F2DF4E6880CE}"/>
+              </a:ext>
+            </a:extLst>
+          </p:cNvPr>
+          <p:cNvPicPr>
+            <a:picLocks noGrp="1" noChangeAspect="1"/>
+          </p:cNvPicPr>
+          <p:nvPr>
+            <p:ph idx="1"/>
+          </p:nvPr>
+        </p:nvPicPr>
+        <p:blipFill rotWithShape="1">
+          <a:blip r:embed="rId2">
+            <a:extLst>
+              <a:ext uri="{28A0092B-C50C-407E-A947-70E740481C1C}">
+                <a14:useLocalDpi xmlns:a14="http://schemas.microsoft.com/office/drawing/2010/main" val="0"/>
+              </a:ext>
+            </a:extLst>
+          </a:blip>
+          <a:srcRect t="4328" b="25360"/>
+          <a:stretch/>
+        </p:blipFill>
+        <p:spPr>
+          <a:xfrm>
+            <a:off x="20" y="10"/>
+            <a:ext cx="12191980" cy="6857990"/>
+          </a:xfrm>
+          <a:prstGeom prst="rect">
+            <a:avLst/>
+          </a:prstGeom>
+        </p:spPr>
+      </p:pic>
+    </p:spTree>
+    <p:extLst>
+      <p:ext uri="{BB962C8B-B14F-4D97-AF65-F5344CB8AC3E}">
+        <p14:creationId xmlns:p14="http://schemas.microsoft.com/office/powerpoint/2010/main" val="2505532365"/>
+      </p:ext>
+    </p:extLst>
+  </p:cSld>
+  <p:clrMapOvr>
+    <a:masterClrMapping/>
+  </p:clrMapOvr>
+</p:sld>
+</file>
+
+<file path=ppt/slides/slide14.xml><?xml version="1.0" encoding="utf-8"?>
+<p:sld xmlns:a="http://schemas.openxmlformats.org/drawingml/2006/main" xmlns:r="http://schemas.openxmlformats.org/officeDocument/2006/relationships" xmlns:p="http://schemas.openxmlformats.org/presentationml/2006/main">
+  <p:cSld>
+    <p:spTree>
+      <p:nvGrpSpPr>
+        <p:cNvPr id="1" name=""/>
+        <p:cNvGrpSpPr/>
+        <p:nvPr/>
+      </p:nvGrpSpPr>
+      <p:grpSpPr>
+        <a:xfrm>
+          <a:off x="0" y="0"/>
+          <a:ext cx="0" cy="0"/>
+          <a:chOff x="0" y="0"/>
+          <a:chExt cx="0" cy="0"/>
+        </a:xfrm>
+      </p:grpSpPr>
+      <p:sp>
+        <p:nvSpPr>
           <p:cNvPr id="4" name="Title 3">
             <a:extLst>
               <a:ext uri="{FF2B5EF4-FFF2-40B4-BE49-F238E27FC236}">
@@ -3829,6 +8080,14 @@
 <file path=ppt/slides/slide2.xml><?xml version="1.0" encoding="utf-8"?>
 <p:sld xmlns:a="http://schemas.openxmlformats.org/drawingml/2006/main" xmlns:r="http://schemas.openxmlformats.org/officeDocument/2006/relationships" xmlns:p="http://schemas.openxmlformats.org/presentationml/2006/main">
   <p:cSld>
+    <p:bg>
+      <p:bgPr>
+        <a:solidFill>
+          <a:schemeClr val="bg1"/>
+        </a:solidFill>
+        <a:effectLst/>
+      </p:bgPr>
+    </p:bg>
     <p:spTree>
       <p:nvGrpSpPr>
         <p:cNvPr id="1" name=""/>
@@ -3859,13 +8118,13 @@
               </a:ext>
             </a:extLst>
           </a:blip>
-          <a:srcRect t="879"/>
+          <a:srcRect t="878" r="1" b="1"/>
           <a:stretch/>
         </p:blipFill>
         <p:spPr>
           <a:xfrm>
-            <a:off x="7556408" y="10"/>
-            <a:ext cx="4635591" cy="6857990"/>
+            <a:off x="20" y="10"/>
+            <a:ext cx="4635571" cy="6857990"/>
           </a:xfrm>
           <a:prstGeom prst="rect">
             <a:avLst/>
@@ -3873,6 +8132,58 @@
           <a:effectLst/>
         </p:spPr>
       </p:pic>
+      <p:cxnSp>
+        <p:nvCxnSpPr>
+          <p:cNvPr id="23" name="Straight Connector 22">
+            <a:extLst>
+              <a:ext uri="{FF2B5EF4-FFF2-40B4-BE49-F238E27FC236}">
+                <a16:creationId xmlns:a16="http://schemas.microsoft.com/office/drawing/2014/main" id="{A7F400EE-A8A5-48AF-B4D6-291B52C6F0B0}"/>
+              </a:ext>
+              <a:ext uri="{C183D7F6-B498-43B3-948B-1728B52AA6E4}">
+                <adec:decorative xmlns="" xmlns:adec="http://schemas.microsoft.com/office/drawing/2017/decorative" val="1"/>
+              </a:ext>
+            </a:extLst>
+          </p:cNvPr>
+          <p:cNvCxnSpPr>
+            <a:cxnSpLocks noGrp="1" noRot="1" noChangeAspect="1" noMove="1" noResize="1" noEditPoints="1" noAdjustHandles="1" noChangeArrowheads="1" noChangeShapeType="1"/>
+          </p:cNvCxnSpPr>
+          <p:nvPr>
+            <p:extLst>
+              <p:ext uri="{386F3935-93C4-4BCD-93E2-E3B085C9AB24}">
+                <p16:designElem xmlns:p16="http://schemas.microsoft.com/office/powerpoint/2015/main" val="1"/>
+              </p:ext>
+            </p:extLst>
+          </p:nvPr>
+        </p:nvCxnSpPr>
+        <p:spPr>
+          <a:xfrm>
+            <a:off x="5080934" y="2115117"/>
+            <a:ext cx="6309360" cy="0"/>
+          </a:xfrm>
+          <a:prstGeom prst="line">
+            <a:avLst/>
+          </a:prstGeom>
+          <a:ln w="19050">
+            <a:solidFill>
+              <a:schemeClr val="accent1"/>
+            </a:solidFill>
+          </a:ln>
+        </p:spPr>
+        <p:style>
+          <a:lnRef idx="1">
+            <a:schemeClr val="accent1"/>
+          </a:lnRef>
+          <a:fillRef idx="0">
+            <a:schemeClr val="accent1"/>
+          </a:fillRef>
+          <a:effectRef idx="0">
+            <a:schemeClr val="accent1"/>
+          </a:effectRef>
+          <a:fontRef idx="minor">
+            <a:schemeClr val="tx1"/>
+          </a:fontRef>
+        </p:style>
+      </p:cxnSp>
       <p:sp>
         <p:nvSpPr>
           <p:cNvPr id="2" name="Title 1"/>
@@ -3885,12 +8196,12 @@
         </p:nvSpPr>
         <p:spPr>
           <a:xfrm>
-            <a:off x="648929" y="629266"/>
-            <a:ext cx="6586491" cy="1676603"/>
+            <a:off x="4965430" y="629268"/>
+            <a:ext cx="6586491" cy="1286160"/>
           </a:xfrm>
         </p:spPr>
         <p:txBody>
-          <a:bodyPr>
+          <a:bodyPr anchor="b">
             <a:normAutofit/>
           </a:bodyPr>
           <a:lstStyle/>
@@ -3914,7 +8225,7 @@
         </p:nvSpPr>
         <p:spPr>
           <a:xfrm>
-            <a:off x="648930" y="2438400"/>
+            <a:off x="4965431" y="2438400"/>
             <a:ext cx="6586489" cy="3785419"/>
           </a:xfrm>
         </p:spPr>
@@ -3924,14 +8235,20 @@
           </a:bodyPr>
           <a:lstStyle/>
           <a:p>
+            <a:pPr marL="0" indent="0">
+              <a:buNone/>
+            </a:pPr>
             <a:r>
-              <a:rPr lang="en-US" sz="2400" dirty="0"/>
+              <a:rPr lang="en-US" sz="2000" dirty="0"/>
               <a:t>Independent consultant</a:t>
             </a:r>
           </a:p>
           <a:p>
+            <a:pPr marL="0" indent="0">
+              <a:buNone/>
+            </a:pPr>
             <a:r>
-              <a:rPr lang="en-US" sz="2400" dirty="0"/>
+              <a:rPr lang="en-US" sz="2000" dirty="0"/>
               <a:t>20+ years as developer, architect, instructor, amateur psychiatrist</a:t>
             </a:r>
           </a:p>
@@ -3943,35 +8260,27 @@
             </a:r>
           </a:p>
           <a:p>
+            <a:pPr marL="0" indent="0">
+              <a:buNone/>
+            </a:pPr>
             <a:r>
-              <a:rPr lang="en-US" sz="2400" dirty="0"/>
+              <a:rPr lang="en-US" sz="2000" dirty="0"/>
               <a:t>Microsoft Azure MVP</a:t>
             </a:r>
           </a:p>
           <a:p>
-            <a:pPr lvl="1"/>
+            <a:pPr marL="0" indent="0">
+              <a:buNone/>
+            </a:pPr>
             <a:r>
               <a:rPr lang="en-US" sz="2000" dirty="0"/>
-              <a:t>I don’t work for Microsoft </a:t>
-            </a:r>
-            <a:r>
-              <a:rPr lang="en-US" sz="2000" dirty="0">
-                <a:sym typeface="Wingdings" panose="05000000000000000000" pitchFamily="2" charset="2"/>
-              </a:rPr>
-              <a:t></a:t>
-            </a:r>
-            <a:endParaRPr lang="en-US" sz="2000" dirty="0"/>
-          </a:p>
-          <a:p>
-            <a:r>
-              <a:rPr lang="en-US" sz="2400" dirty="0"/>
               <a:t>@</a:t>
             </a:r>
             <a:r>
-              <a:rPr lang="en-US" sz="2400" dirty="0" err="1"/>
+              <a:rPr lang="en-US" sz="2000" dirty="0" err="1"/>
               <a:t>jplane</a:t>
             </a:r>
-            <a:endParaRPr lang="en-US" sz="2400" dirty="0"/>
+            <a:endParaRPr lang="en-US" sz="2000" dirty="0"/>
           </a:p>
           <a:p>
             <a:pPr lvl="1"/>
@@ -4040,7 +8349,7 @@
           <a:p>
             <a:r>
               <a:rPr lang="en-US" dirty="0"/>
-              <a:t>Data Challenges in IoT</a:t>
+              <a:t>Data Challenges in Enterprise</a:t>
             </a:r>
           </a:p>
         </p:txBody>
@@ -4064,7 +8373,7 @@
         <p:spPr/>
         <p:txBody>
           <a:bodyPr>
-            <a:normAutofit lnSpcReduction="10000"/>
+            <a:normAutofit/>
           </a:bodyPr>
           <a:lstStyle/>
           <a:p>
@@ -4086,10 +8395,15 @@
             </a:r>
           </a:p>
           <a:p>
-            <a:pPr lvl="1"/>
             <a:r>
               <a:rPr lang="en-US" dirty="0"/>
-              <a:t>Multiple devices and/or versions</a:t>
+              <a:t>Versioning</a:t>
+            </a:r>
+          </a:p>
+          <a:p>
+            <a:r>
+              <a:rPr lang="en-US" dirty="0"/>
+              <a:t>Single Source of Truth™</a:t>
             </a:r>
           </a:p>
           <a:p>
@@ -4101,36 +8415,13 @@
           <a:p>
             <a:r>
               <a:rPr lang="en-US" dirty="0"/>
-              <a:t>Storage</a:t>
+              <a:t>Storage technology</a:t>
             </a:r>
           </a:p>
           <a:p>
-            <a:r>
-              <a:rPr lang="en-US" dirty="0"/>
-              <a:t>Events vs. messages vs. commands</a:t>
-            </a:r>
-          </a:p>
-          <a:p>
-            <a:pPr lvl="1"/>
-            <a:r>
-              <a:rPr lang="en-US" dirty="0"/>
-              <a:t>Intent</a:t>
-            </a:r>
-          </a:p>
-          <a:p>
-            <a:r>
-              <a:rPr lang="en-US" dirty="0"/>
-              <a:t>Batching vs. streaming</a:t>
-            </a:r>
-          </a:p>
-          <a:p>
-            <a:pPr lvl="1"/>
-            <a:r>
-              <a:rPr lang="en-US" dirty="0"/>
-              <a:t>Liveness vs. scope</a:t>
-            </a:r>
-          </a:p>
-          <a:p>
+            <a:pPr marL="0" indent="0">
+              <a:buNone/>
+            </a:pPr>
             <a:endParaRPr lang="en-US" dirty="0"/>
           </a:p>
           <a:p>
@@ -4138,422 +8429,57 @@
           </a:p>
         </p:txBody>
       </p:sp>
+      <p:pic>
+        <p:nvPicPr>
+          <p:cNvPr id="2052" name="Picture 4" descr="Related image">
+            <a:extLst>
+              <a:ext uri="{FF2B5EF4-FFF2-40B4-BE49-F238E27FC236}">
+                <a16:creationId xmlns:a16="http://schemas.microsoft.com/office/drawing/2014/main" id="{118C02EC-2FD8-42E1-B6F3-53D5B9AEADBF}"/>
+              </a:ext>
+            </a:extLst>
+          </p:cNvPr>
+          <p:cNvPicPr>
+            <a:picLocks noChangeAspect="1" noChangeArrowheads="1"/>
+          </p:cNvPicPr>
+          <p:nvPr/>
+        </p:nvPicPr>
+        <p:blipFill>
+          <a:blip r:embed="rId2">
+            <a:extLst>
+              <a:ext uri="{28A0092B-C50C-407E-A947-70E740481C1C}">
+                <a14:useLocalDpi xmlns:a14="http://schemas.microsoft.com/office/drawing/2010/main" val="0"/>
+              </a:ext>
+            </a:extLst>
+          </a:blip>
+          <a:srcRect/>
+          <a:stretch>
+            <a:fillRect/>
+          </a:stretch>
+        </p:blipFill>
+        <p:spPr bwMode="auto">
+          <a:xfrm>
+            <a:off x="6658842" y="3171825"/>
+            <a:ext cx="5238750" cy="3686175"/>
+          </a:xfrm>
+          <a:prstGeom prst="rect">
+            <a:avLst/>
+          </a:prstGeom>
+          <a:noFill/>
+          <a:extLst>
+            <a:ext uri="{909E8E84-426E-40DD-AFC4-6F175D3DCCD1}">
+              <a14:hiddenFill xmlns:a14="http://schemas.microsoft.com/office/drawing/2010/main">
+                <a:solidFill>
+                  <a:srgbClr val="FFFFFF"/>
+                </a:solidFill>
+              </a14:hiddenFill>
+            </a:ext>
+          </a:extLst>
+        </p:spPr>
+      </p:pic>
     </p:spTree>
     <p:extLst>
       <p:ext uri="{BB962C8B-B14F-4D97-AF65-F5344CB8AC3E}">
         <p14:creationId xmlns:p14="http://schemas.microsoft.com/office/powerpoint/2010/main" val="3732696053"/>
-      </p:ext>
-    </p:extLst>
-  </p:cSld>
-  <p:clrMapOvr>
-    <a:masterClrMapping/>
-  </p:clrMapOvr>
-  <p:timing>
-    <p:tnLst>
-      <p:par>
-        <p:cTn id="1" dur="indefinite" restart="never" nodeType="tmRoot">
-          <p:childTnLst>
-            <p:seq concurrent="1" nextAc="seek">
-              <p:cTn id="2" dur="indefinite" nodeType="mainSeq">
-                <p:childTnLst>
-                  <p:par>
-                    <p:cTn id="3" fill="hold">
-                      <p:stCondLst>
-                        <p:cond delay="indefinite"/>
-                      </p:stCondLst>
-                      <p:childTnLst>
-                        <p:par>
-                          <p:cTn id="4" fill="hold">
-                            <p:stCondLst>
-                              <p:cond delay="0"/>
-                            </p:stCondLst>
-                            <p:childTnLst>
-                              <p:par>
-                                <p:cTn id="5" presetID="3" presetClass="emph" presetSubtype="2" fill="hold" nodeType="clickEffect">
-                                  <p:stCondLst>
-                                    <p:cond delay="0"/>
-                                  </p:stCondLst>
-                                  <p:childTnLst>
-                                    <p:animClr clrSpc="rgb" dir="cw">
-                                      <p:cBhvr override="childStyle">
-                                        <p:cTn id="6" dur="2000" fill="hold"/>
-                                        <p:tgtEl>
-                                          <p:spTgt spid="4">
-                                            <p:txEl>
-                                              <p:pRg st="8" end="8"/>
-                                            </p:txEl>
-                                          </p:spTgt>
-                                        </p:tgtEl>
-                                        <p:attrNameLst>
-                                          <p:attrName>style.color</p:attrName>
-                                        </p:attrNameLst>
-                                      </p:cBhvr>
-                                      <p:to>
-                                        <a:srgbClr val="C31103"/>
-                                      </p:to>
-                                    </p:animClr>
-                                  </p:childTnLst>
-                                </p:cTn>
-                              </p:par>
-                              <p:par>
-                                <p:cTn id="7" presetID="3" presetClass="emph" presetSubtype="2" fill="hold" nodeType="withEffect">
-                                  <p:stCondLst>
-                                    <p:cond delay="0"/>
-                                  </p:stCondLst>
-                                  <p:childTnLst>
-                                    <p:animClr clrSpc="rgb" dir="cw">
-                                      <p:cBhvr override="childStyle">
-                                        <p:cTn id="8" dur="2000" fill="hold"/>
-                                        <p:tgtEl>
-                                          <p:spTgt spid="4">
-                                            <p:txEl>
-                                              <p:pRg st="9" end="9"/>
-                                            </p:txEl>
-                                          </p:spTgt>
-                                        </p:tgtEl>
-                                        <p:attrNameLst>
-                                          <p:attrName>style.color</p:attrName>
-                                        </p:attrNameLst>
-                                      </p:cBhvr>
-                                      <p:to>
-                                        <a:srgbClr val="C31103"/>
-                                      </p:to>
-                                    </p:animClr>
-                                  </p:childTnLst>
-                                </p:cTn>
-                              </p:par>
-                            </p:childTnLst>
-                          </p:cTn>
-                        </p:par>
-                      </p:childTnLst>
-                    </p:cTn>
-                  </p:par>
-                </p:childTnLst>
-              </p:cTn>
-              <p:prevCondLst>
-                <p:cond evt="onPrev" delay="0">
-                  <p:tgtEl>
-                    <p:sldTgt/>
-                  </p:tgtEl>
-                </p:cond>
-              </p:prevCondLst>
-              <p:nextCondLst>
-                <p:cond evt="onNext" delay="0">
-                  <p:tgtEl>
-                    <p:sldTgt/>
-                  </p:tgtEl>
-                </p:cond>
-              </p:nextCondLst>
-            </p:seq>
-          </p:childTnLst>
-        </p:cTn>
-      </p:par>
-    </p:tnLst>
-  </p:timing>
-</p:sld>
-</file>
-
-<file path=ppt/slides/slide4.xml><?xml version="1.0" encoding="utf-8"?>
-<p:sld xmlns:a="http://schemas.openxmlformats.org/drawingml/2006/main" xmlns:r="http://schemas.openxmlformats.org/officeDocument/2006/relationships" xmlns:p="http://schemas.openxmlformats.org/presentationml/2006/main" show="0">
-  <p:cSld>
-    <p:bg>
-      <p:bgPr>
-        <a:solidFill>
-          <a:schemeClr val="bg1"/>
-        </a:solidFill>
-        <a:effectLst/>
-      </p:bgPr>
-    </p:bg>
-    <p:spTree>
-      <p:nvGrpSpPr>
-        <p:cNvPr id="1" name=""/>
-        <p:cNvGrpSpPr/>
-        <p:nvPr/>
-      </p:nvGrpSpPr>
-      <p:grpSpPr>
-        <a:xfrm>
-          <a:off x="0" y="0"/>
-          <a:ext cx="0" cy="0"/>
-          <a:chOff x="0" y="0"/>
-          <a:chExt cx="0" cy="0"/>
-        </a:xfrm>
-      </p:grpSpPr>
-      <p:sp>
-        <p:nvSpPr>
-          <p:cNvPr id="8" name="Rectangle 7">
-            <a:extLst>
-              <a:ext uri="{FF2B5EF4-FFF2-40B4-BE49-F238E27FC236}">
-                <a16:creationId xmlns:a16="http://schemas.microsoft.com/office/drawing/2014/main" id="{8D70B121-56F4-4848-B38B-182089D909FA}"/>
-              </a:ext>
-            </a:extLst>
-          </p:cNvPr>
-          <p:cNvSpPr>
-            <a:spLocks noGrp="1" noRot="1" noChangeAspect="1" noMove="1" noResize="1" noEditPoints="1" noAdjustHandles="1" noChangeArrowheads="1" noChangeShapeType="1" noTextEdit="1"/>
-          </p:cNvSpPr>
-          <p:nvPr>
-            <p:extLst>
-              <p:ext uri="{386F3935-93C4-4BCD-93E2-E3B085C9AB24}">
-                <p16:designElem xmlns:p16="http://schemas.microsoft.com/office/powerpoint/2015/main" val="1"/>
-              </p:ext>
-            </p:extLst>
-          </p:nvPr>
-        </p:nvSpPr>
-        <p:spPr bwMode="ltGray">
-          <a:xfrm>
-            <a:off x="321564" y="320040"/>
-            <a:ext cx="11548872" cy="6217920"/>
-          </a:xfrm>
-          <a:prstGeom prst="rect">
-            <a:avLst/>
-          </a:prstGeom>
-          <a:solidFill>
-            <a:schemeClr val="tx1">
-              <a:alpha val="8000"/>
-            </a:schemeClr>
-          </a:solidFill>
-          <a:ln w="127000" cap="sq" cmpd="thinThick">
-            <a:noFill/>
-          </a:ln>
-        </p:spPr>
-        <p:style>
-          <a:lnRef idx="2">
-            <a:schemeClr val="accent1">
-              <a:shade val="50000"/>
-            </a:schemeClr>
-          </a:lnRef>
-          <a:fillRef idx="1">
-            <a:schemeClr val="accent1"/>
-          </a:fillRef>
-          <a:effectRef idx="0">
-            <a:schemeClr val="accent1"/>
-          </a:effectRef>
-          <a:fontRef idx="minor">
-            <a:schemeClr val="lt1"/>
-          </a:fontRef>
-        </p:style>
-        <p:txBody>
-          <a:bodyPr rtlCol="0" anchor="ctr"/>
-          <a:lstStyle/>
-          <a:p>
-            <a:pPr algn="ctr"/>
-            <a:endParaRPr lang="en-US"/>
-          </a:p>
-        </p:txBody>
-      </p:sp>
-      <p:cxnSp>
-        <p:nvCxnSpPr>
-          <p:cNvPr id="10" name="Straight Connector 9">
-            <a:extLst>
-              <a:ext uri="{FF2B5EF4-FFF2-40B4-BE49-F238E27FC236}">
-                <a16:creationId xmlns:a16="http://schemas.microsoft.com/office/drawing/2014/main" id="{2D72A2C9-F3CA-4216-8BAD-FA4C970C3C4E}"/>
-              </a:ext>
-            </a:extLst>
-          </p:cNvPr>
-          <p:cNvCxnSpPr>
-            <a:cxnSpLocks noGrp="1" noRot="1" noChangeAspect="1" noMove="1" noResize="1" noEditPoints="1" noAdjustHandles="1" noChangeArrowheads="1" noChangeShapeType="1"/>
-          </p:cNvCxnSpPr>
-          <p:nvPr>
-            <p:extLst>
-              <p:ext uri="{386F3935-93C4-4BCD-93E2-E3B085C9AB24}">
-                <p16:designElem xmlns:p16="http://schemas.microsoft.com/office/powerpoint/2015/main" val="1"/>
-              </p:ext>
-            </p:extLst>
-          </p:nvPr>
-        </p:nvCxnSpPr>
-        <p:spPr>
-          <a:xfrm>
-            <a:off x="4654296" y="2057400"/>
-            <a:ext cx="0" cy="2743200"/>
-          </a:xfrm>
-          <a:prstGeom prst="line">
-            <a:avLst/>
-          </a:prstGeom>
-          <a:ln w="19050">
-            <a:solidFill>
-              <a:schemeClr val="tx1">
-                <a:lumMod val="85000"/>
-                <a:lumOff val="15000"/>
-              </a:schemeClr>
-            </a:solidFill>
-          </a:ln>
-        </p:spPr>
-        <p:style>
-          <a:lnRef idx="1">
-            <a:schemeClr val="accent1"/>
-          </a:lnRef>
-          <a:fillRef idx="0">
-            <a:schemeClr val="accent1"/>
-          </a:fillRef>
-          <a:effectRef idx="0">
-            <a:schemeClr val="accent1"/>
-          </a:effectRef>
-          <a:fontRef idx="minor">
-            <a:schemeClr val="tx1"/>
-          </a:fontRef>
-        </p:style>
-      </p:cxnSp>
-      <p:sp>
-        <p:nvSpPr>
-          <p:cNvPr id="2" name="Title 1">
-            <a:extLst>
-              <a:ext uri="{FF2B5EF4-FFF2-40B4-BE49-F238E27FC236}">
-                <a16:creationId xmlns:a16="http://schemas.microsoft.com/office/drawing/2014/main" id="{A6D59BAF-F2A9-4714-B3A3-694FEBD85140}"/>
-              </a:ext>
-            </a:extLst>
-          </p:cNvPr>
-          <p:cNvSpPr>
-            <a:spLocks noGrp="1"/>
-          </p:cNvSpPr>
-          <p:nvPr>
-            <p:ph type="title"/>
-          </p:nvPr>
-        </p:nvSpPr>
-        <p:spPr>
-          <a:xfrm>
-            <a:off x="838200" y="963877"/>
-            <a:ext cx="3494362" cy="4930246"/>
-          </a:xfrm>
-        </p:spPr>
-        <p:txBody>
-          <a:bodyPr>
-            <a:normAutofit/>
-          </a:bodyPr>
-          <a:lstStyle/>
-          <a:p>
-            <a:pPr algn="r"/>
-            <a:r>
-              <a:rPr lang="en-US" dirty="0">
-                <a:solidFill>
-                  <a:schemeClr val="accent1"/>
-                </a:solidFill>
-              </a:rPr>
-              <a:t>Messages Events Commands</a:t>
-            </a:r>
-          </a:p>
-        </p:txBody>
-      </p:sp>
-      <p:sp>
-        <p:nvSpPr>
-          <p:cNvPr id="3" name="Content Placeholder 2">
-            <a:extLst>
-              <a:ext uri="{FF2B5EF4-FFF2-40B4-BE49-F238E27FC236}">
-                <a16:creationId xmlns:a16="http://schemas.microsoft.com/office/drawing/2014/main" id="{15A19335-50CE-4434-BC84-7D4C7ED18562}"/>
-              </a:ext>
-            </a:extLst>
-          </p:cNvPr>
-          <p:cNvSpPr>
-            <a:spLocks noGrp="1"/>
-          </p:cNvSpPr>
-          <p:nvPr>
-            <p:ph idx="1"/>
-          </p:nvPr>
-        </p:nvSpPr>
-        <p:spPr>
-          <a:xfrm>
-            <a:off x="4976031" y="963877"/>
-            <a:ext cx="6377769" cy="4930246"/>
-          </a:xfrm>
-        </p:spPr>
-        <p:txBody>
-          <a:bodyPr anchor="ctr">
-            <a:normAutofit lnSpcReduction="10000"/>
-          </a:bodyPr>
-          <a:lstStyle/>
-          <a:p>
-            <a:pPr marL="0" indent="0">
-              <a:buNone/>
-            </a:pPr>
-            <a:r>
-              <a:rPr lang="en-US" sz="2400" b="1" dirty="0"/>
-              <a:t>Message</a:t>
-            </a:r>
-          </a:p>
-          <a:p>
-            <a:pPr marL="457200" lvl="1" indent="0">
-              <a:buNone/>
-            </a:pPr>
-            <a:r>
-              <a:rPr lang="en-US" dirty="0"/>
-              <a:t>Any discrete information exchanged between parties with a known or knowable schema</a:t>
-            </a:r>
-          </a:p>
-          <a:p>
-            <a:pPr marL="457200" lvl="1" indent="0">
-              <a:buNone/>
-            </a:pPr>
-            <a:r>
-              <a:rPr lang="en-US" i="1" dirty="0"/>
-              <a:t>[purchase order, list of train schedules, etc.]</a:t>
-            </a:r>
-          </a:p>
-          <a:p>
-            <a:pPr marL="0" indent="0">
-              <a:buNone/>
-            </a:pPr>
-            <a:r>
-              <a:rPr lang="en-US" sz="2400" b="1" dirty="0"/>
-              <a:t>Event</a:t>
-            </a:r>
-          </a:p>
-          <a:p>
-            <a:pPr marL="457200" lvl="1" indent="0">
-              <a:buNone/>
-            </a:pPr>
-            <a:r>
-              <a:rPr lang="en-US" dirty="0"/>
-              <a:t>A uniquely identified message whose intent is to describe something that has already happened</a:t>
-            </a:r>
-          </a:p>
-          <a:p>
-            <a:pPr marL="457200" lvl="1" indent="0">
-              <a:buNone/>
-            </a:pPr>
-            <a:r>
-              <a:rPr lang="en-US" i="1" dirty="0"/>
-              <a:t>[PurchaseOrderCompletedEvent]</a:t>
-            </a:r>
-          </a:p>
-          <a:p>
-            <a:pPr marL="0" indent="0">
-              <a:buNone/>
-            </a:pPr>
-            <a:r>
-              <a:rPr lang="en-US" sz="2400" b="1" dirty="0"/>
-              <a:t>Command</a:t>
-            </a:r>
-          </a:p>
-          <a:p>
-            <a:pPr marL="457200" lvl="1" indent="0">
-              <a:buNone/>
-            </a:pPr>
-            <a:r>
-              <a:rPr lang="en-US" dirty="0"/>
-              <a:t>A message whose intent is to describe something that should happen in the future</a:t>
-            </a:r>
-          </a:p>
-          <a:p>
-            <a:pPr marL="457200" lvl="1" indent="0">
-              <a:buNone/>
-            </a:pPr>
-            <a:r>
-              <a:rPr lang="en-US" i="1" dirty="0"/>
-              <a:t>[</a:t>
-            </a:r>
-            <a:r>
-              <a:rPr lang="en-US" i="1" dirty="0" err="1"/>
-              <a:t>StartTrainCommand</a:t>
-            </a:r>
-            <a:r>
-              <a:rPr lang="en-US" i="1" dirty="0"/>
-              <a:t>]</a:t>
-            </a:r>
-          </a:p>
-        </p:txBody>
-      </p:sp>
-    </p:spTree>
-    <p:extLst>
-      <p:ext uri="{BB962C8B-B14F-4D97-AF65-F5344CB8AC3E}">
-        <p14:creationId xmlns:p14="http://schemas.microsoft.com/office/powerpoint/2010/main" val="877171779"/>
       </p:ext>
     </p:extLst>
   </p:cSld>
@@ -4594,295 +8520,7 @@
                                           </p:stCondLst>
                                         </p:cTn>
                                         <p:tgtEl>
-                                          <p:spTgt spid="3">
-                                            <p:txEl>
-                                              <p:pRg st="0" end="0"/>
-                                            </p:txEl>
-                                          </p:spTgt>
-                                        </p:tgtEl>
-                                        <p:attrNameLst>
-                                          <p:attrName>style.visibility</p:attrName>
-                                        </p:attrNameLst>
-                                      </p:cBhvr>
-                                      <p:to>
-                                        <p:strVal val="visible"/>
-                                      </p:to>
-                                    </p:set>
-                                  </p:childTnLst>
-                                </p:cTn>
-                              </p:par>
-                              <p:par>
-                                <p:cTn id="7" presetID="1" presetClass="entr" presetSubtype="0" fill="hold" nodeType="withEffect">
-                                  <p:stCondLst>
-                                    <p:cond delay="0"/>
-                                  </p:stCondLst>
-                                  <p:childTnLst>
-                                    <p:set>
-                                      <p:cBhvr>
-                                        <p:cTn id="8" dur="1" fill="hold">
-                                          <p:stCondLst>
-                                            <p:cond delay="0"/>
-                                          </p:stCondLst>
-                                        </p:cTn>
-                                        <p:tgtEl>
-                                          <p:spTgt spid="3">
-                                            <p:txEl>
-                                              <p:pRg st="1" end="1"/>
-                                            </p:txEl>
-                                          </p:spTgt>
-                                        </p:tgtEl>
-                                        <p:attrNameLst>
-                                          <p:attrName>style.visibility</p:attrName>
-                                        </p:attrNameLst>
-                                      </p:cBhvr>
-                                      <p:to>
-                                        <p:strVal val="visible"/>
-                                      </p:to>
-                                    </p:set>
-                                  </p:childTnLst>
-                                </p:cTn>
-                              </p:par>
-                              <p:par>
-                                <p:cTn id="9" presetID="1" presetClass="entr" presetSubtype="0" fill="hold" nodeType="withEffect">
-                                  <p:stCondLst>
-                                    <p:cond delay="0"/>
-                                  </p:stCondLst>
-                                  <p:childTnLst>
-                                    <p:set>
-                                      <p:cBhvr>
-                                        <p:cTn id="10" dur="1" fill="hold">
-                                          <p:stCondLst>
-                                            <p:cond delay="0"/>
-                                          </p:stCondLst>
-                                        </p:cTn>
-                                        <p:tgtEl>
-                                          <p:spTgt spid="3">
-                                            <p:txEl>
-                                              <p:pRg st="2" end="2"/>
-                                            </p:txEl>
-                                          </p:spTgt>
-                                        </p:tgtEl>
-                                        <p:attrNameLst>
-                                          <p:attrName>style.visibility</p:attrName>
-                                        </p:attrNameLst>
-                                      </p:cBhvr>
-                                      <p:to>
-                                        <p:strVal val="visible"/>
-                                      </p:to>
-                                    </p:set>
-                                  </p:childTnLst>
-                                </p:cTn>
-                              </p:par>
-                            </p:childTnLst>
-                          </p:cTn>
-                        </p:par>
-                      </p:childTnLst>
-                    </p:cTn>
-                  </p:par>
-                  <p:par>
-                    <p:cTn id="11" fill="hold">
-                      <p:stCondLst>
-                        <p:cond delay="indefinite"/>
-                      </p:stCondLst>
-                      <p:childTnLst>
-                        <p:par>
-                          <p:cTn id="12" fill="hold">
-                            <p:stCondLst>
-                              <p:cond delay="0"/>
-                            </p:stCondLst>
-                            <p:childTnLst>
-                              <p:par>
-                                <p:cTn id="13" presetID="1" presetClass="entr" presetSubtype="0" fill="hold" nodeType="clickEffect">
-                                  <p:stCondLst>
-                                    <p:cond delay="0"/>
-                                  </p:stCondLst>
-                                  <p:childTnLst>
-                                    <p:set>
-                                      <p:cBhvr>
-                                        <p:cTn id="14" dur="1" fill="hold">
-                                          <p:stCondLst>
-                                            <p:cond delay="0"/>
-                                          </p:stCondLst>
-                                        </p:cTn>
-                                        <p:tgtEl>
-                                          <p:spTgt spid="3">
-                                            <p:txEl>
-                                              <p:pRg st="3" end="3"/>
-                                            </p:txEl>
-                                          </p:spTgt>
-                                        </p:tgtEl>
-                                        <p:attrNameLst>
-                                          <p:attrName>style.visibility</p:attrName>
-                                        </p:attrNameLst>
-                                      </p:cBhvr>
-                                      <p:to>
-                                        <p:strVal val="visible"/>
-                                      </p:to>
-                                    </p:set>
-                                  </p:childTnLst>
-                                </p:cTn>
-                              </p:par>
-                              <p:par>
-                                <p:cTn id="15" presetID="1" presetClass="entr" presetSubtype="0" fill="hold" nodeType="withEffect">
-                                  <p:stCondLst>
-                                    <p:cond delay="0"/>
-                                  </p:stCondLst>
-                                  <p:childTnLst>
-                                    <p:set>
-                                      <p:cBhvr>
-                                        <p:cTn id="16" dur="1" fill="hold">
-                                          <p:stCondLst>
-                                            <p:cond delay="0"/>
-                                          </p:stCondLst>
-                                        </p:cTn>
-                                        <p:tgtEl>
-                                          <p:spTgt spid="3">
-                                            <p:txEl>
-                                              <p:pRg st="4" end="4"/>
-                                            </p:txEl>
-                                          </p:spTgt>
-                                        </p:tgtEl>
-                                        <p:attrNameLst>
-                                          <p:attrName>style.visibility</p:attrName>
-                                        </p:attrNameLst>
-                                      </p:cBhvr>
-                                      <p:to>
-                                        <p:strVal val="visible"/>
-                                      </p:to>
-                                    </p:set>
-                                  </p:childTnLst>
-                                </p:cTn>
-                              </p:par>
-                              <p:par>
-                                <p:cTn id="17" presetID="1" presetClass="entr" presetSubtype="0" fill="hold" nodeType="withEffect">
-                                  <p:stCondLst>
-                                    <p:cond delay="0"/>
-                                  </p:stCondLst>
-                                  <p:childTnLst>
-                                    <p:set>
-                                      <p:cBhvr>
-                                        <p:cTn id="18" dur="1" fill="hold">
-                                          <p:stCondLst>
-                                            <p:cond delay="0"/>
-                                          </p:stCondLst>
-                                        </p:cTn>
-                                        <p:tgtEl>
-                                          <p:spTgt spid="3">
-                                            <p:txEl>
-                                              <p:pRg st="5" end="5"/>
-                                            </p:txEl>
-                                          </p:spTgt>
-                                        </p:tgtEl>
-                                        <p:attrNameLst>
-                                          <p:attrName>style.visibility</p:attrName>
-                                        </p:attrNameLst>
-                                      </p:cBhvr>
-                                      <p:to>
-                                        <p:strVal val="visible"/>
-                                      </p:to>
-                                    </p:set>
-                                  </p:childTnLst>
-                                </p:cTn>
-                              </p:par>
-                            </p:childTnLst>
-                          </p:cTn>
-                        </p:par>
-                      </p:childTnLst>
-                    </p:cTn>
-                  </p:par>
-                  <p:par>
-                    <p:cTn id="19" fill="hold">
-                      <p:stCondLst>
-                        <p:cond delay="indefinite"/>
-                      </p:stCondLst>
-                      <p:childTnLst>
-                        <p:par>
-                          <p:cTn id="20" fill="hold">
-                            <p:stCondLst>
-                              <p:cond delay="0"/>
-                            </p:stCondLst>
-                            <p:childTnLst>
-                              <p:par>
-                                <p:cTn id="21" presetID="1" presetClass="entr" presetSubtype="0" fill="hold" nodeType="clickEffect">
-                                  <p:stCondLst>
-                                    <p:cond delay="0"/>
-                                  </p:stCondLst>
-                                  <p:childTnLst>
-                                    <p:set>
-                                      <p:cBhvr>
-                                        <p:cTn id="22" dur="1" fill="hold">
-                                          <p:stCondLst>
-                                            <p:cond delay="0"/>
-                                          </p:stCondLst>
-                                        </p:cTn>
-                                        <p:tgtEl>
-                                          <p:spTgt spid="3">
-                                            <p:txEl>
-                                              <p:pRg st="6" end="6"/>
-                                            </p:txEl>
-                                          </p:spTgt>
-                                        </p:tgtEl>
-                                        <p:attrNameLst>
-                                          <p:attrName>style.visibility</p:attrName>
-                                        </p:attrNameLst>
-                                      </p:cBhvr>
-                                      <p:to>
-                                        <p:strVal val="visible"/>
-                                      </p:to>
-                                    </p:set>
-                                  </p:childTnLst>
-                                </p:cTn>
-                              </p:par>
-                              <p:par>
-                                <p:cTn id="23" presetID="1" presetClass="entr" presetSubtype="0" fill="hold" nodeType="withEffect">
-                                  <p:stCondLst>
-                                    <p:cond delay="0"/>
-                                  </p:stCondLst>
-                                  <p:childTnLst>
-                                    <p:set>
-                                      <p:cBhvr>
-                                        <p:cTn id="24" dur="1" fill="hold">
-                                          <p:stCondLst>
-                                            <p:cond delay="0"/>
-                                          </p:stCondLst>
-                                        </p:cTn>
-                                        <p:tgtEl>
-                                          <p:spTgt spid="3">
-                                            <p:txEl>
-                                              <p:pRg st="7" end="7"/>
-                                            </p:txEl>
-                                          </p:spTgt>
-                                        </p:tgtEl>
-                                        <p:attrNameLst>
-                                          <p:attrName>style.visibility</p:attrName>
-                                        </p:attrNameLst>
-                                      </p:cBhvr>
-                                      <p:to>
-                                        <p:strVal val="visible"/>
-                                      </p:to>
-                                    </p:set>
-                                  </p:childTnLst>
-                                </p:cTn>
-                              </p:par>
-                              <p:par>
-                                <p:cTn id="25" presetID="1" presetClass="entr" presetSubtype="0" fill="hold" nodeType="withEffect">
-                                  <p:stCondLst>
-                                    <p:cond delay="0"/>
-                                  </p:stCondLst>
-                                  <p:childTnLst>
-                                    <p:set>
-                                      <p:cBhvr>
-                                        <p:cTn id="26" dur="1" fill="hold">
-                                          <p:stCondLst>
-                                            <p:cond delay="0"/>
-                                          </p:stCondLst>
-                                        </p:cTn>
-                                        <p:tgtEl>
-                                          <p:spTgt spid="3">
-                                            <p:txEl>
-                                              <p:pRg st="8" end="8"/>
-                                            </p:txEl>
-                                          </p:spTgt>
+                                          <p:spTgt spid="2052"/>
                                         </p:tgtEl>
                                         <p:attrNameLst>
                                           <p:attrName>style.visibility</p:attrName>
@@ -4922,6 +8560,663 @@
         </p:cTn>
       </p:par>
     </p:tnLst>
+  </p:timing>
+</p:sld>
+</file>
+
+<file path=ppt/slides/slide4.xml><?xml version="1.0" encoding="utf-8"?>
+<p:sld xmlns:a="http://schemas.openxmlformats.org/drawingml/2006/main" xmlns:r="http://schemas.openxmlformats.org/officeDocument/2006/relationships" xmlns:p="http://schemas.openxmlformats.org/presentationml/2006/main">
+  <p:cSld>
+    <p:bg>
+      <p:bgPr>
+        <a:blipFill>
+          <a:blip r:embed="rId2"/>
+          <a:tile tx="0" ty="0" sx="100000" sy="100000" flip="none" algn="tl"/>
+        </a:blipFill>
+        <a:effectLst/>
+      </p:bgPr>
+    </p:bg>
+    <p:spTree>
+      <p:nvGrpSpPr>
+        <p:cNvPr id="1" name=""/>
+        <p:cNvGrpSpPr/>
+        <p:nvPr/>
+      </p:nvGrpSpPr>
+      <p:grpSpPr>
+        <a:xfrm>
+          <a:off x="0" y="0"/>
+          <a:ext cx="0" cy="0"/>
+          <a:chOff x="0" y="0"/>
+          <a:chExt cx="0" cy="0"/>
+        </a:xfrm>
+      </p:grpSpPr>
+      <p:sp>
+        <p:nvSpPr>
+          <p:cNvPr id="5" name="Content Placeholder 4">
+            <a:extLst>
+              <a:ext uri="{FF2B5EF4-FFF2-40B4-BE49-F238E27FC236}">
+                <a16:creationId xmlns:a16="http://schemas.microsoft.com/office/drawing/2014/main" id="{DDA7A36D-B28D-42E4-ACCB-EAEA8DF2C070}"/>
+              </a:ext>
+            </a:extLst>
+          </p:cNvPr>
+          <p:cNvSpPr>
+            <a:spLocks noGrp="1"/>
+          </p:cNvSpPr>
+          <p:nvPr>
+            <p:ph idx="4294967295"/>
+          </p:nvPr>
+        </p:nvSpPr>
+        <p:spPr>
+          <a:xfrm>
+            <a:off x="2577398" y="878928"/>
+            <a:ext cx="6923319" cy="581673"/>
+          </a:xfrm>
+        </p:spPr>
+        <p:txBody>
+          <a:bodyPr>
+            <a:noAutofit/>
+          </a:bodyPr>
+          <a:lstStyle/>
+          <a:p>
+            <a:pPr marL="0" indent="0" algn="ctr">
+              <a:buNone/>
+            </a:pPr>
+            <a:r>
+              <a:rPr lang="en-US" sz="4000" dirty="0"/>
+              <a:t>Data “liveness” vs. data scope</a:t>
+            </a:r>
+          </a:p>
+        </p:txBody>
+      </p:sp>
+      <p:sp>
+        <p:nvSpPr>
+          <p:cNvPr id="6" name="Content Placeholder 4">
+            <a:extLst>
+              <a:ext uri="{FF2B5EF4-FFF2-40B4-BE49-F238E27FC236}">
+                <a16:creationId xmlns:a16="http://schemas.microsoft.com/office/drawing/2014/main" id="{F8544941-6DEE-49AF-A744-7C5BF1C2CC2D}"/>
+              </a:ext>
+            </a:extLst>
+          </p:cNvPr>
+          <p:cNvSpPr txBox="1">
+            <a:spLocks/>
+          </p:cNvSpPr>
+          <p:nvPr/>
+        </p:nvSpPr>
+        <p:spPr>
+          <a:xfrm>
+            <a:off x="484940" y="2940514"/>
+            <a:ext cx="11108233" cy="581673"/>
+          </a:xfrm>
+          <a:prstGeom prst="rect">
+            <a:avLst/>
+          </a:prstGeom>
+        </p:spPr>
+        <p:txBody>
+          <a:bodyPr vert="horz" lIns="91440" tIns="45720" rIns="91440" bIns="45720" rtlCol="0">
+            <a:noAutofit/>
+          </a:bodyPr>
+          <a:lstStyle>
+            <a:lvl1pPr marL="228600" indent="-228600" algn="l" defTabSz="914400" rtl="0" eaLnBrk="1" latinLnBrk="0" hangingPunct="1">
+              <a:lnSpc>
+                <a:spcPct val="90000"/>
+              </a:lnSpc>
+              <a:spcBef>
+                <a:spcPts val="1000"/>
+              </a:spcBef>
+              <a:buFont typeface="Arial" panose="020B0604020202020204" pitchFamily="34" charset="0"/>
+              <a:buChar char="•"/>
+              <a:defRPr sz="2800" kern="1200">
+                <a:solidFill>
+                  <a:schemeClr val="tx1"/>
+                </a:solidFill>
+                <a:latin typeface="+mn-lt"/>
+                <a:ea typeface="+mn-ea"/>
+                <a:cs typeface="+mn-cs"/>
+              </a:defRPr>
+            </a:lvl1pPr>
+            <a:lvl2pPr marL="685800" indent="-228600" algn="l" defTabSz="914400" rtl="0" eaLnBrk="1" latinLnBrk="0" hangingPunct="1">
+              <a:lnSpc>
+                <a:spcPct val="90000"/>
+              </a:lnSpc>
+              <a:spcBef>
+                <a:spcPts val="500"/>
+              </a:spcBef>
+              <a:buFont typeface="Arial" panose="020B0604020202020204" pitchFamily="34" charset="0"/>
+              <a:buChar char="•"/>
+              <a:defRPr sz="2400" kern="1200">
+                <a:solidFill>
+                  <a:schemeClr val="tx1"/>
+                </a:solidFill>
+                <a:latin typeface="+mn-lt"/>
+                <a:ea typeface="+mn-ea"/>
+                <a:cs typeface="+mn-cs"/>
+              </a:defRPr>
+            </a:lvl2pPr>
+            <a:lvl3pPr marL="1143000" indent="-228600" algn="l" defTabSz="914400" rtl="0" eaLnBrk="1" latinLnBrk="0" hangingPunct="1">
+              <a:lnSpc>
+                <a:spcPct val="90000"/>
+              </a:lnSpc>
+              <a:spcBef>
+                <a:spcPts val="500"/>
+              </a:spcBef>
+              <a:buFont typeface="Arial" panose="020B0604020202020204" pitchFamily="34" charset="0"/>
+              <a:buChar char="•"/>
+              <a:defRPr sz="2000" kern="1200">
+                <a:solidFill>
+                  <a:schemeClr val="tx1"/>
+                </a:solidFill>
+                <a:latin typeface="+mn-lt"/>
+                <a:ea typeface="+mn-ea"/>
+                <a:cs typeface="+mn-cs"/>
+              </a:defRPr>
+            </a:lvl3pPr>
+            <a:lvl4pPr marL="1600200" indent="-228600" algn="l" defTabSz="914400" rtl="0" eaLnBrk="1" latinLnBrk="0" hangingPunct="1">
+              <a:lnSpc>
+                <a:spcPct val="90000"/>
+              </a:lnSpc>
+              <a:spcBef>
+                <a:spcPts val="500"/>
+              </a:spcBef>
+              <a:buFont typeface="Arial" panose="020B0604020202020204" pitchFamily="34" charset="0"/>
+              <a:buChar char="•"/>
+              <a:defRPr sz="1800" kern="1200">
+                <a:solidFill>
+                  <a:schemeClr val="tx1"/>
+                </a:solidFill>
+                <a:latin typeface="+mn-lt"/>
+                <a:ea typeface="+mn-ea"/>
+                <a:cs typeface="+mn-cs"/>
+              </a:defRPr>
+            </a:lvl4pPr>
+            <a:lvl5pPr marL="2057400" indent="-228600" algn="l" defTabSz="914400" rtl="0" eaLnBrk="1" latinLnBrk="0" hangingPunct="1">
+              <a:lnSpc>
+                <a:spcPct val="90000"/>
+              </a:lnSpc>
+              <a:spcBef>
+                <a:spcPts val="500"/>
+              </a:spcBef>
+              <a:buFont typeface="Arial" panose="020B0604020202020204" pitchFamily="34" charset="0"/>
+              <a:buChar char="•"/>
+              <a:defRPr sz="1800" kern="1200">
+                <a:solidFill>
+                  <a:schemeClr val="tx1"/>
+                </a:solidFill>
+                <a:latin typeface="+mn-lt"/>
+                <a:ea typeface="+mn-ea"/>
+                <a:cs typeface="+mn-cs"/>
+              </a:defRPr>
+            </a:lvl5pPr>
+            <a:lvl6pPr marL="2514600" indent="-228600" algn="l" defTabSz="914400" rtl="0" eaLnBrk="1" latinLnBrk="0" hangingPunct="1">
+              <a:lnSpc>
+                <a:spcPct val="90000"/>
+              </a:lnSpc>
+              <a:spcBef>
+                <a:spcPts val="500"/>
+              </a:spcBef>
+              <a:buFont typeface="Arial" panose="020B0604020202020204" pitchFamily="34" charset="0"/>
+              <a:buChar char="•"/>
+              <a:defRPr sz="1800" kern="1200">
+                <a:solidFill>
+                  <a:schemeClr val="tx1"/>
+                </a:solidFill>
+                <a:latin typeface="+mn-lt"/>
+                <a:ea typeface="+mn-ea"/>
+                <a:cs typeface="+mn-cs"/>
+              </a:defRPr>
+            </a:lvl6pPr>
+            <a:lvl7pPr marL="2971800" indent="-228600" algn="l" defTabSz="914400" rtl="0" eaLnBrk="1" latinLnBrk="0" hangingPunct="1">
+              <a:lnSpc>
+                <a:spcPct val="90000"/>
+              </a:lnSpc>
+              <a:spcBef>
+                <a:spcPts val="500"/>
+              </a:spcBef>
+              <a:buFont typeface="Arial" panose="020B0604020202020204" pitchFamily="34" charset="0"/>
+              <a:buChar char="•"/>
+              <a:defRPr sz="1800" kern="1200">
+                <a:solidFill>
+                  <a:schemeClr val="tx1"/>
+                </a:solidFill>
+                <a:latin typeface="+mn-lt"/>
+                <a:ea typeface="+mn-ea"/>
+                <a:cs typeface="+mn-cs"/>
+              </a:defRPr>
+            </a:lvl7pPr>
+            <a:lvl8pPr marL="3429000" indent="-228600" algn="l" defTabSz="914400" rtl="0" eaLnBrk="1" latinLnBrk="0" hangingPunct="1">
+              <a:lnSpc>
+                <a:spcPct val="90000"/>
+              </a:lnSpc>
+              <a:spcBef>
+                <a:spcPts val="500"/>
+              </a:spcBef>
+              <a:buFont typeface="Arial" panose="020B0604020202020204" pitchFamily="34" charset="0"/>
+              <a:buChar char="•"/>
+              <a:defRPr sz="1800" kern="1200">
+                <a:solidFill>
+                  <a:schemeClr val="tx1"/>
+                </a:solidFill>
+                <a:latin typeface="+mn-lt"/>
+                <a:ea typeface="+mn-ea"/>
+                <a:cs typeface="+mn-cs"/>
+              </a:defRPr>
+            </a:lvl8pPr>
+            <a:lvl9pPr marL="3886200" indent="-228600" algn="l" defTabSz="914400" rtl="0" eaLnBrk="1" latinLnBrk="0" hangingPunct="1">
+              <a:lnSpc>
+                <a:spcPct val="90000"/>
+              </a:lnSpc>
+              <a:spcBef>
+                <a:spcPts val="500"/>
+              </a:spcBef>
+              <a:buFont typeface="Arial" panose="020B0604020202020204" pitchFamily="34" charset="0"/>
+              <a:buChar char="•"/>
+              <a:defRPr sz="1800" kern="1200">
+                <a:solidFill>
+                  <a:schemeClr val="tx1"/>
+                </a:solidFill>
+                <a:latin typeface="+mn-lt"/>
+                <a:ea typeface="+mn-ea"/>
+                <a:cs typeface="+mn-cs"/>
+              </a:defRPr>
+            </a:lvl9pPr>
+          </a:lstStyle>
+          <a:p>
+            <a:pPr marL="0" indent="0" algn="ctr">
+              <a:buFont typeface="Arial" panose="020B0604020202020204" pitchFamily="34" charset="0"/>
+              <a:buNone/>
+            </a:pPr>
+            <a:r>
+              <a:rPr lang="en-US" sz="4000" dirty="0"/>
+              <a:t>Latency of insight vs. depth/breadth of insight</a:t>
+            </a:r>
+          </a:p>
+        </p:txBody>
+      </p:sp>
+      <p:sp>
+        <p:nvSpPr>
+          <p:cNvPr id="7" name="Content Placeholder 4">
+            <a:extLst>
+              <a:ext uri="{FF2B5EF4-FFF2-40B4-BE49-F238E27FC236}">
+                <a16:creationId xmlns:a16="http://schemas.microsoft.com/office/drawing/2014/main" id="{462476B6-6D37-4A1E-85B7-684D6F8B7076}"/>
+              </a:ext>
+            </a:extLst>
+          </p:cNvPr>
+          <p:cNvSpPr txBox="1">
+            <a:spLocks/>
+          </p:cNvSpPr>
+          <p:nvPr/>
+        </p:nvSpPr>
+        <p:spPr>
+          <a:xfrm>
+            <a:off x="3102382" y="5065742"/>
+            <a:ext cx="5873347" cy="581673"/>
+          </a:xfrm>
+          <a:prstGeom prst="rect">
+            <a:avLst/>
+          </a:prstGeom>
+        </p:spPr>
+        <p:txBody>
+          <a:bodyPr vert="horz" lIns="91440" tIns="45720" rIns="91440" bIns="45720" rtlCol="0">
+            <a:normAutofit lnSpcReduction="10000"/>
+          </a:bodyPr>
+          <a:lstStyle>
+            <a:lvl1pPr marL="228600" indent="-228600" algn="l" defTabSz="914400" rtl="0" eaLnBrk="1" latinLnBrk="0" hangingPunct="1">
+              <a:lnSpc>
+                <a:spcPct val="90000"/>
+              </a:lnSpc>
+              <a:spcBef>
+                <a:spcPts val="1000"/>
+              </a:spcBef>
+              <a:buFont typeface="Arial" panose="020B0604020202020204" pitchFamily="34" charset="0"/>
+              <a:buChar char="•"/>
+              <a:defRPr sz="2800" kern="1200">
+                <a:solidFill>
+                  <a:schemeClr val="tx1"/>
+                </a:solidFill>
+                <a:latin typeface="+mn-lt"/>
+                <a:ea typeface="+mn-ea"/>
+                <a:cs typeface="+mn-cs"/>
+              </a:defRPr>
+            </a:lvl1pPr>
+            <a:lvl2pPr marL="685800" indent="-228600" algn="l" defTabSz="914400" rtl="0" eaLnBrk="1" latinLnBrk="0" hangingPunct="1">
+              <a:lnSpc>
+                <a:spcPct val="90000"/>
+              </a:lnSpc>
+              <a:spcBef>
+                <a:spcPts val="500"/>
+              </a:spcBef>
+              <a:buFont typeface="Arial" panose="020B0604020202020204" pitchFamily="34" charset="0"/>
+              <a:buChar char="•"/>
+              <a:defRPr sz="2400" kern="1200">
+                <a:solidFill>
+                  <a:schemeClr val="tx1"/>
+                </a:solidFill>
+                <a:latin typeface="+mn-lt"/>
+                <a:ea typeface="+mn-ea"/>
+                <a:cs typeface="+mn-cs"/>
+              </a:defRPr>
+            </a:lvl2pPr>
+            <a:lvl3pPr marL="1143000" indent="-228600" algn="l" defTabSz="914400" rtl="0" eaLnBrk="1" latinLnBrk="0" hangingPunct="1">
+              <a:lnSpc>
+                <a:spcPct val="90000"/>
+              </a:lnSpc>
+              <a:spcBef>
+                <a:spcPts val="500"/>
+              </a:spcBef>
+              <a:buFont typeface="Arial" panose="020B0604020202020204" pitchFamily="34" charset="0"/>
+              <a:buChar char="•"/>
+              <a:defRPr sz="2000" kern="1200">
+                <a:solidFill>
+                  <a:schemeClr val="tx1"/>
+                </a:solidFill>
+                <a:latin typeface="+mn-lt"/>
+                <a:ea typeface="+mn-ea"/>
+                <a:cs typeface="+mn-cs"/>
+              </a:defRPr>
+            </a:lvl3pPr>
+            <a:lvl4pPr marL="1600200" indent="-228600" algn="l" defTabSz="914400" rtl="0" eaLnBrk="1" latinLnBrk="0" hangingPunct="1">
+              <a:lnSpc>
+                <a:spcPct val="90000"/>
+              </a:lnSpc>
+              <a:spcBef>
+                <a:spcPts val="500"/>
+              </a:spcBef>
+              <a:buFont typeface="Arial" panose="020B0604020202020204" pitchFamily="34" charset="0"/>
+              <a:buChar char="•"/>
+              <a:defRPr sz="1800" kern="1200">
+                <a:solidFill>
+                  <a:schemeClr val="tx1"/>
+                </a:solidFill>
+                <a:latin typeface="+mn-lt"/>
+                <a:ea typeface="+mn-ea"/>
+                <a:cs typeface="+mn-cs"/>
+              </a:defRPr>
+            </a:lvl4pPr>
+            <a:lvl5pPr marL="2057400" indent="-228600" algn="l" defTabSz="914400" rtl="0" eaLnBrk="1" latinLnBrk="0" hangingPunct="1">
+              <a:lnSpc>
+                <a:spcPct val="90000"/>
+              </a:lnSpc>
+              <a:spcBef>
+                <a:spcPts val="500"/>
+              </a:spcBef>
+              <a:buFont typeface="Arial" panose="020B0604020202020204" pitchFamily="34" charset="0"/>
+              <a:buChar char="•"/>
+              <a:defRPr sz="1800" kern="1200">
+                <a:solidFill>
+                  <a:schemeClr val="tx1"/>
+                </a:solidFill>
+                <a:latin typeface="+mn-lt"/>
+                <a:ea typeface="+mn-ea"/>
+                <a:cs typeface="+mn-cs"/>
+              </a:defRPr>
+            </a:lvl5pPr>
+            <a:lvl6pPr marL="2514600" indent="-228600" algn="l" defTabSz="914400" rtl="0" eaLnBrk="1" latinLnBrk="0" hangingPunct="1">
+              <a:lnSpc>
+                <a:spcPct val="90000"/>
+              </a:lnSpc>
+              <a:spcBef>
+                <a:spcPts val="500"/>
+              </a:spcBef>
+              <a:buFont typeface="Arial" panose="020B0604020202020204" pitchFamily="34" charset="0"/>
+              <a:buChar char="•"/>
+              <a:defRPr sz="1800" kern="1200">
+                <a:solidFill>
+                  <a:schemeClr val="tx1"/>
+                </a:solidFill>
+                <a:latin typeface="+mn-lt"/>
+                <a:ea typeface="+mn-ea"/>
+                <a:cs typeface="+mn-cs"/>
+              </a:defRPr>
+            </a:lvl6pPr>
+            <a:lvl7pPr marL="2971800" indent="-228600" algn="l" defTabSz="914400" rtl="0" eaLnBrk="1" latinLnBrk="0" hangingPunct="1">
+              <a:lnSpc>
+                <a:spcPct val="90000"/>
+              </a:lnSpc>
+              <a:spcBef>
+                <a:spcPts val="500"/>
+              </a:spcBef>
+              <a:buFont typeface="Arial" panose="020B0604020202020204" pitchFamily="34" charset="0"/>
+              <a:buChar char="•"/>
+              <a:defRPr sz="1800" kern="1200">
+                <a:solidFill>
+                  <a:schemeClr val="tx1"/>
+                </a:solidFill>
+                <a:latin typeface="+mn-lt"/>
+                <a:ea typeface="+mn-ea"/>
+                <a:cs typeface="+mn-cs"/>
+              </a:defRPr>
+            </a:lvl7pPr>
+            <a:lvl8pPr marL="3429000" indent="-228600" algn="l" defTabSz="914400" rtl="0" eaLnBrk="1" latinLnBrk="0" hangingPunct="1">
+              <a:lnSpc>
+                <a:spcPct val="90000"/>
+              </a:lnSpc>
+              <a:spcBef>
+                <a:spcPts val="500"/>
+              </a:spcBef>
+              <a:buFont typeface="Arial" panose="020B0604020202020204" pitchFamily="34" charset="0"/>
+              <a:buChar char="•"/>
+              <a:defRPr sz="1800" kern="1200">
+                <a:solidFill>
+                  <a:schemeClr val="tx1"/>
+                </a:solidFill>
+                <a:latin typeface="+mn-lt"/>
+                <a:ea typeface="+mn-ea"/>
+                <a:cs typeface="+mn-cs"/>
+              </a:defRPr>
+            </a:lvl8pPr>
+            <a:lvl9pPr marL="3886200" indent="-228600" algn="l" defTabSz="914400" rtl="0" eaLnBrk="1" latinLnBrk="0" hangingPunct="1">
+              <a:lnSpc>
+                <a:spcPct val="90000"/>
+              </a:lnSpc>
+              <a:spcBef>
+                <a:spcPts val="500"/>
+              </a:spcBef>
+              <a:buFont typeface="Arial" panose="020B0604020202020204" pitchFamily="34" charset="0"/>
+              <a:buChar char="•"/>
+              <a:defRPr sz="1800" kern="1200">
+                <a:solidFill>
+                  <a:schemeClr val="tx1"/>
+                </a:solidFill>
+                <a:latin typeface="+mn-lt"/>
+                <a:ea typeface="+mn-ea"/>
+                <a:cs typeface="+mn-cs"/>
+              </a:defRPr>
+            </a:lvl9pPr>
+          </a:lstStyle>
+          <a:p>
+            <a:pPr marL="0" indent="0" algn="ctr">
+              <a:buFont typeface="Arial" panose="020B0604020202020204" pitchFamily="34" charset="0"/>
+              <a:buNone/>
+            </a:pPr>
+            <a:r>
+              <a:rPr lang="en-US" sz="4000" dirty="0"/>
+              <a:t>Batch vs. stream</a:t>
+            </a:r>
+          </a:p>
+        </p:txBody>
+      </p:sp>
+    </p:spTree>
+    <p:extLst>
+      <p:ext uri="{BB962C8B-B14F-4D97-AF65-F5344CB8AC3E}">
+        <p14:creationId xmlns:p14="http://schemas.microsoft.com/office/powerpoint/2010/main" val="1740726635"/>
+      </p:ext>
+    </p:extLst>
+  </p:cSld>
+  <p:clrMapOvr>
+    <a:masterClrMapping/>
+  </p:clrMapOvr>
+  <p:timing>
+    <p:tnLst>
+      <p:par>
+        <p:cTn id="1" dur="indefinite" restart="never" nodeType="tmRoot">
+          <p:childTnLst>
+            <p:seq concurrent="1" nextAc="seek">
+              <p:cTn id="2" dur="indefinite" nodeType="mainSeq">
+                <p:childTnLst>
+                  <p:par>
+                    <p:cTn id="3" fill="hold">
+                      <p:stCondLst>
+                        <p:cond delay="indefinite"/>
+                      </p:stCondLst>
+                      <p:childTnLst>
+                        <p:par>
+                          <p:cTn id="4" fill="hold">
+                            <p:stCondLst>
+                              <p:cond delay="0"/>
+                            </p:stCondLst>
+                            <p:childTnLst>
+                              <p:par>
+                                <p:cTn id="5" presetID="1" presetClass="entr" presetSubtype="0" fill="hold" grpId="0" nodeType="clickEffect">
+                                  <p:stCondLst>
+                                    <p:cond delay="0"/>
+                                  </p:stCondLst>
+                                  <p:childTnLst>
+                                    <p:set>
+                                      <p:cBhvr>
+                                        <p:cTn id="6" dur="1" fill="hold">
+                                          <p:stCondLst>
+                                            <p:cond delay="0"/>
+                                          </p:stCondLst>
+                                        </p:cTn>
+                                        <p:tgtEl>
+                                          <p:spTgt spid="5">
+                                            <p:txEl>
+                                              <p:pRg st="0" end="0"/>
+                                            </p:txEl>
+                                          </p:spTgt>
+                                        </p:tgtEl>
+                                        <p:attrNameLst>
+                                          <p:attrName>style.visibility</p:attrName>
+                                        </p:attrNameLst>
+                                      </p:cBhvr>
+                                      <p:to>
+                                        <p:strVal val="visible"/>
+                                      </p:to>
+                                    </p:set>
+                                  </p:childTnLst>
+                                </p:cTn>
+                              </p:par>
+                            </p:childTnLst>
+                          </p:cTn>
+                        </p:par>
+                      </p:childTnLst>
+                    </p:cTn>
+                  </p:par>
+                  <p:par>
+                    <p:cTn id="7" fill="hold">
+                      <p:stCondLst>
+                        <p:cond delay="indefinite"/>
+                      </p:stCondLst>
+                      <p:childTnLst>
+                        <p:par>
+                          <p:cTn id="8" fill="hold">
+                            <p:stCondLst>
+                              <p:cond delay="0"/>
+                            </p:stCondLst>
+                            <p:childTnLst>
+                              <p:par>
+                                <p:cTn id="9" presetID="1" presetClass="entr" presetSubtype="0" fill="hold" grpId="0" nodeType="clickEffect">
+                                  <p:stCondLst>
+                                    <p:cond delay="0"/>
+                                  </p:stCondLst>
+                                  <p:childTnLst>
+                                    <p:set>
+                                      <p:cBhvr>
+                                        <p:cTn id="10" dur="1" fill="hold">
+                                          <p:stCondLst>
+                                            <p:cond delay="0"/>
+                                          </p:stCondLst>
+                                        </p:cTn>
+                                        <p:tgtEl>
+                                          <p:spTgt spid="6"/>
+                                        </p:tgtEl>
+                                        <p:attrNameLst>
+                                          <p:attrName>style.visibility</p:attrName>
+                                        </p:attrNameLst>
+                                      </p:cBhvr>
+                                      <p:to>
+                                        <p:strVal val="visible"/>
+                                      </p:to>
+                                    </p:set>
+                                  </p:childTnLst>
+                                </p:cTn>
+                              </p:par>
+                            </p:childTnLst>
+                          </p:cTn>
+                        </p:par>
+                      </p:childTnLst>
+                    </p:cTn>
+                  </p:par>
+                  <p:par>
+                    <p:cTn id="11" fill="hold">
+                      <p:stCondLst>
+                        <p:cond delay="indefinite"/>
+                      </p:stCondLst>
+                      <p:childTnLst>
+                        <p:par>
+                          <p:cTn id="12" fill="hold">
+                            <p:stCondLst>
+                              <p:cond delay="0"/>
+                            </p:stCondLst>
+                            <p:childTnLst>
+                              <p:par>
+                                <p:cTn id="13" presetID="1" presetClass="entr" presetSubtype="0" fill="hold" grpId="0" nodeType="clickEffect">
+                                  <p:stCondLst>
+                                    <p:cond delay="0"/>
+                                  </p:stCondLst>
+                                  <p:childTnLst>
+                                    <p:set>
+                                      <p:cBhvr>
+                                        <p:cTn id="14" dur="1" fill="hold">
+                                          <p:stCondLst>
+                                            <p:cond delay="0"/>
+                                          </p:stCondLst>
+                                        </p:cTn>
+                                        <p:tgtEl>
+                                          <p:spTgt spid="7"/>
+                                        </p:tgtEl>
+                                        <p:attrNameLst>
+                                          <p:attrName>style.visibility</p:attrName>
+                                        </p:attrNameLst>
+                                      </p:cBhvr>
+                                      <p:to>
+                                        <p:strVal val="visible"/>
+                                      </p:to>
+                                    </p:set>
+                                  </p:childTnLst>
+                                </p:cTn>
+                              </p:par>
+                            </p:childTnLst>
+                          </p:cTn>
+                        </p:par>
+                      </p:childTnLst>
+                    </p:cTn>
+                  </p:par>
+                </p:childTnLst>
+              </p:cTn>
+              <p:prevCondLst>
+                <p:cond evt="onPrev" delay="0">
+                  <p:tgtEl>
+                    <p:sldTgt/>
+                  </p:tgtEl>
+                </p:cond>
+              </p:prevCondLst>
+              <p:nextCondLst>
+                <p:cond evt="onNext" delay="0">
+                  <p:tgtEl>
+                    <p:sldTgt/>
+                  </p:tgtEl>
+                </p:cond>
+              </p:nextCondLst>
+            </p:seq>
+          </p:childTnLst>
+        </p:cTn>
+      </p:par>
+    </p:tnLst>
+    <p:bldLst>
+      <p:bldP spid="5" grpId="0" build="p"/>
+      <p:bldP spid="6" grpId="0"/>
+      <p:bldP spid="7" grpId="0"/>
+    </p:bldLst>
   </p:timing>
 </p:sld>
 </file>
